--- a/Seguridad_de_aplicaciones_web.pptx
+++ b/Seguridad_de_aplicaciones_web.pptx
@@ -5,32 +5,26 @@
     <p:sldMasterId id="2147483659" r:id="rId1"/>
   </p:sldMasterIdLst>
   <p:notesMasterIdLst>
-    <p:notesMasterId r:id="rId25"/>
+    <p:notesMasterId r:id="rId19"/>
   </p:notesMasterIdLst>
   <p:sldIdLst>
     <p:sldId id="256" r:id="rId2"/>
     <p:sldId id="257" r:id="rId3"/>
     <p:sldId id="258" r:id="rId4"/>
-    <p:sldId id="259" r:id="rId5"/>
-    <p:sldId id="260" r:id="rId6"/>
-    <p:sldId id="261" r:id="rId7"/>
-    <p:sldId id="262" r:id="rId8"/>
-    <p:sldId id="263" r:id="rId9"/>
-    <p:sldId id="264" r:id="rId10"/>
-    <p:sldId id="265" r:id="rId11"/>
-    <p:sldId id="266" r:id="rId12"/>
-    <p:sldId id="267" r:id="rId13"/>
-    <p:sldId id="268" r:id="rId14"/>
-    <p:sldId id="269" r:id="rId15"/>
-    <p:sldId id="270" r:id="rId16"/>
-    <p:sldId id="271" r:id="rId17"/>
-    <p:sldId id="275" r:id="rId18"/>
-    <p:sldId id="272" r:id="rId19"/>
-    <p:sldId id="276" r:id="rId20"/>
-    <p:sldId id="277" r:id="rId21"/>
-    <p:sldId id="278" r:id="rId22"/>
-    <p:sldId id="279" r:id="rId23"/>
-    <p:sldId id="274" r:id="rId24"/>
+    <p:sldId id="268" r:id="rId5"/>
+    <p:sldId id="271" r:id="rId6"/>
+    <p:sldId id="284" r:id="rId7"/>
+    <p:sldId id="269" r:id="rId8"/>
+    <p:sldId id="277" r:id="rId9"/>
+    <p:sldId id="278" r:id="rId10"/>
+    <p:sldId id="279" r:id="rId11"/>
+    <p:sldId id="281" r:id="rId12"/>
+    <p:sldId id="282" r:id="rId13"/>
+    <p:sldId id="283" r:id="rId14"/>
+    <p:sldId id="280" r:id="rId15"/>
+    <p:sldId id="275" r:id="rId16"/>
+    <p:sldId id="276" r:id="rId17"/>
+    <p:sldId id="274" r:id="rId18"/>
   </p:sldIdLst>
   <p:sldSz cx="9144000" cy="5143500" type="screen16x9"/>
   <p:notesSz cx="6858000" cy="9144000"/>
@@ -238,7 +232,7 @@
   </p:defaultTextStyle>
   <p:extLst>
     <p:ext uri="{EFAFB233-063F-42B5-8137-9DF3F51BA10A}">
-      <p15:sldGuideLst xmlns:p15="http://schemas.microsoft.com/office/powerpoint/2012/main"/>
+      <p15:sldGuideLst xmlns="" xmlns:p15="http://schemas.microsoft.com/office/powerpoint/2012/main"/>
     </p:ext>
   </p:extLst>
 </p:presentation>
@@ -424,7 +418,7 @@
     </p:spTree>
     <p:extLst>
       <p:ext uri="{BB962C8B-B14F-4D97-AF65-F5344CB8AC3E}">
-        <p14:creationId xmlns:p14="http://schemas.microsoft.com/office/powerpoint/2010/main" val="3954009524"/>
+        <p14:creationId xmlns="" xmlns:p14="http://schemas.microsoft.com/office/powerpoint/2010/main" val="3954009524"/>
       </p:ext>
     </p:extLst>
   </p:cSld>
@@ -553,8 +547,8 @@
         </p:nvSpPr>
         <p:spPr>
           <a:xfrm>
-            <a:off x="381300" y="685800"/>
-            <a:ext cx="6096075" cy="3429000"/>
+            <a:off x="381000" y="685800"/>
+            <a:ext cx="6096000" cy="3429000"/>
           </a:xfrm>
           <a:custGeom>
             <a:avLst/>
@@ -620,7 +614,7 @@
     </p:spTree>
     <p:extLst>
       <p:ext uri="{BB962C8B-B14F-4D97-AF65-F5344CB8AC3E}">
-        <p14:creationId xmlns:p14="http://schemas.microsoft.com/office/powerpoint/2010/main" val="2575898211"/>
+        <p14:creationId xmlns="" xmlns:p14="http://schemas.microsoft.com/office/powerpoint/2010/main" val="2575898211"/>
       </p:ext>
     </p:extLst>
   </p:cSld>
@@ -635,7 +629,7 @@
   <p:cSld>
     <p:spTree>
       <p:nvGrpSpPr>
-        <p:cNvPr id="1" name="Shape 111"/>
+        <p:cNvPr id="1" name="Shape 131"/>
         <p:cNvGrpSpPr/>
         <p:nvPr/>
       </p:nvGrpSpPr>
@@ -649,7 +643,7 @@
       </p:grpSpPr>
       <p:sp>
         <p:nvSpPr>
-          <p:cNvPr id="112" name="Shape 112"/>
+          <p:cNvPr id="132" name="Shape 132"/>
           <p:cNvSpPr>
             <a:spLocks noGrp="1" noRot="1" noChangeAspect="1"/>
           </p:cNvSpPr>
@@ -659,7 +653,7 @@
         </p:nvSpPr>
         <p:spPr>
           <a:xfrm>
-            <a:off x="381300" y="685800"/>
+            <a:off x="381000" y="685800"/>
             <a:ext cx="6096000" cy="3429000"/>
           </a:xfrm>
           <a:custGeom>
@@ -690,7 +684,7 @@
       </p:sp>
       <p:sp>
         <p:nvSpPr>
-          <p:cNvPr id="113" name="Shape 113"/>
+          <p:cNvPr id="133" name="Shape 133"/>
           <p:cNvSpPr txBox="1">
             <a:spLocks noGrp="1"/>
           </p:cNvSpPr>
@@ -713,7 +707,7 @@
           </a:bodyPr>
           <a:lstStyle/>
           <a:p>
-            <a:pPr lvl="0">
+            <a:pPr lvl="0" rtl="0">
               <a:spcBef>
                 <a:spcPts val="0"/>
               </a:spcBef>
@@ -726,7 +720,7 @@
     </p:spTree>
     <p:extLst>
       <p:ext uri="{BB962C8B-B14F-4D97-AF65-F5344CB8AC3E}">
-        <p14:creationId xmlns:p14="http://schemas.microsoft.com/office/powerpoint/2010/main" val="1589363874"/>
+        <p14:creationId xmlns="" xmlns:p14="http://schemas.microsoft.com/office/powerpoint/2010/main" val="3361996585"/>
       </p:ext>
     </p:extLst>
   </p:cSld>
@@ -741,7 +735,7 @@
   <p:cSld>
     <p:spTree>
       <p:nvGrpSpPr>
-        <p:cNvPr id="1" name="Shape 117"/>
+        <p:cNvPr id="1" name="Shape 138"/>
         <p:cNvGrpSpPr/>
         <p:nvPr/>
       </p:nvGrpSpPr>
@@ -755,7 +749,7 @@
       </p:grpSpPr>
       <p:sp>
         <p:nvSpPr>
-          <p:cNvPr id="118" name="Shape 118"/>
+          <p:cNvPr id="139" name="Shape 139"/>
           <p:cNvSpPr>
             <a:spLocks noGrp="1" noRot="1" noChangeAspect="1"/>
           </p:cNvSpPr>
@@ -765,7 +759,7 @@
         </p:nvSpPr>
         <p:spPr>
           <a:xfrm>
-            <a:off x="381300" y="685800"/>
+            <a:off x="381000" y="685800"/>
             <a:ext cx="6096000" cy="3429000"/>
           </a:xfrm>
           <a:custGeom>
@@ -796,7 +790,7 @@
       </p:sp>
       <p:sp>
         <p:nvSpPr>
-          <p:cNvPr id="119" name="Shape 119"/>
+          <p:cNvPr id="140" name="Shape 140"/>
           <p:cNvSpPr txBox="1">
             <a:spLocks noGrp="1"/>
           </p:cNvSpPr>
@@ -832,7 +826,7 @@
     </p:spTree>
     <p:extLst>
       <p:ext uri="{BB962C8B-B14F-4D97-AF65-F5344CB8AC3E}">
-        <p14:creationId xmlns:p14="http://schemas.microsoft.com/office/powerpoint/2010/main" val="3360110175"/>
+        <p14:creationId xmlns="" xmlns:p14="http://schemas.microsoft.com/office/powerpoint/2010/main" val="1683026041"/>
       </p:ext>
     </p:extLst>
   </p:cSld>
@@ -847,7 +841,7 @@
   <p:cSld>
     <p:spTree>
       <p:nvGrpSpPr>
-        <p:cNvPr id="1" name="Shape 124"/>
+        <p:cNvPr id="1" name="Shape 131"/>
         <p:cNvGrpSpPr/>
         <p:nvPr/>
       </p:nvGrpSpPr>
@@ -861,7 +855,7 @@
       </p:grpSpPr>
       <p:sp>
         <p:nvSpPr>
-          <p:cNvPr id="125" name="Shape 125"/>
+          <p:cNvPr id="132" name="Shape 132"/>
           <p:cNvSpPr>
             <a:spLocks noGrp="1" noRot="1" noChangeAspect="1"/>
           </p:cNvSpPr>
@@ -871,7 +865,7 @@
         </p:nvSpPr>
         <p:spPr>
           <a:xfrm>
-            <a:off x="381300" y="685800"/>
+            <a:off x="381000" y="685800"/>
             <a:ext cx="6096000" cy="3429000"/>
           </a:xfrm>
           <a:custGeom>
@@ -902,7 +896,7 @@
       </p:sp>
       <p:sp>
         <p:nvSpPr>
-          <p:cNvPr id="126" name="Shape 126"/>
+          <p:cNvPr id="133" name="Shape 133"/>
           <p:cNvSpPr txBox="1">
             <a:spLocks noGrp="1"/>
           </p:cNvSpPr>
@@ -925,7 +919,7 @@
           </a:bodyPr>
           <a:lstStyle/>
           <a:p>
-            <a:pPr lvl="0">
+            <a:pPr lvl="0" rtl="0">
               <a:spcBef>
                 <a:spcPts val="0"/>
               </a:spcBef>
@@ -938,7 +932,7 @@
     </p:spTree>
     <p:extLst>
       <p:ext uri="{BB962C8B-B14F-4D97-AF65-F5344CB8AC3E}">
-        <p14:creationId xmlns:p14="http://schemas.microsoft.com/office/powerpoint/2010/main" val="3285667969"/>
+        <p14:creationId xmlns="" xmlns:p14="http://schemas.microsoft.com/office/powerpoint/2010/main" val="3361996585"/>
       </p:ext>
     </p:extLst>
   </p:cSld>
@@ -953,7 +947,7 @@
   <p:cSld>
     <p:spTree>
       <p:nvGrpSpPr>
-        <p:cNvPr id="1" name="Shape 131"/>
+        <p:cNvPr id="1" name="Shape 138"/>
         <p:cNvGrpSpPr/>
         <p:nvPr/>
       </p:nvGrpSpPr>
@@ -967,7 +961,7 @@
       </p:grpSpPr>
       <p:sp>
         <p:nvSpPr>
-          <p:cNvPr id="132" name="Shape 132"/>
+          <p:cNvPr id="139" name="Shape 139"/>
           <p:cNvSpPr>
             <a:spLocks noGrp="1" noRot="1" noChangeAspect="1"/>
           </p:cNvSpPr>
@@ -977,7 +971,7 @@
         </p:nvSpPr>
         <p:spPr>
           <a:xfrm>
-            <a:off x="381300" y="685800"/>
+            <a:off x="381000" y="685800"/>
             <a:ext cx="6096000" cy="3429000"/>
           </a:xfrm>
           <a:custGeom>
@@ -1008,7 +1002,7 @@
       </p:sp>
       <p:sp>
         <p:nvSpPr>
-          <p:cNvPr id="133" name="Shape 133"/>
+          <p:cNvPr id="140" name="Shape 140"/>
           <p:cNvSpPr txBox="1">
             <a:spLocks noGrp="1"/>
           </p:cNvSpPr>
@@ -1031,7 +1025,7 @@
           </a:bodyPr>
           <a:lstStyle/>
           <a:p>
-            <a:pPr lvl="0" rtl="0">
+            <a:pPr lvl="0">
               <a:spcBef>
                 <a:spcPts val="0"/>
               </a:spcBef>
@@ -1044,7 +1038,7 @@
     </p:spTree>
     <p:extLst>
       <p:ext uri="{BB962C8B-B14F-4D97-AF65-F5344CB8AC3E}">
-        <p14:creationId xmlns:p14="http://schemas.microsoft.com/office/powerpoint/2010/main" val="3361996585"/>
+        <p14:creationId xmlns="" xmlns:p14="http://schemas.microsoft.com/office/powerpoint/2010/main" val="1683026041"/>
       </p:ext>
     </p:extLst>
   </p:cSld>
@@ -1059,7 +1053,7 @@
   <p:cSld>
     <p:spTree>
       <p:nvGrpSpPr>
-        <p:cNvPr id="1" name="Shape 138"/>
+        <p:cNvPr id="1" name="Shape 131"/>
         <p:cNvGrpSpPr/>
         <p:nvPr/>
       </p:nvGrpSpPr>
@@ -1073,7 +1067,7 @@
       </p:grpSpPr>
       <p:sp>
         <p:nvSpPr>
-          <p:cNvPr id="139" name="Shape 139"/>
+          <p:cNvPr id="132" name="Shape 132"/>
           <p:cNvSpPr>
             <a:spLocks noGrp="1" noRot="1" noChangeAspect="1"/>
           </p:cNvSpPr>
@@ -1114,7 +1108,7 @@
       </p:sp>
       <p:sp>
         <p:nvSpPr>
-          <p:cNvPr id="140" name="Shape 140"/>
+          <p:cNvPr id="133" name="Shape 133"/>
           <p:cNvSpPr txBox="1">
             <a:spLocks noGrp="1"/>
           </p:cNvSpPr>
@@ -1137,7 +1131,7 @@
           </a:bodyPr>
           <a:lstStyle/>
           <a:p>
-            <a:pPr lvl="0">
+            <a:pPr lvl="0" rtl="0">
               <a:spcBef>
                 <a:spcPts val="0"/>
               </a:spcBef>
@@ -1150,325 +1144,7 @@
     </p:spTree>
     <p:extLst>
       <p:ext uri="{BB962C8B-B14F-4D97-AF65-F5344CB8AC3E}">
-        <p14:creationId xmlns:p14="http://schemas.microsoft.com/office/powerpoint/2010/main" val="1683026041"/>
-      </p:ext>
-    </p:extLst>
-  </p:cSld>
-  <p:clrMapOvr>
-    <a:masterClrMapping/>
-  </p:clrMapOvr>
-</p:notes>
-</file>
-
-<file path=ppt/notesSlides/notesSlide15.xml><?xml version="1.0" encoding="utf-8"?>
-<p:notes xmlns:a="http://schemas.openxmlformats.org/drawingml/2006/main" xmlns:r="http://schemas.openxmlformats.org/officeDocument/2006/relationships" xmlns:p="http://schemas.openxmlformats.org/presentationml/2006/main" showMasterSp="0" showMasterPhAnim="0">
-  <p:cSld>
-    <p:spTree>
-      <p:nvGrpSpPr>
-        <p:cNvPr id="1" name="Shape 144"/>
-        <p:cNvGrpSpPr/>
-        <p:nvPr/>
-      </p:nvGrpSpPr>
-      <p:grpSpPr>
-        <a:xfrm>
-          <a:off x="0" y="0"/>
-          <a:ext cx="0" cy="0"/>
-          <a:chOff x="0" y="0"/>
-          <a:chExt cx="0" cy="0"/>
-        </a:xfrm>
-      </p:grpSpPr>
-      <p:sp>
-        <p:nvSpPr>
-          <p:cNvPr id="145" name="Shape 145"/>
-          <p:cNvSpPr>
-            <a:spLocks noGrp="1" noRot="1" noChangeAspect="1"/>
-          </p:cNvSpPr>
-          <p:nvPr>
-            <p:ph type="sldImg" idx="2"/>
-          </p:nvPr>
-        </p:nvSpPr>
-        <p:spPr>
-          <a:xfrm>
-            <a:off x="381300" y="685800"/>
-            <a:ext cx="6096000" cy="3429000"/>
-          </a:xfrm>
-          <a:custGeom>
-            <a:avLst/>
-            <a:gdLst/>
-            <a:ahLst/>
-            <a:cxnLst/>
-            <a:rect l="0" t="0" r="0" b="0"/>
-            <a:pathLst>
-              <a:path w="120000" h="120000" extrusionOk="0">
-                <a:moveTo>
-                  <a:pt x="0" y="0"/>
-                </a:moveTo>
-                <a:lnTo>
-                  <a:pt x="120000" y="0"/>
-                </a:lnTo>
-                <a:lnTo>
-                  <a:pt x="120000" y="120000"/>
-                </a:lnTo>
-                <a:lnTo>
-                  <a:pt x="0" y="120000"/>
-                </a:lnTo>
-                <a:close/>
-              </a:path>
-            </a:pathLst>
-          </a:custGeom>
-        </p:spPr>
-      </p:sp>
-      <p:sp>
-        <p:nvSpPr>
-          <p:cNvPr id="146" name="Shape 146"/>
-          <p:cNvSpPr txBox="1">
-            <a:spLocks noGrp="1"/>
-          </p:cNvSpPr>
-          <p:nvPr>
-            <p:ph type="body" idx="1"/>
-          </p:nvPr>
-        </p:nvSpPr>
-        <p:spPr>
-          <a:xfrm>
-            <a:off x="685800" y="4343400"/>
-            <a:ext cx="5486400" cy="4114800"/>
-          </a:xfrm>
-          <a:prstGeom prst="rect">
-            <a:avLst/>
-          </a:prstGeom>
-        </p:spPr>
-        <p:txBody>
-          <a:bodyPr wrap="square" lIns="91425" tIns="91425" rIns="91425" bIns="91425" anchor="t" anchorCtr="0">
-            <a:noAutofit/>
-          </a:bodyPr>
-          <a:lstStyle/>
-          <a:p>
-            <a:pPr lvl="0">
-              <a:spcBef>
-                <a:spcPts val="0"/>
-              </a:spcBef>
-              <a:buNone/>
-            </a:pPr>
-            <a:endParaRPr/>
-          </a:p>
-        </p:txBody>
-      </p:sp>
-    </p:spTree>
-    <p:extLst>
-      <p:ext uri="{BB962C8B-B14F-4D97-AF65-F5344CB8AC3E}">
-        <p14:creationId xmlns:p14="http://schemas.microsoft.com/office/powerpoint/2010/main" val="542819312"/>
-      </p:ext>
-    </p:extLst>
-  </p:cSld>
-  <p:clrMapOvr>
-    <a:masterClrMapping/>
-  </p:clrMapOvr>
-</p:notes>
-</file>
-
-<file path=ppt/notesSlides/notesSlide16.xml><?xml version="1.0" encoding="utf-8"?>
-<p:notes xmlns:a="http://schemas.openxmlformats.org/drawingml/2006/main" xmlns:r="http://schemas.openxmlformats.org/officeDocument/2006/relationships" xmlns:p="http://schemas.openxmlformats.org/presentationml/2006/main" showMasterSp="0" showMasterPhAnim="0">
-  <p:cSld>
-    <p:spTree>
-      <p:nvGrpSpPr>
-        <p:cNvPr id="1" name="Shape 151"/>
-        <p:cNvGrpSpPr/>
-        <p:nvPr/>
-      </p:nvGrpSpPr>
-      <p:grpSpPr>
-        <a:xfrm>
-          <a:off x="0" y="0"/>
-          <a:ext cx="0" cy="0"/>
-          <a:chOff x="0" y="0"/>
-          <a:chExt cx="0" cy="0"/>
-        </a:xfrm>
-      </p:grpSpPr>
-      <p:sp>
-        <p:nvSpPr>
-          <p:cNvPr id="152" name="Shape 152"/>
-          <p:cNvSpPr>
-            <a:spLocks noGrp="1" noRot="1" noChangeAspect="1"/>
-          </p:cNvSpPr>
-          <p:nvPr>
-            <p:ph type="sldImg" idx="2"/>
-          </p:nvPr>
-        </p:nvSpPr>
-        <p:spPr>
-          <a:xfrm>
-            <a:off x="381300" y="685800"/>
-            <a:ext cx="6096000" cy="3429000"/>
-          </a:xfrm>
-          <a:custGeom>
-            <a:avLst/>
-            <a:gdLst/>
-            <a:ahLst/>
-            <a:cxnLst/>
-            <a:rect l="0" t="0" r="0" b="0"/>
-            <a:pathLst>
-              <a:path w="120000" h="120000" extrusionOk="0">
-                <a:moveTo>
-                  <a:pt x="0" y="0"/>
-                </a:moveTo>
-                <a:lnTo>
-                  <a:pt x="120000" y="0"/>
-                </a:lnTo>
-                <a:lnTo>
-                  <a:pt x="120000" y="120000"/>
-                </a:lnTo>
-                <a:lnTo>
-                  <a:pt x="0" y="120000"/>
-                </a:lnTo>
-                <a:close/>
-              </a:path>
-            </a:pathLst>
-          </a:custGeom>
-        </p:spPr>
-      </p:sp>
-      <p:sp>
-        <p:nvSpPr>
-          <p:cNvPr id="153" name="Shape 153"/>
-          <p:cNvSpPr txBox="1">
-            <a:spLocks noGrp="1"/>
-          </p:cNvSpPr>
-          <p:nvPr>
-            <p:ph type="body" idx="1"/>
-          </p:nvPr>
-        </p:nvSpPr>
-        <p:spPr>
-          <a:xfrm>
-            <a:off x="685800" y="4343400"/>
-            <a:ext cx="5486400" cy="4114800"/>
-          </a:xfrm>
-          <a:prstGeom prst="rect">
-            <a:avLst/>
-          </a:prstGeom>
-        </p:spPr>
-        <p:txBody>
-          <a:bodyPr wrap="square" lIns="91425" tIns="91425" rIns="91425" bIns="91425" anchor="t" anchorCtr="0">
-            <a:noAutofit/>
-          </a:bodyPr>
-          <a:lstStyle/>
-          <a:p>
-            <a:pPr lvl="0">
-              <a:spcBef>
-                <a:spcPts val="0"/>
-              </a:spcBef>
-              <a:buNone/>
-            </a:pPr>
-            <a:endParaRPr/>
-          </a:p>
-        </p:txBody>
-      </p:sp>
-    </p:spTree>
-    <p:extLst>
-      <p:ext uri="{BB962C8B-B14F-4D97-AF65-F5344CB8AC3E}">
-        <p14:creationId xmlns:p14="http://schemas.microsoft.com/office/powerpoint/2010/main" val="4278346267"/>
-      </p:ext>
-    </p:extLst>
-  </p:cSld>
-  <p:clrMapOvr>
-    <a:masterClrMapping/>
-  </p:clrMapOvr>
-</p:notes>
-</file>
-
-<file path=ppt/notesSlides/notesSlide17.xml><?xml version="1.0" encoding="utf-8"?>
-<p:notes xmlns:a="http://schemas.openxmlformats.org/drawingml/2006/main" xmlns:r="http://schemas.openxmlformats.org/officeDocument/2006/relationships" xmlns:p="http://schemas.openxmlformats.org/presentationml/2006/main" showMasterSp="0" showMasterPhAnim="0">
-  <p:cSld>
-    <p:spTree>
-      <p:nvGrpSpPr>
-        <p:cNvPr id="1" name="Shape 158"/>
-        <p:cNvGrpSpPr/>
-        <p:nvPr/>
-      </p:nvGrpSpPr>
-      <p:grpSpPr>
-        <a:xfrm>
-          <a:off x="0" y="0"/>
-          <a:ext cx="0" cy="0"/>
-          <a:chOff x="0" y="0"/>
-          <a:chExt cx="0" cy="0"/>
-        </a:xfrm>
-      </p:grpSpPr>
-      <p:sp>
-        <p:nvSpPr>
-          <p:cNvPr id="159" name="Shape 159"/>
-          <p:cNvSpPr>
-            <a:spLocks noGrp="1" noRot="1" noChangeAspect="1"/>
-          </p:cNvSpPr>
-          <p:nvPr>
-            <p:ph type="sldImg" idx="2"/>
-          </p:nvPr>
-        </p:nvSpPr>
-        <p:spPr>
-          <a:xfrm>
-            <a:off x="381000" y="685800"/>
-            <a:ext cx="6096000" cy="3429000"/>
-          </a:xfrm>
-          <a:custGeom>
-            <a:avLst/>
-            <a:gdLst/>
-            <a:ahLst/>
-            <a:cxnLst/>
-            <a:rect l="0" t="0" r="0" b="0"/>
-            <a:pathLst>
-              <a:path w="120000" h="120000" extrusionOk="0">
-                <a:moveTo>
-                  <a:pt x="0" y="0"/>
-                </a:moveTo>
-                <a:lnTo>
-                  <a:pt x="120000" y="0"/>
-                </a:lnTo>
-                <a:lnTo>
-                  <a:pt x="120000" y="120000"/>
-                </a:lnTo>
-                <a:lnTo>
-                  <a:pt x="0" y="120000"/>
-                </a:lnTo>
-                <a:close/>
-              </a:path>
-            </a:pathLst>
-          </a:custGeom>
-        </p:spPr>
-      </p:sp>
-      <p:sp>
-        <p:nvSpPr>
-          <p:cNvPr id="160" name="Shape 160"/>
-          <p:cNvSpPr txBox="1">
-            <a:spLocks noGrp="1"/>
-          </p:cNvSpPr>
-          <p:nvPr>
-            <p:ph type="body" idx="1"/>
-          </p:nvPr>
-        </p:nvSpPr>
-        <p:spPr>
-          <a:xfrm>
-            <a:off x="685800" y="4343400"/>
-            <a:ext cx="5486400" cy="4114800"/>
-          </a:xfrm>
-          <a:prstGeom prst="rect">
-            <a:avLst/>
-          </a:prstGeom>
-        </p:spPr>
-        <p:txBody>
-          <a:bodyPr wrap="square" lIns="91425" tIns="91425" rIns="91425" bIns="91425" anchor="t" anchorCtr="0">
-            <a:noAutofit/>
-          </a:bodyPr>
-          <a:lstStyle/>
-          <a:p>
-            <a:pPr lvl="0">
-              <a:spcBef>
-                <a:spcPts val="0"/>
-              </a:spcBef>
-              <a:buNone/>
-            </a:pPr>
-            <a:endParaRPr/>
-          </a:p>
-        </p:txBody>
-      </p:sp>
-    </p:spTree>
-    <p:extLst>
-      <p:ext uri="{BB962C8B-B14F-4D97-AF65-F5344CB8AC3E}">
-        <p14:creationId xmlns:p14="http://schemas.microsoft.com/office/powerpoint/2010/main" val="711567689"/>
+        <p14:creationId xmlns="" xmlns:p14="http://schemas.microsoft.com/office/powerpoint/2010/main" val="3361996585"/>
       </p:ext>
     </p:extLst>
   </p:cSld>
@@ -1507,7 +1183,7 @@
         </p:nvSpPr>
         <p:spPr>
           <a:xfrm>
-            <a:off x="381300" y="685800"/>
+            <a:off x="381000" y="685800"/>
             <a:ext cx="6096000" cy="3429000"/>
           </a:xfrm>
           <a:custGeom>
@@ -1574,7 +1250,7 @@
     </p:spTree>
     <p:extLst>
       <p:ext uri="{BB962C8B-B14F-4D97-AF65-F5344CB8AC3E}">
-        <p14:creationId xmlns:p14="http://schemas.microsoft.com/office/powerpoint/2010/main" val="1803485106"/>
+        <p14:creationId xmlns="" xmlns:p14="http://schemas.microsoft.com/office/powerpoint/2010/main" val="1803485106"/>
       </p:ext>
     </p:extLst>
   </p:cSld>
@@ -1613,7 +1289,7 @@
         </p:nvSpPr>
         <p:spPr>
           <a:xfrm>
-            <a:off x="381300" y="685800"/>
+            <a:off x="381000" y="685800"/>
             <a:ext cx="6096000" cy="3429000"/>
           </a:xfrm>
           <a:custGeom>
@@ -1680,7 +1356,7 @@
     </p:spTree>
     <p:extLst>
       <p:ext uri="{BB962C8B-B14F-4D97-AF65-F5344CB8AC3E}">
-        <p14:creationId xmlns:p14="http://schemas.microsoft.com/office/powerpoint/2010/main" val="2878881066"/>
+        <p14:creationId xmlns="" xmlns:p14="http://schemas.microsoft.com/office/powerpoint/2010/main" val="2878881066"/>
       </p:ext>
     </p:extLst>
   </p:cSld>
@@ -1695,7 +1371,7 @@
   <p:cSld>
     <p:spTree>
       <p:nvGrpSpPr>
-        <p:cNvPr id="1" name="Shape 73"/>
+        <p:cNvPr id="1" name="Shape 131"/>
         <p:cNvGrpSpPr/>
         <p:nvPr/>
       </p:nvGrpSpPr>
@@ -1709,7 +1385,7 @@
       </p:grpSpPr>
       <p:sp>
         <p:nvSpPr>
-          <p:cNvPr id="74" name="Shape 74"/>
+          <p:cNvPr id="132" name="Shape 132"/>
           <p:cNvSpPr>
             <a:spLocks noGrp="1" noRot="1" noChangeAspect="1"/>
           </p:cNvSpPr>
@@ -1750,7 +1426,7 @@
       </p:sp>
       <p:sp>
         <p:nvSpPr>
-          <p:cNvPr id="75" name="Shape 75"/>
+          <p:cNvPr id="133" name="Shape 133"/>
           <p:cNvSpPr txBox="1">
             <a:spLocks noGrp="1"/>
           </p:cNvSpPr>
@@ -1773,7 +1449,7 @@
           </a:bodyPr>
           <a:lstStyle/>
           <a:p>
-            <a:pPr lvl="0">
+            <a:pPr lvl="0" rtl="0">
               <a:spcBef>
                 <a:spcPts val="0"/>
               </a:spcBef>
@@ -1786,7 +1462,7 @@
     </p:spTree>
     <p:extLst>
       <p:ext uri="{BB962C8B-B14F-4D97-AF65-F5344CB8AC3E}">
-        <p14:creationId xmlns:p14="http://schemas.microsoft.com/office/powerpoint/2010/main" val="1672055910"/>
+        <p14:creationId xmlns="" xmlns:p14="http://schemas.microsoft.com/office/powerpoint/2010/main" val="3361996585"/>
       </p:ext>
     </p:extLst>
   </p:cSld>
@@ -1801,7 +1477,7 @@
   <p:cSld>
     <p:spTree>
       <p:nvGrpSpPr>
-        <p:cNvPr id="1" name="Shape 79"/>
+        <p:cNvPr id="1" name="Shape 151"/>
         <p:cNvGrpSpPr/>
         <p:nvPr/>
       </p:nvGrpSpPr>
@@ -1815,7 +1491,7 @@
       </p:grpSpPr>
       <p:sp>
         <p:nvSpPr>
-          <p:cNvPr id="80" name="Shape 80"/>
+          <p:cNvPr id="152" name="Shape 152"/>
           <p:cNvSpPr>
             <a:spLocks noGrp="1" noRot="1" noChangeAspect="1"/>
           </p:cNvSpPr>
@@ -1825,7 +1501,7 @@
         </p:nvSpPr>
         <p:spPr>
           <a:xfrm>
-            <a:off x="381300" y="685800"/>
+            <a:off x="381000" y="685800"/>
             <a:ext cx="6096000" cy="3429000"/>
           </a:xfrm>
           <a:custGeom>
@@ -1856,7 +1532,7 @@
       </p:sp>
       <p:sp>
         <p:nvSpPr>
-          <p:cNvPr id="81" name="Shape 81"/>
+          <p:cNvPr id="153" name="Shape 153"/>
           <p:cNvSpPr txBox="1">
             <a:spLocks noGrp="1"/>
           </p:cNvSpPr>
@@ -1892,7 +1568,7 @@
     </p:spTree>
     <p:extLst>
       <p:ext uri="{BB962C8B-B14F-4D97-AF65-F5344CB8AC3E}">
-        <p14:creationId xmlns:p14="http://schemas.microsoft.com/office/powerpoint/2010/main" val="990654648"/>
+        <p14:creationId xmlns="" xmlns:p14="http://schemas.microsoft.com/office/powerpoint/2010/main" val="4278346267"/>
       </p:ext>
     </p:extLst>
   </p:cSld>
@@ -1907,7 +1583,7 @@
   <p:cSld>
     <p:spTree>
       <p:nvGrpSpPr>
-        <p:cNvPr id="1" name="Shape 86"/>
+        <p:cNvPr id="1" name="Shape 131"/>
         <p:cNvGrpSpPr/>
         <p:nvPr/>
       </p:nvGrpSpPr>
@@ -1921,7 +1597,7 @@
       </p:grpSpPr>
       <p:sp>
         <p:nvSpPr>
-          <p:cNvPr id="87" name="Shape 87"/>
+          <p:cNvPr id="132" name="Shape 132"/>
           <p:cNvSpPr>
             <a:spLocks noGrp="1" noRot="1" noChangeAspect="1"/>
           </p:cNvSpPr>
@@ -1962,7 +1638,7 @@
       </p:sp>
       <p:sp>
         <p:nvSpPr>
-          <p:cNvPr id="88" name="Shape 88"/>
+          <p:cNvPr id="133" name="Shape 133"/>
           <p:cNvSpPr txBox="1">
             <a:spLocks noGrp="1"/>
           </p:cNvSpPr>
@@ -1985,7 +1661,7 @@
           </a:bodyPr>
           <a:lstStyle/>
           <a:p>
-            <a:pPr lvl="0">
+            <a:pPr lvl="0" rtl="0">
               <a:spcBef>
                 <a:spcPts val="0"/>
               </a:spcBef>
@@ -1998,7 +1674,7 @@
     </p:spTree>
     <p:extLst>
       <p:ext uri="{BB962C8B-B14F-4D97-AF65-F5344CB8AC3E}">
-        <p14:creationId xmlns:p14="http://schemas.microsoft.com/office/powerpoint/2010/main" val="4089302509"/>
+        <p14:creationId xmlns="" xmlns:p14="http://schemas.microsoft.com/office/powerpoint/2010/main" val="3361996585"/>
       </p:ext>
     </p:extLst>
   </p:cSld>
@@ -2013,7 +1689,7 @@
   <p:cSld>
     <p:spTree>
       <p:nvGrpSpPr>
-        <p:cNvPr id="1" name="Shape 92"/>
+        <p:cNvPr id="1" name="Shape 138"/>
         <p:cNvGrpSpPr/>
         <p:nvPr/>
       </p:nvGrpSpPr>
@@ -2027,7 +1703,7 @@
       </p:grpSpPr>
       <p:sp>
         <p:nvSpPr>
-          <p:cNvPr id="93" name="Shape 93"/>
+          <p:cNvPr id="139" name="Shape 139"/>
           <p:cNvSpPr>
             <a:spLocks noGrp="1" noRot="1" noChangeAspect="1"/>
           </p:cNvSpPr>
@@ -2037,7 +1713,7 @@
         </p:nvSpPr>
         <p:spPr>
           <a:xfrm>
-            <a:off x="381300" y="685800"/>
+            <a:off x="381000" y="685800"/>
             <a:ext cx="6096000" cy="3429000"/>
           </a:xfrm>
           <a:custGeom>
@@ -2068,7 +1744,7 @@
       </p:sp>
       <p:sp>
         <p:nvSpPr>
-          <p:cNvPr id="94" name="Shape 94"/>
+          <p:cNvPr id="140" name="Shape 140"/>
           <p:cNvSpPr txBox="1">
             <a:spLocks noGrp="1"/>
           </p:cNvSpPr>
@@ -2104,7 +1780,7 @@
     </p:spTree>
     <p:extLst>
       <p:ext uri="{BB962C8B-B14F-4D97-AF65-F5344CB8AC3E}">
-        <p14:creationId xmlns:p14="http://schemas.microsoft.com/office/powerpoint/2010/main" val="1683260864"/>
+        <p14:creationId xmlns="" xmlns:p14="http://schemas.microsoft.com/office/powerpoint/2010/main" val="1683026041"/>
       </p:ext>
     </p:extLst>
   </p:cSld>
@@ -2119,7 +1795,7 @@
   <p:cSld>
     <p:spTree>
       <p:nvGrpSpPr>
-        <p:cNvPr id="1" name="Shape 99"/>
+        <p:cNvPr id="1" name="Shape 131"/>
         <p:cNvGrpSpPr/>
         <p:nvPr/>
       </p:nvGrpSpPr>
@@ -2133,7 +1809,7 @@
       </p:grpSpPr>
       <p:sp>
         <p:nvSpPr>
-          <p:cNvPr id="100" name="Shape 100"/>
+          <p:cNvPr id="132" name="Shape 132"/>
           <p:cNvSpPr>
             <a:spLocks noGrp="1" noRot="1" noChangeAspect="1"/>
           </p:cNvSpPr>
@@ -2143,7 +1819,7 @@
         </p:nvSpPr>
         <p:spPr>
           <a:xfrm>
-            <a:off x="381300" y="685800"/>
+            <a:off x="381000" y="685800"/>
             <a:ext cx="6096000" cy="3429000"/>
           </a:xfrm>
           <a:custGeom>
@@ -2174,7 +1850,7 @@
       </p:sp>
       <p:sp>
         <p:nvSpPr>
-          <p:cNvPr id="101" name="Shape 101"/>
+          <p:cNvPr id="133" name="Shape 133"/>
           <p:cNvSpPr txBox="1">
             <a:spLocks noGrp="1"/>
           </p:cNvSpPr>
@@ -2197,7 +1873,7 @@
           </a:bodyPr>
           <a:lstStyle/>
           <a:p>
-            <a:pPr lvl="0">
+            <a:pPr lvl="0" rtl="0">
               <a:spcBef>
                 <a:spcPts val="0"/>
               </a:spcBef>
@@ -2210,7 +1886,7 @@
     </p:spTree>
     <p:extLst>
       <p:ext uri="{BB962C8B-B14F-4D97-AF65-F5344CB8AC3E}">
-        <p14:creationId xmlns:p14="http://schemas.microsoft.com/office/powerpoint/2010/main" val="1129073842"/>
+        <p14:creationId xmlns="" xmlns:p14="http://schemas.microsoft.com/office/powerpoint/2010/main" val="3361996585"/>
       </p:ext>
     </p:extLst>
   </p:cSld>
@@ -2225,7 +1901,7 @@
   <p:cSld>
     <p:spTree>
       <p:nvGrpSpPr>
-        <p:cNvPr id="1" name="Shape 105"/>
+        <p:cNvPr id="1" name="Shape 138"/>
         <p:cNvGrpSpPr/>
         <p:nvPr/>
       </p:nvGrpSpPr>
@@ -2239,7 +1915,7 @@
       </p:grpSpPr>
       <p:sp>
         <p:nvSpPr>
-          <p:cNvPr id="106" name="Shape 106"/>
+          <p:cNvPr id="139" name="Shape 139"/>
           <p:cNvSpPr>
             <a:spLocks noGrp="1" noRot="1" noChangeAspect="1"/>
           </p:cNvSpPr>
@@ -2249,7 +1925,7 @@
         </p:nvSpPr>
         <p:spPr>
           <a:xfrm>
-            <a:off x="381300" y="685800"/>
+            <a:off x="381000" y="685800"/>
             <a:ext cx="6096000" cy="3429000"/>
           </a:xfrm>
           <a:custGeom>
@@ -2280,7 +1956,7 @@
       </p:sp>
       <p:sp>
         <p:nvSpPr>
-          <p:cNvPr id="107" name="Shape 107"/>
+          <p:cNvPr id="140" name="Shape 140"/>
           <p:cNvSpPr txBox="1">
             <a:spLocks noGrp="1"/>
           </p:cNvSpPr>
@@ -2316,7 +1992,7 @@
     </p:spTree>
     <p:extLst>
       <p:ext uri="{BB962C8B-B14F-4D97-AF65-F5344CB8AC3E}">
-        <p14:creationId xmlns:p14="http://schemas.microsoft.com/office/powerpoint/2010/main" val="2003108394"/>
+        <p14:creationId xmlns="" xmlns:p14="http://schemas.microsoft.com/office/powerpoint/2010/main" val="1683026041"/>
       </p:ext>
     </p:extLst>
   </p:cSld>
@@ -2621,6 +2297,12 @@
             </a:pPr>
             <a:fld id="{00000000-1234-1234-1234-123412341234}" type="slidenum">
               <a:rPr lang="es"/>
+              <a:pPr lvl="0">
+                <a:spcBef>
+                  <a:spcPts val="0"/>
+                </a:spcBef>
+                <a:buNone/>
+              </a:pPr>
               <a:t>‹Nº›</a:t>
             </a:fld>
             <a:endParaRPr lang="es"/>
@@ -2636,6 +2318,1754 @@
 </file>
 
 <file path=ppt/slideLayouts/slideLayout10.xml><?xml version="1.0" encoding="utf-8"?>
+<p:sldLayout xmlns:a="http://schemas.openxmlformats.org/drawingml/2006/main" xmlns:r="http://schemas.openxmlformats.org/officeDocument/2006/relationships" xmlns:p="http://schemas.openxmlformats.org/presentationml/2006/main" type="blank">
+  <p:cSld name="Blank">
+    <p:spTree>
+      <p:nvGrpSpPr>
+        <p:cNvPr id="1" name="Shape 48"/>
+        <p:cNvGrpSpPr/>
+        <p:nvPr/>
+      </p:nvGrpSpPr>
+      <p:grpSpPr>
+        <a:xfrm>
+          <a:off x="0" y="0"/>
+          <a:ext cx="0" cy="0"/>
+          <a:chOff x="0" y="0"/>
+          <a:chExt cx="0" cy="0"/>
+        </a:xfrm>
+      </p:grpSpPr>
+      <p:sp>
+        <p:nvSpPr>
+          <p:cNvPr id="49" name="Shape 49"/>
+          <p:cNvSpPr txBox="1">
+            <a:spLocks noGrp="1"/>
+          </p:cNvSpPr>
+          <p:nvPr>
+            <p:ph type="sldNum" idx="12"/>
+          </p:nvPr>
+        </p:nvSpPr>
+        <p:spPr>
+          <a:xfrm>
+            <a:off x="8472458" y="4663217"/>
+            <a:ext cx="548700" cy="393600"/>
+          </a:xfrm>
+          <a:prstGeom prst="rect">
+            <a:avLst/>
+          </a:prstGeom>
+        </p:spPr>
+        <p:txBody>
+          <a:bodyPr wrap="square" lIns="91425" tIns="91425" rIns="91425" bIns="91425" anchor="ctr" anchorCtr="0">
+            <a:noAutofit/>
+          </a:bodyPr>
+          <a:lstStyle/>
+          <a:p>
+            <a:pPr lvl="0">
+              <a:spcBef>
+                <a:spcPts val="0"/>
+              </a:spcBef>
+              <a:buNone/>
+            </a:pPr>
+            <a:fld id="{00000000-1234-1234-1234-123412341234}" type="slidenum">
+              <a:rPr lang="es"/>
+              <a:pPr lvl="0">
+                <a:spcBef>
+                  <a:spcPts val="0"/>
+                </a:spcBef>
+                <a:buNone/>
+              </a:pPr>
+              <a:t>‹Nº›</a:t>
+            </a:fld>
+            <a:endParaRPr lang="es"/>
+          </a:p>
+        </p:txBody>
+      </p:sp>
+    </p:spTree>
+  </p:cSld>
+  <p:clrMapOvr>
+    <a:masterClrMapping/>
+  </p:clrMapOvr>
+</p:sldLayout>
+</file>
+
+<file path=ppt/slideLayouts/slideLayout2.xml><?xml version="1.0" encoding="utf-8"?>
+<p:sldLayout xmlns:a="http://schemas.openxmlformats.org/drawingml/2006/main" xmlns:r="http://schemas.openxmlformats.org/officeDocument/2006/relationships" xmlns:p="http://schemas.openxmlformats.org/presentationml/2006/main" type="tx">
+  <p:cSld name="Title and body">
+    <p:spTree>
+      <p:nvGrpSpPr>
+        <p:cNvPr id="1" name="Shape 16"/>
+        <p:cNvGrpSpPr/>
+        <p:nvPr/>
+      </p:nvGrpSpPr>
+      <p:grpSpPr>
+        <a:xfrm>
+          <a:off x="0" y="0"/>
+          <a:ext cx="0" cy="0"/>
+          <a:chOff x="0" y="0"/>
+          <a:chExt cx="0" cy="0"/>
+        </a:xfrm>
+      </p:grpSpPr>
+      <p:sp>
+        <p:nvSpPr>
+          <p:cNvPr id="17" name="Shape 17"/>
+          <p:cNvSpPr txBox="1">
+            <a:spLocks noGrp="1"/>
+          </p:cNvSpPr>
+          <p:nvPr>
+            <p:ph type="title"/>
+          </p:nvPr>
+        </p:nvSpPr>
+        <p:spPr>
+          <a:xfrm>
+            <a:off x="311700" y="445025"/>
+            <a:ext cx="8520600" cy="572700"/>
+          </a:xfrm>
+          <a:prstGeom prst="rect">
+            <a:avLst/>
+          </a:prstGeom>
+        </p:spPr>
+        <p:txBody>
+          <a:bodyPr wrap="square" lIns="91425" tIns="91425" rIns="91425" bIns="91425" anchor="t" anchorCtr="0"/>
+          <a:lstStyle>
+            <a:lvl1pPr lvl="0">
+              <a:spcBef>
+                <a:spcPts val="0"/>
+              </a:spcBef>
+              <a:defRPr/>
+            </a:lvl1pPr>
+            <a:lvl2pPr lvl="1">
+              <a:spcBef>
+                <a:spcPts val="0"/>
+              </a:spcBef>
+              <a:defRPr/>
+            </a:lvl2pPr>
+            <a:lvl3pPr lvl="2">
+              <a:spcBef>
+                <a:spcPts val="0"/>
+              </a:spcBef>
+              <a:defRPr/>
+            </a:lvl3pPr>
+            <a:lvl4pPr lvl="3">
+              <a:spcBef>
+                <a:spcPts val="0"/>
+              </a:spcBef>
+              <a:defRPr/>
+            </a:lvl4pPr>
+            <a:lvl5pPr lvl="4">
+              <a:spcBef>
+                <a:spcPts val="0"/>
+              </a:spcBef>
+              <a:defRPr/>
+            </a:lvl5pPr>
+            <a:lvl6pPr lvl="5">
+              <a:spcBef>
+                <a:spcPts val="0"/>
+              </a:spcBef>
+              <a:defRPr/>
+            </a:lvl6pPr>
+            <a:lvl7pPr lvl="6">
+              <a:spcBef>
+                <a:spcPts val="0"/>
+              </a:spcBef>
+              <a:defRPr/>
+            </a:lvl7pPr>
+            <a:lvl8pPr lvl="7">
+              <a:spcBef>
+                <a:spcPts val="0"/>
+              </a:spcBef>
+              <a:defRPr/>
+            </a:lvl8pPr>
+            <a:lvl9pPr lvl="8">
+              <a:spcBef>
+                <a:spcPts val="0"/>
+              </a:spcBef>
+              <a:defRPr/>
+            </a:lvl9pPr>
+          </a:lstStyle>
+          <a:p>
+            <a:endParaRPr/>
+          </a:p>
+        </p:txBody>
+      </p:sp>
+      <p:sp>
+        <p:nvSpPr>
+          <p:cNvPr id="18" name="Shape 18"/>
+          <p:cNvSpPr txBox="1">
+            <a:spLocks noGrp="1"/>
+          </p:cNvSpPr>
+          <p:nvPr>
+            <p:ph type="body" idx="1"/>
+          </p:nvPr>
+        </p:nvSpPr>
+        <p:spPr>
+          <a:xfrm>
+            <a:off x="311700" y="1152475"/>
+            <a:ext cx="8520600" cy="3416400"/>
+          </a:xfrm>
+          <a:prstGeom prst="rect">
+            <a:avLst/>
+          </a:prstGeom>
+        </p:spPr>
+        <p:txBody>
+          <a:bodyPr wrap="square" lIns="91425" tIns="91425" rIns="91425" bIns="91425" anchor="t" anchorCtr="0"/>
+          <a:lstStyle>
+            <a:lvl1pPr lvl="0">
+              <a:spcBef>
+                <a:spcPts val="0"/>
+              </a:spcBef>
+              <a:defRPr/>
+            </a:lvl1pPr>
+            <a:lvl2pPr lvl="1">
+              <a:spcBef>
+                <a:spcPts val="0"/>
+              </a:spcBef>
+              <a:defRPr/>
+            </a:lvl2pPr>
+            <a:lvl3pPr lvl="2">
+              <a:spcBef>
+                <a:spcPts val="0"/>
+              </a:spcBef>
+              <a:defRPr/>
+            </a:lvl3pPr>
+            <a:lvl4pPr lvl="3">
+              <a:spcBef>
+                <a:spcPts val="0"/>
+              </a:spcBef>
+              <a:defRPr/>
+            </a:lvl4pPr>
+            <a:lvl5pPr lvl="4">
+              <a:spcBef>
+                <a:spcPts val="0"/>
+              </a:spcBef>
+              <a:defRPr/>
+            </a:lvl5pPr>
+            <a:lvl6pPr lvl="5">
+              <a:spcBef>
+                <a:spcPts val="0"/>
+              </a:spcBef>
+              <a:defRPr/>
+            </a:lvl6pPr>
+            <a:lvl7pPr lvl="6">
+              <a:spcBef>
+                <a:spcPts val="0"/>
+              </a:spcBef>
+              <a:defRPr/>
+            </a:lvl7pPr>
+            <a:lvl8pPr lvl="7">
+              <a:spcBef>
+                <a:spcPts val="0"/>
+              </a:spcBef>
+              <a:defRPr/>
+            </a:lvl8pPr>
+            <a:lvl9pPr lvl="8">
+              <a:spcBef>
+                <a:spcPts val="0"/>
+              </a:spcBef>
+              <a:defRPr/>
+            </a:lvl9pPr>
+          </a:lstStyle>
+          <a:p>
+            <a:endParaRPr/>
+          </a:p>
+        </p:txBody>
+      </p:sp>
+      <p:sp>
+        <p:nvSpPr>
+          <p:cNvPr id="19" name="Shape 19"/>
+          <p:cNvSpPr txBox="1">
+            <a:spLocks noGrp="1"/>
+          </p:cNvSpPr>
+          <p:nvPr>
+            <p:ph type="sldNum" idx="12"/>
+          </p:nvPr>
+        </p:nvSpPr>
+        <p:spPr>
+          <a:xfrm>
+            <a:off x="8472458" y="4663217"/>
+            <a:ext cx="548700" cy="393600"/>
+          </a:xfrm>
+          <a:prstGeom prst="rect">
+            <a:avLst/>
+          </a:prstGeom>
+        </p:spPr>
+        <p:txBody>
+          <a:bodyPr wrap="square" lIns="91425" tIns="91425" rIns="91425" bIns="91425" anchor="ctr" anchorCtr="0">
+            <a:noAutofit/>
+          </a:bodyPr>
+          <a:lstStyle/>
+          <a:p>
+            <a:pPr lvl="0">
+              <a:spcBef>
+                <a:spcPts val="0"/>
+              </a:spcBef>
+              <a:buNone/>
+            </a:pPr>
+            <a:fld id="{00000000-1234-1234-1234-123412341234}" type="slidenum">
+              <a:rPr lang="es"/>
+              <a:pPr lvl="0">
+                <a:spcBef>
+                  <a:spcPts val="0"/>
+                </a:spcBef>
+                <a:buNone/>
+              </a:pPr>
+              <a:t>‹Nº›</a:t>
+            </a:fld>
+            <a:endParaRPr lang="es"/>
+          </a:p>
+        </p:txBody>
+      </p:sp>
+    </p:spTree>
+  </p:cSld>
+  <p:clrMapOvr>
+    <a:masterClrMapping/>
+  </p:clrMapOvr>
+</p:sldLayout>
+</file>
+
+<file path=ppt/slideLayouts/slideLayout3.xml><?xml version="1.0" encoding="utf-8"?>
+<p:sldLayout xmlns:a="http://schemas.openxmlformats.org/drawingml/2006/main" xmlns:r="http://schemas.openxmlformats.org/officeDocument/2006/relationships" xmlns:p="http://schemas.openxmlformats.org/presentationml/2006/main" type="twoColTx">
+  <p:cSld name="Title and two columns">
+    <p:spTree>
+      <p:nvGrpSpPr>
+        <p:cNvPr id="1" name="Shape 20"/>
+        <p:cNvGrpSpPr/>
+        <p:nvPr/>
+      </p:nvGrpSpPr>
+      <p:grpSpPr>
+        <a:xfrm>
+          <a:off x="0" y="0"/>
+          <a:ext cx="0" cy="0"/>
+          <a:chOff x="0" y="0"/>
+          <a:chExt cx="0" cy="0"/>
+        </a:xfrm>
+      </p:grpSpPr>
+      <p:sp>
+        <p:nvSpPr>
+          <p:cNvPr id="21" name="Shape 21"/>
+          <p:cNvSpPr txBox="1">
+            <a:spLocks noGrp="1"/>
+          </p:cNvSpPr>
+          <p:nvPr>
+            <p:ph type="title"/>
+          </p:nvPr>
+        </p:nvSpPr>
+        <p:spPr>
+          <a:xfrm>
+            <a:off x="311700" y="445025"/>
+            <a:ext cx="8520600" cy="572700"/>
+          </a:xfrm>
+          <a:prstGeom prst="rect">
+            <a:avLst/>
+          </a:prstGeom>
+        </p:spPr>
+        <p:txBody>
+          <a:bodyPr wrap="square" lIns="91425" tIns="91425" rIns="91425" bIns="91425" anchor="t" anchorCtr="0"/>
+          <a:lstStyle>
+            <a:lvl1pPr lvl="0">
+              <a:spcBef>
+                <a:spcPts val="0"/>
+              </a:spcBef>
+              <a:defRPr/>
+            </a:lvl1pPr>
+            <a:lvl2pPr lvl="1">
+              <a:spcBef>
+                <a:spcPts val="0"/>
+              </a:spcBef>
+              <a:defRPr/>
+            </a:lvl2pPr>
+            <a:lvl3pPr lvl="2">
+              <a:spcBef>
+                <a:spcPts val="0"/>
+              </a:spcBef>
+              <a:defRPr/>
+            </a:lvl3pPr>
+            <a:lvl4pPr lvl="3">
+              <a:spcBef>
+                <a:spcPts val="0"/>
+              </a:spcBef>
+              <a:defRPr/>
+            </a:lvl4pPr>
+            <a:lvl5pPr lvl="4">
+              <a:spcBef>
+                <a:spcPts val="0"/>
+              </a:spcBef>
+              <a:defRPr/>
+            </a:lvl5pPr>
+            <a:lvl6pPr lvl="5">
+              <a:spcBef>
+                <a:spcPts val="0"/>
+              </a:spcBef>
+              <a:defRPr/>
+            </a:lvl6pPr>
+            <a:lvl7pPr lvl="6">
+              <a:spcBef>
+                <a:spcPts val="0"/>
+              </a:spcBef>
+              <a:defRPr/>
+            </a:lvl7pPr>
+            <a:lvl8pPr lvl="7">
+              <a:spcBef>
+                <a:spcPts val="0"/>
+              </a:spcBef>
+              <a:defRPr/>
+            </a:lvl8pPr>
+            <a:lvl9pPr lvl="8">
+              <a:spcBef>
+                <a:spcPts val="0"/>
+              </a:spcBef>
+              <a:defRPr/>
+            </a:lvl9pPr>
+          </a:lstStyle>
+          <a:p>
+            <a:endParaRPr/>
+          </a:p>
+        </p:txBody>
+      </p:sp>
+      <p:sp>
+        <p:nvSpPr>
+          <p:cNvPr id="22" name="Shape 22"/>
+          <p:cNvSpPr txBox="1">
+            <a:spLocks noGrp="1"/>
+          </p:cNvSpPr>
+          <p:nvPr>
+            <p:ph type="body" idx="1"/>
+          </p:nvPr>
+        </p:nvSpPr>
+        <p:spPr>
+          <a:xfrm>
+            <a:off x="311700" y="1152475"/>
+            <a:ext cx="3999900" cy="3416400"/>
+          </a:xfrm>
+          <a:prstGeom prst="rect">
+            <a:avLst/>
+          </a:prstGeom>
+        </p:spPr>
+        <p:txBody>
+          <a:bodyPr wrap="square" lIns="91425" tIns="91425" rIns="91425" bIns="91425" anchor="t" anchorCtr="0"/>
+          <a:lstStyle>
+            <a:lvl1pPr lvl="0">
+              <a:spcBef>
+                <a:spcPts val="0"/>
+              </a:spcBef>
+              <a:buSzPct val="100000"/>
+              <a:defRPr sz="1400"/>
+            </a:lvl1pPr>
+            <a:lvl2pPr lvl="1">
+              <a:spcBef>
+                <a:spcPts val="0"/>
+              </a:spcBef>
+              <a:buSzPct val="100000"/>
+              <a:defRPr sz="1200"/>
+            </a:lvl2pPr>
+            <a:lvl3pPr lvl="2">
+              <a:spcBef>
+                <a:spcPts val="0"/>
+              </a:spcBef>
+              <a:buSzPct val="100000"/>
+              <a:defRPr sz="1200"/>
+            </a:lvl3pPr>
+            <a:lvl4pPr lvl="3">
+              <a:spcBef>
+                <a:spcPts val="0"/>
+              </a:spcBef>
+              <a:buSzPct val="100000"/>
+              <a:defRPr sz="1200"/>
+            </a:lvl4pPr>
+            <a:lvl5pPr lvl="4">
+              <a:spcBef>
+                <a:spcPts val="0"/>
+              </a:spcBef>
+              <a:buSzPct val="100000"/>
+              <a:defRPr sz="1200"/>
+            </a:lvl5pPr>
+            <a:lvl6pPr lvl="5">
+              <a:spcBef>
+                <a:spcPts val="0"/>
+              </a:spcBef>
+              <a:buSzPct val="100000"/>
+              <a:defRPr sz="1200"/>
+            </a:lvl6pPr>
+            <a:lvl7pPr lvl="6">
+              <a:spcBef>
+                <a:spcPts val="0"/>
+              </a:spcBef>
+              <a:buSzPct val="100000"/>
+              <a:defRPr sz="1200"/>
+            </a:lvl7pPr>
+            <a:lvl8pPr lvl="7">
+              <a:spcBef>
+                <a:spcPts val="0"/>
+              </a:spcBef>
+              <a:buSzPct val="100000"/>
+              <a:defRPr sz="1200"/>
+            </a:lvl8pPr>
+            <a:lvl9pPr lvl="8">
+              <a:spcBef>
+                <a:spcPts val="0"/>
+              </a:spcBef>
+              <a:buSzPct val="100000"/>
+              <a:defRPr sz="1200"/>
+            </a:lvl9pPr>
+          </a:lstStyle>
+          <a:p>
+            <a:endParaRPr/>
+          </a:p>
+        </p:txBody>
+      </p:sp>
+      <p:sp>
+        <p:nvSpPr>
+          <p:cNvPr id="23" name="Shape 23"/>
+          <p:cNvSpPr txBox="1">
+            <a:spLocks noGrp="1"/>
+          </p:cNvSpPr>
+          <p:nvPr>
+            <p:ph type="body" idx="2"/>
+          </p:nvPr>
+        </p:nvSpPr>
+        <p:spPr>
+          <a:xfrm>
+            <a:off x="4832400" y="1152475"/>
+            <a:ext cx="3999900" cy="3416400"/>
+          </a:xfrm>
+          <a:prstGeom prst="rect">
+            <a:avLst/>
+          </a:prstGeom>
+        </p:spPr>
+        <p:txBody>
+          <a:bodyPr wrap="square" lIns="91425" tIns="91425" rIns="91425" bIns="91425" anchor="t" anchorCtr="0"/>
+          <a:lstStyle>
+            <a:lvl1pPr lvl="0">
+              <a:spcBef>
+                <a:spcPts val="0"/>
+              </a:spcBef>
+              <a:buSzPct val="100000"/>
+              <a:defRPr sz="1400"/>
+            </a:lvl1pPr>
+            <a:lvl2pPr lvl="1">
+              <a:spcBef>
+                <a:spcPts val="0"/>
+              </a:spcBef>
+              <a:buSzPct val="100000"/>
+              <a:defRPr sz="1200"/>
+            </a:lvl2pPr>
+            <a:lvl3pPr lvl="2">
+              <a:spcBef>
+                <a:spcPts val="0"/>
+              </a:spcBef>
+              <a:buSzPct val="100000"/>
+              <a:defRPr sz="1200"/>
+            </a:lvl3pPr>
+            <a:lvl4pPr lvl="3">
+              <a:spcBef>
+                <a:spcPts val="0"/>
+              </a:spcBef>
+              <a:buSzPct val="100000"/>
+              <a:defRPr sz="1200"/>
+            </a:lvl4pPr>
+            <a:lvl5pPr lvl="4">
+              <a:spcBef>
+                <a:spcPts val="0"/>
+              </a:spcBef>
+              <a:buSzPct val="100000"/>
+              <a:defRPr sz="1200"/>
+            </a:lvl5pPr>
+            <a:lvl6pPr lvl="5">
+              <a:spcBef>
+                <a:spcPts val="0"/>
+              </a:spcBef>
+              <a:buSzPct val="100000"/>
+              <a:defRPr sz="1200"/>
+            </a:lvl6pPr>
+            <a:lvl7pPr lvl="6">
+              <a:spcBef>
+                <a:spcPts val="0"/>
+              </a:spcBef>
+              <a:buSzPct val="100000"/>
+              <a:defRPr sz="1200"/>
+            </a:lvl7pPr>
+            <a:lvl8pPr lvl="7">
+              <a:spcBef>
+                <a:spcPts val="0"/>
+              </a:spcBef>
+              <a:buSzPct val="100000"/>
+              <a:defRPr sz="1200"/>
+            </a:lvl8pPr>
+            <a:lvl9pPr lvl="8">
+              <a:spcBef>
+                <a:spcPts val="0"/>
+              </a:spcBef>
+              <a:buSzPct val="100000"/>
+              <a:defRPr sz="1200"/>
+            </a:lvl9pPr>
+          </a:lstStyle>
+          <a:p>
+            <a:endParaRPr/>
+          </a:p>
+        </p:txBody>
+      </p:sp>
+      <p:sp>
+        <p:nvSpPr>
+          <p:cNvPr id="24" name="Shape 24"/>
+          <p:cNvSpPr txBox="1">
+            <a:spLocks noGrp="1"/>
+          </p:cNvSpPr>
+          <p:nvPr>
+            <p:ph type="sldNum" idx="12"/>
+          </p:nvPr>
+        </p:nvSpPr>
+        <p:spPr>
+          <a:xfrm>
+            <a:off x="8472458" y="4663217"/>
+            <a:ext cx="548700" cy="393600"/>
+          </a:xfrm>
+          <a:prstGeom prst="rect">
+            <a:avLst/>
+          </a:prstGeom>
+        </p:spPr>
+        <p:txBody>
+          <a:bodyPr wrap="square" lIns="91425" tIns="91425" rIns="91425" bIns="91425" anchor="ctr" anchorCtr="0">
+            <a:noAutofit/>
+          </a:bodyPr>
+          <a:lstStyle/>
+          <a:p>
+            <a:pPr lvl="0">
+              <a:spcBef>
+                <a:spcPts val="0"/>
+              </a:spcBef>
+              <a:buNone/>
+            </a:pPr>
+            <a:fld id="{00000000-1234-1234-1234-123412341234}" type="slidenum">
+              <a:rPr lang="es"/>
+              <a:pPr lvl="0">
+                <a:spcBef>
+                  <a:spcPts val="0"/>
+                </a:spcBef>
+                <a:buNone/>
+              </a:pPr>
+              <a:t>‹Nº›</a:t>
+            </a:fld>
+            <a:endParaRPr lang="es"/>
+          </a:p>
+        </p:txBody>
+      </p:sp>
+    </p:spTree>
+  </p:cSld>
+  <p:clrMapOvr>
+    <a:masterClrMapping/>
+  </p:clrMapOvr>
+</p:sldLayout>
+</file>
+
+<file path=ppt/slideLayouts/slideLayout4.xml><?xml version="1.0" encoding="utf-8"?>
+<p:sldLayout xmlns:a="http://schemas.openxmlformats.org/drawingml/2006/main" xmlns:r="http://schemas.openxmlformats.org/officeDocument/2006/relationships" xmlns:p="http://schemas.openxmlformats.org/presentationml/2006/main" type="titleOnly">
+  <p:cSld name="Title only">
+    <p:spTree>
+      <p:nvGrpSpPr>
+        <p:cNvPr id="1" name="Shape 25"/>
+        <p:cNvGrpSpPr/>
+        <p:nvPr/>
+      </p:nvGrpSpPr>
+      <p:grpSpPr>
+        <a:xfrm>
+          <a:off x="0" y="0"/>
+          <a:ext cx="0" cy="0"/>
+          <a:chOff x="0" y="0"/>
+          <a:chExt cx="0" cy="0"/>
+        </a:xfrm>
+      </p:grpSpPr>
+      <p:sp>
+        <p:nvSpPr>
+          <p:cNvPr id="26" name="Shape 26"/>
+          <p:cNvSpPr txBox="1">
+            <a:spLocks noGrp="1"/>
+          </p:cNvSpPr>
+          <p:nvPr>
+            <p:ph type="title"/>
+          </p:nvPr>
+        </p:nvSpPr>
+        <p:spPr>
+          <a:xfrm>
+            <a:off x="311700" y="445025"/>
+            <a:ext cx="8520600" cy="572700"/>
+          </a:xfrm>
+          <a:prstGeom prst="rect">
+            <a:avLst/>
+          </a:prstGeom>
+        </p:spPr>
+        <p:txBody>
+          <a:bodyPr wrap="square" lIns="91425" tIns="91425" rIns="91425" bIns="91425" anchor="t" anchorCtr="0"/>
+          <a:lstStyle>
+            <a:lvl1pPr lvl="0">
+              <a:spcBef>
+                <a:spcPts val="0"/>
+              </a:spcBef>
+              <a:defRPr/>
+            </a:lvl1pPr>
+            <a:lvl2pPr lvl="1">
+              <a:spcBef>
+                <a:spcPts val="0"/>
+              </a:spcBef>
+              <a:defRPr/>
+            </a:lvl2pPr>
+            <a:lvl3pPr lvl="2">
+              <a:spcBef>
+                <a:spcPts val="0"/>
+              </a:spcBef>
+              <a:defRPr/>
+            </a:lvl3pPr>
+            <a:lvl4pPr lvl="3">
+              <a:spcBef>
+                <a:spcPts val="0"/>
+              </a:spcBef>
+              <a:defRPr/>
+            </a:lvl4pPr>
+            <a:lvl5pPr lvl="4">
+              <a:spcBef>
+                <a:spcPts val="0"/>
+              </a:spcBef>
+              <a:defRPr/>
+            </a:lvl5pPr>
+            <a:lvl6pPr lvl="5">
+              <a:spcBef>
+                <a:spcPts val="0"/>
+              </a:spcBef>
+              <a:defRPr/>
+            </a:lvl6pPr>
+            <a:lvl7pPr lvl="6">
+              <a:spcBef>
+                <a:spcPts val="0"/>
+              </a:spcBef>
+              <a:defRPr/>
+            </a:lvl7pPr>
+            <a:lvl8pPr lvl="7">
+              <a:spcBef>
+                <a:spcPts val="0"/>
+              </a:spcBef>
+              <a:defRPr/>
+            </a:lvl8pPr>
+            <a:lvl9pPr lvl="8">
+              <a:spcBef>
+                <a:spcPts val="0"/>
+              </a:spcBef>
+              <a:defRPr/>
+            </a:lvl9pPr>
+          </a:lstStyle>
+          <a:p>
+            <a:endParaRPr/>
+          </a:p>
+        </p:txBody>
+      </p:sp>
+      <p:sp>
+        <p:nvSpPr>
+          <p:cNvPr id="27" name="Shape 27"/>
+          <p:cNvSpPr txBox="1">
+            <a:spLocks noGrp="1"/>
+          </p:cNvSpPr>
+          <p:nvPr>
+            <p:ph type="sldNum" idx="12"/>
+          </p:nvPr>
+        </p:nvSpPr>
+        <p:spPr>
+          <a:xfrm>
+            <a:off x="8472458" y="4663217"/>
+            <a:ext cx="548700" cy="393600"/>
+          </a:xfrm>
+          <a:prstGeom prst="rect">
+            <a:avLst/>
+          </a:prstGeom>
+        </p:spPr>
+        <p:txBody>
+          <a:bodyPr wrap="square" lIns="91425" tIns="91425" rIns="91425" bIns="91425" anchor="ctr" anchorCtr="0">
+            <a:noAutofit/>
+          </a:bodyPr>
+          <a:lstStyle/>
+          <a:p>
+            <a:pPr lvl="0">
+              <a:spcBef>
+                <a:spcPts val="0"/>
+              </a:spcBef>
+              <a:buNone/>
+            </a:pPr>
+            <a:fld id="{00000000-1234-1234-1234-123412341234}" type="slidenum">
+              <a:rPr lang="es"/>
+              <a:pPr lvl="0">
+                <a:spcBef>
+                  <a:spcPts val="0"/>
+                </a:spcBef>
+                <a:buNone/>
+              </a:pPr>
+              <a:t>‹Nº›</a:t>
+            </a:fld>
+            <a:endParaRPr lang="es"/>
+          </a:p>
+        </p:txBody>
+      </p:sp>
+    </p:spTree>
+  </p:cSld>
+  <p:clrMapOvr>
+    <a:masterClrMapping/>
+  </p:clrMapOvr>
+</p:sldLayout>
+</file>
+
+<file path=ppt/slideLayouts/slideLayout5.xml><?xml version="1.0" encoding="utf-8"?>
+<p:sldLayout xmlns:a="http://schemas.openxmlformats.org/drawingml/2006/main" xmlns:r="http://schemas.openxmlformats.org/officeDocument/2006/relationships" xmlns:p="http://schemas.openxmlformats.org/presentationml/2006/main">
+  <p:cSld name="One column text">
+    <p:spTree>
+      <p:nvGrpSpPr>
+        <p:cNvPr id="1" name="Shape 28"/>
+        <p:cNvGrpSpPr/>
+        <p:nvPr/>
+      </p:nvGrpSpPr>
+      <p:grpSpPr>
+        <a:xfrm>
+          <a:off x="0" y="0"/>
+          <a:ext cx="0" cy="0"/>
+          <a:chOff x="0" y="0"/>
+          <a:chExt cx="0" cy="0"/>
+        </a:xfrm>
+      </p:grpSpPr>
+      <p:sp>
+        <p:nvSpPr>
+          <p:cNvPr id="29" name="Shape 29"/>
+          <p:cNvSpPr txBox="1">
+            <a:spLocks noGrp="1"/>
+          </p:cNvSpPr>
+          <p:nvPr>
+            <p:ph type="title"/>
+          </p:nvPr>
+        </p:nvSpPr>
+        <p:spPr>
+          <a:xfrm>
+            <a:off x="311700" y="555600"/>
+            <a:ext cx="2808000" cy="755700"/>
+          </a:xfrm>
+          <a:prstGeom prst="rect">
+            <a:avLst/>
+          </a:prstGeom>
+        </p:spPr>
+        <p:txBody>
+          <a:bodyPr wrap="square" lIns="91425" tIns="91425" rIns="91425" bIns="91425" anchor="b" anchorCtr="0"/>
+          <a:lstStyle>
+            <a:lvl1pPr lvl="0">
+              <a:spcBef>
+                <a:spcPts val="0"/>
+              </a:spcBef>
+              <a:buSzPct val="100000"/>
+              <a:defRPr sz="2400"/>
+            </a:lvl1pPr>
+            <a:lvl2pPr lvl="1">
+              <a:spcBef>
+                <a:spcPts val="0"/>
+              </a:spcBef>
+              <a:buSzPct val="100000"/>
+              <a:defRPr sz="2400"/>
+            </a:lvl2pPr>
+            <a:lvl3pPr lvl="2">
+              <a:spcBef>
+                <a:spcPts val="0"/>
+              </a:spcBef>
+              <a:buSzPct val="100000"/>
+              <a:defRPr sz="2400"/>
+            </a:lvl3pPr>
+            <a:lvl4pPr lvl="3">
+              <a:spcBef>
+                <a:spcPts val="0"/>
+              </a:spcBef>
+              <a:buSzPct val="100000"/>
+              <a:defRPr sz="2400"/>
+            </a:lvl4pPr>
+            <a:lvl5pPr lvl="4">
+              <a:spcBef>
+                <a:spcPts val="0"/>
+              </a:spcBef>
+              <a:buSzPct val="100000"/>
+              <a:defRPr sz="2400"/>
+            </a:lvl5pPr>
+            <a:lvl6pPr lvl="5">
+              <a:spcBef>
+                <a:spcPts val="0"/>
+              </a:spcBef>
+              <a:buSzPct val="100000"/>
+              <a:defRPr sz="2400"/>
+            </a:lvl6pPr>
+            <a:lvl7pPr lvl="6">
+              <a:spcBef>
+                <a:spcPts val="0"/>
+              </a:spcBef>
+              <a:buSzPct val="100000"/>
+              <a:defRPr sz="2400"/>
+            </a:lvl7pPr>
+            <a:lvl8pPr lvl="7">
+              <a:spcBef>
+                <a:spcPts val="0"/>
+              </a:spcBef>
+              <a:buSzPct val="100000"/>
+              <a:defRPr sz="2400"/>
+            </a:lvl8pPr>
+            <a:lvl9pPr lvl="8">
+              <a:spcBef>
+                <a:spcPts val="0"/>
+              </a:spcBef>
+              <a:buSzPct val="100000"/>
+              <a:defRPr sz="2400"/>
+            </a:lvl9pPr>
+          </a:lstStyle>
+          <a:p>
+            <a:endParaRPr/>
+          </a:p>
+        </p:txBody>
+      </p:sp>
+      <p:sp>
+        <p:nvSpPr>
+          <p:cNvPr id="30" name="Shape 30"/>
+          <p:cNvSpPr txBox="1">
+            <a:spLocks noGrp="1"/>
+          </p:cNvSpPr>
+          <p:nvPr>
+            <p:ph type="body" idx="1"/>
+          </p:nvPr>
+        </p:nvSpPr>
+        <p:spPr>
+          <a:xfrm>
+            <a:off x="311700" y="1389600"/>
+            <a:ext cx="2808000" cy="3179400"/>
+          </a:xfrm>
+          <a:prstGeom prst="rect">
+            <a:avLst/>
+          </a:prstGeom>
+        </p:spPr>
+        <p:txBody>
+          <a:bodyPr wrap="square" lIns="91425" tIns="91425" rIns="91425" bIns="91425" anchor="t" anchorCtr="0"/>
+          <a:lstStyle>
+            <a:lvl1pPr lvl="0">
+              <a:spcBef>
+                <a:spcPts val="0"/>
+              </a:spcBef>
+              <a:buSzPct val="100000"/>
+              <a:defRPr sz="1200"/>
+            </a:lvl1pPr>
+            <a:lvl2pPr lvl="1">
+              <a:spcBef>
+                <a:spcPts val="0"/>
+              </a:spcBef>
+              <a:buSzPct val="100000"/>
+              <a:defRPr sz="1200"/>
+            </a:lvl2pPr>
+            <a:lvl3pPr lvl="2">
+              <a:spcBef>
+                <a:spcPts val="0"/>
+              </a:spcBef>
+              <a:buSzPct val="100000"/>
+              <a:defRPr sz="1200"/>
+            </a:lvl3pPr>
+            <a:lvl4pPr lvl="3">
+              <a:spcBef>
+                <a:spcPts val="0"/>
+              </a:spcBef>
+              <a:buSzPct val="100000"/>
+              <a:defRPr sz="1200"/>
+            </a:lvl4pPr>
+            <a:lvl5pPr lvl="4">
+              <a:spcBef>
+                <a:spcPts val="0"/>
+              </a:spcBef>
+              <a:buSzPct val="100000"/>
+              <a:defRPr sz="1200"/>
+            </a:lvl5pPr>
+            <a:lvl6pPr lvl="5">
+              <a:spcBef>
+                <a:spcPts val="0"/>
+              </a:spcBef>
+              <a:buSzPct val="100000"/>
+              <a:defRPr sz="1200"/>
+            </a:lvl6pPr>
+            <a:lvl7pPr lvl="6">
+              <a:spcBef>
+                <a:spcPts val="0"/>
+              </a:spcBef>
+              <a:buSzPct val="100000"/>
+              <a:defRPr sz="1200"/>
+            </a:lvl7pPr>
+            <a:lvl8pPr lvl="7">
+              <a:spcBef>
+                <a:spcPts val="0"/>
+              </a:spcBef>
+              <a:buSzPct val="100000"/>
+              <a:defRPr sz="1200"/>
+            </a:lvl8pPr>
+            <a:lvl9pPr lvl="8">
+              <a:spcBef>
+                <a:spcPts val="0"/>
+              </a:spcBef>
+              <a:buSzPct val="100000"/>
+              <a:defRPr sz="1200"/>
+            </a:lvl9pPr>
+          </a:lstStyle>
+          <a:p>
+            <a:endParaRPr/>
+          </a:p>
+        </p:txBody>
+      </p:sp>
+      <p:sp>
+        <p:nvSpPr>
+          <p:cNvPr id="31" name="Shape 31"/>
+          <p:cNvSpPr txBox="1">
+            <a:spLocks noGrp="1"/>
+          </p:cNvSpPr>
+          <p:nvPr>
+            <p:ph type="sldNum" idx="12"/>
+          </p:nvPr>
+        </p:nvSpPr>
+        <p:spPr>
+          <a:xfrm>
+            <a:off x="8472458" y="4663217"/>
+            <a:ext cx="548700" cy="393600"/>
+          </a:xfrm>
+          <a:prstGeom prst="rect">
+            <a:avLst/>
+          </a:prstGeom>
+        </p:spPr>
+        <p:txBody>
+          <a:bodyPr wrap="square" lIns="91425" tIns="91425" rIns="91425" bIns="91425" anchor="ctr" anchorCtr="0">
+            <a:noAutofit/>
+          </a:bodyPr>
+          <a:lstStyle/>
+          <a:p>
+            <a:pPr lvl="0">
+              <a:spcBef>
+                <a:spcPts val="0"/>
+              </a:spcBef>
+              <a:buNone/>
+            </a:pPr>
+            <a:fld id="{00000000-1234-1234-1234-123412341234}" type="slidenum">
+              <a:rPr lang="es"/>
+              <a:pPr lvl="0">
+                <a:spcBef>
+                  <a:spcPts val="0"/>
+                </a:spcBef>
+                <a:buNone/>
+              </a:pPr>
+              <a:t>‹Nº›</a:t>
+            </a:fld>
+            <a:endParaRPr lang="es"/>
+          </a:p>
+        </p:txBody>
+      </p:sp>
+    </p:spTree>
+  </p:cSld>
+  <p:clrMapOvr>
+    <a:masterClrMapping/>
+  </p:clrMapOvr>
+</p:sldLayout>
+</file>
+
+<file path=ppt/slideLayouts/slideLayout6.xml><?xml version="1.0" encoding="utf-8"?>
+<p:sldLayout xmlns:a="http://schemas.openxmlformats.org/drawingml/2006/main" xmlns:r="http://schemas.openxmlformats.org/officeDocument/2006/relationships" xmlns:p="http://schemas.openxmlformats.org/presentationml/2006/main">
+  <p:cSld name="Main point">
+    <p:spTree>
+      <p:nvGrpSpPr>
+        <p:cNvPr id="1" name="Shape 32"/>
+        <p:cNvGrpSpPr/>
+        <p:nvPr/>
+      </p:nvGrpSpPr>
+      <p:grpSpPr>
+        <a:xfrm>
+          <a:off x="0" y="0"/>
+          <a:ext cx="0" cy="0"/>
+          <a:chOff x="0" y="0"/>
+          <a:chExt cx="0" cy="0"/>
+        </a:xfrm>
+      </p:grpSpPr>
+      <p:sp>
+        <p:nvSpPr>
+          <p:cNvPr id="33" name="Shape 33"/>
+          <p:cNvSpPr txBox="1">
+            <a:spLocks noGrp="1"/>
+          </p:cNvSpPr>
+          <p:nvPr>
+            <p:ph type="title"/>
+          </p:nvPr>
+        </p:nvSpPr>
+        <p:spPr>
+          <a:xfrm>
+            <a:off x="490250" y="450150"/>
+            <a:ext cx="6367800" cy="4090800"/>
+          </a:xfrm>
+          <a:prstGeom prst="rect">
+            <a:avLst/>
+          </a:prstGeom>
+        </p:spPr>
+        <p:txBody>
+          <a:bodyPr wrap="square" lIns="91425" tIns="91425" rIns="91425" bIns="91425" anchor="ctr" anchorCtr="0"/>
+          <a:lstStyle>
+            <a:lvl1pPr lvl="0">
+              <a:spcBef>
+                <a:spcPts val="0"/>
+              </a:spcBef>
+              <a:buSzPct val="100000"/>
+              <a:defRPr sz="4800"/>
+            </a:lvl1pPr>
+            <a:lvl2pPr lvl="1">
+              <a:spcBef>
+                <a:spcPts val="0"/>
+              </a:spcBef>
+              <a:buSzPct val="100000"/>
+              <a:defRPr sz="4800"/>
+            </a:lvl2pPr>
+            <a:lvl3pPr lvl="2">
+              <a:spcBef>
+                <a:spcPts val="0"/>
+              </a:spcBef>
+              <a:buSzPct val="100000"/>
+              <a:defRPr sz="4800"/>
+            </a:lvl3pPr>
+            <a:lvl4pPr lvl="3">
+              <a:spcBef>
+                <a:spcPts val="0"/>
+              </a:spcBef>
+              <a:buSzPct val="100000"/>
+              <a:defRPr sz="4800"/>
+            </a:lvl4pPr>
+            <a:lvl5pPr lvl="4">
+              <a:spcBef>
+                <a:spcPts val="0"/>
+              </a:spcBef>
+              <a:buSzPct val="100000"/>
+              <a:defRPr sz="4800"/>
+            </a:lvl5pPr>
+            <a:lvl6pPr lvl="5">
+              <a:spcBef>
+                <a:spcPts val="0"/>
+              </a:spcBef>
+              <a:buSzPct val="100000"/>
+              <a:defRPr sz="4800"/>
+            </a:lvl6pPr>
+            <a:lvl7pPr lvl="6">
+              <a:spcBef>
+                <a:spcPts val="0"/>
+              </a:spcBef>
+              <a:buSzPct val="100000"/>
+              <a:defRPr sz="4800"/>
+            </a:lvl7pPr>
+            <a:lvl8pPr lvl="7">
+              <a:spcBef>
+                <a:spcPts val="0"/>
+              </a:spcBef>
+              <a:buSzPct val="100000"/>
+              <a:defRPr sz="4800"/>
+            </a:lvl8pPr>
+            <a:lvl9pPr lvl="8">
+              <a:spcBef>
+                <a:spcPts val="0"/>
+              </a:spcBef>
+              <a:buSzPct val="100000"/>
+              <a:defRPr sz="4800"/>
+            </a:lvl9pPr>
+          </a:lstStyle>
+          <a:p>
+            <a:endParaRPr/>
+          </a:p>
+        </p:txBody>
+      </p:sp>
+      <p:sp>
+        <p:nvSpPr>
+          <p:cNvPr id="34" name="Shape 34"/>
+          <p:cNvSpPr txBox="1">
+            <a:spLocks noGrp="1"/>
+          </p:cNvSpPr>
+          <p:nvPr>
+            <p:ph type="sldNum" idx="12"/>
+          </p:nvPr>
+        </p:nvSpPr>
+        <p:spPr>
+          <a:xfrm>
+            <a:off x="8472458" y="4663217"/>
+            <a:ext cx="548700" cy="393600"/>
+          </a:xfrm>
+          <a:prstGeom prst="rect">
+            <a:avLst/>
+          </a:prstGeom>
+        </p:spPr>
+        <p:txBody>
+          <a:bodyPr wrap="square" lIns="91425" tIns="91425" rIns="91425" bIns="91425" anchor="ctr" anchorCtr="0">
+            <a:noAutofit/>
+          </a:bodyPr>
+          <a:lstStyle/>
+          <a:p>
+            <a:pPr lvl="0">
+              <a:spcBef>
+                <a:spcPts val="0"/>
+              </a:spcBef>
+              <a:buNone/>
+            </a:pPr>
+            <a:fld id="{00000000-1234-1234-1234-123412341234}" type="slidenum">
+              <a:rPr lang="es"/>
+              <a:pPr lvl="0">
+                <a:spcBef>
+                  <a:spcPts val="0"/>
+                </a:spcBef>
+                <a:buNone/>
+              </a:pPr>
+              <a:t>‹Nº›</a:t>
+            </a:fld>
+            <a:endParaRPr lang="es"/>
+          </a:p>
+        </p:txBody>
+      </p:sp>
+    </p:spTree>
+  </p:cSld>
+  <p:clrMapOvr>
+    <a:masterClrMapping/>
+  </p:clrMapOvr>
+</p:sldLayout>
+</file>
+
+<file path=ppt/slideLayouts/slideLayout7.xml><?xml version="1.0" encoding="utf-8"?>
+<p:sldLayout xmlns:a="http://schemas.openxmlformats.org/drawingml/2006/main" xmlns:r="http://schemas.openxmlformats.org/officeDocument/2006/relationships" xmlns:p="http://schemas.openxmlformats.org/presentationml/2006/main">
+  <p:cSld name="Section title and description">
+    <p:spTree>
+      <p:nvGrpSpPr>
+        <p:cNvPr id="1" name="Shape 35"/>
+        <p:cNvGrpSpPr/>
+        <p:nvPr/>
+      </p:nvGrpSpPr>
+      <p:grpSpPr>
+        <a:xfrm>
+          <a:off x="0" y="0"/>
+          <a:ext cx="0" cy="0"/>
+          <a:chOff x="0" y="0"/>
+          <a:chExt cx="0" cy="0"/>
+        </a:xfrm>
+      </p:grpSpPr>
+      <p:sp>
+        <p:nvSpPr>
+          <p:cNvPr id="36" name="Shape 36"/>
+          <p:cNvSpPr/>
+          <p:nvPr/>
+        </p:nvSpPr>
+        <p:spPr>
+          <a:xfrm>
+            <a:off x="4572000" y="-125"/>
+            <a:ext cx="4572000" cy="5143500"/>
+          </a:xfrm>
+          <a:prstGeom prst="rect">
+            <a:avLst/>
+          </a:prstGeom>
+          <a:solidFill>
+            <a:schemeClr val="lt2"/>
+          </a:solidFill>
+          <a:ln>
+            <a:noFill/>
+          </a:ln>
+        </p:spPr>
+        <p:txBody>
+          <a:bodyPr wrap="square" lIns="91425" tIns="91425" rIns="91425" bIns="91425" anchor="ctr" anchorCtr="0">
+            <a:noAutofit/>
+          </a:bodyPr>
+          <a:lstStyle/>
+          <a:p>
+            <a:pPr lvl="0">
+              <a:spcBef>
+                <a:spcPts val="0"/>
+              </a:spcBef>
+              <a:buNone/>
+            </a:pPr>
+            <a:endParaRPr/>
+          </a:p>
+        </p:txBody>
+      </p:sp>
+      <p:sp>
+        <p:nvSpPr>
+          <p:cNvPr id="37" name="Shape 37"/>
+          <p:cNvSpPr txBox="1">
+            <a:spLocks noGrp="1"/>
+          </p:cNvSpPr>
+          <p:nvPr>
+            <p:ph type="title"/>
+          </p:nvPr>
+        </p:nvSpPr>
+        <p:spPr>
+          <a:xfrm>
+            <a:off x="265500" y="1233175"/>
+            <a:ext cx="4045200" cy="1482300"/>
+          </a:xfrm>
+          <a:prstGeom prst="rect">
+            <a:avLst/>
+          </a:prstGeom>
+        </p:spPr>
+        <p:txBody>
+          <a:bodyPr wrap="square" lIns="91425" tIns="91425" rIns="91425" bIns="91425" anchor="b" anchorCtr="0"/>
+          <a:lstStyle>
+            <a:lvl1pPr lvl="0" algn="ctr">
+              <a:spcBef>
+                <a:spcPts val="0"/>
+              </a:spcBef>
+              <a:buSzPct val="100000"/>
+              <a:defRPr sz="4200"/>
+            </a:lvl1pPr>
+            <a:lvl2pPr lvl="1" algn="ctr">
+              <a:spcBef>
+                <a:spcPts val="0"/>
+              </a:spcBef>
+              <a:buSzPct val="100000"/>
+              <a:defRPr sz="4200"/>
+            </a:lvl2pPr>
+            <a:lvl3pPr lvl="2" algn="ctr">
+              <a:spcBef>
+                <a:spcPts val="0"/>
+              </a:spcBef>
+              <a:buSzPct val="100000"/>
+              <a:defRPr sz="4200"/>
+            </a:lvl3pPr>
+            <a:lvl4pPr lvl="3" algn="ctr">
+              <a:spcBef>
+                <a:spcPts val="0"/>
+              </a:spcBef>
+              <a:buSzPct val="100000"/>
+              <a:defRPr sz="4200"/>
+            </a:lvl4pPr>
+            <a:lvl5pPr lvl="4" algn="ctr">
+              <a:spcBef>
+                <a:spcPts val="0"/>
+              </a:spcBef>
+              <a:buSzPct val="100000"/>
+              <a:defRPr sz="4200"/>
+            </a:lvl5pPr>
+            <a:lvl6pPr lvl="5" algn="ctr">
+              <a:spcBef>
+                <a:spcPts val="0"/>
+              </a:spcBef>
+              <a:buSzPct val="100000"/>
+              <a:defRPr sz="4200"/>
+            </a:lvl6pPr>
+            <a:lvl7pPr lvl="6" algn="ctr">
+              <a:spcBef>
+                <a:spcPts val="0"/>
+              </a:spcBef>
+              <a:buSzPct val="100000"/>
+              <a:defRPr sz="4200"/>
+            </a:lvl7pPr>
+            <a:lvl8pPr lvl="7" algn="ctr">
+              <a:spcBef>
+                <a:spcPts val="0"/>
+              </a:spcBef>
+              <a:buSzPct val="100000"/>
+              <a:defRPr sz="4200"/>
+            </a:lvl8pPr>
+            <a:lvl9pPr lvl="8" algn="ctr">
+              <a:spcBef>
+                <a:spcPts val="0"/>
+              </a:spcBef>
+              <a:buSzPct val="100000"/>
+              <a:defRPr sz="4200"/>
+            </a:lvl9pPr>
+          </a:lstStyle>
+          <a:p>
+            <a:endParaRPr/>
+          </a:p>
+        </p:txBody>
+      </p:sp>
+      <p:sp>
+        <p:nvSpPr>
+          <p:cNvPr id="38" name="Shape 38"/>
+          <p:cNvSpPr txBox="1">
+            <a:spLocks noGrp="1"/>
+          </p:cNvSpPr>
+          <p:nvPr>
+            <p:ph type="subTitle" idx="1"/>
+          </p:nvPr>
+        </p:nvSpPr>
+        <p:spPr>
+          <a:xfrm>
+            <a:off x="265500" y="2803075"/>
+            <a:ext cx="4045200" cy="1235100"/>
+          </a:xfrm>
+          <a:prstGeom prst="rect">
+            <a:avLst/>
+          </a:prstGeom>
+        </p:spPr>
+        <p:txBody>
+          <a:bodyPr wrap="square" lIns="91425" tIns="91425" rIns="91425" bIns="91425" anchor="t" anchorCtr="0"/>
+          <a:lstStyle>
+            <a:lvl1pPr lvl="0" algn="ctr">
+              <a:lnSpc>
+                <a:spcPct val="100000"/>
+              </a:lnSpc>
+              <a:spcBef>
+                <a:spcPts val="0"/>
+              </a:spcBef>
+              <a:spcAft>
+                <a:spcPts val="0"/>
+              </a:spcAft>
+              <a:buSzPct val="100000"/>
+              <a:buNone/>
+              <a:defRPr sz="2100"/>
+            </a:lvl1pPr>
+            <a:lvl2pPr lvl="1" algn="ctr">
+              <a:lnSpc>
+                <a:spcPct val="100000"/>
+              </a:lnSpc>
+              <a:spcBef>
+                <a:spcPts val="0"/>
+              </a:spcBef>
+              <a:spcAft>
+                <a:spcPts val="0"/>
+              </a:spcAft>
+              <a:buSzPct val="100000"/>
+              <a:buNone/>
+              <a:defRPr sz="2100"/>
+            </a:lvl2pPr>
+            <a:lvl3pPr lvl="2" algn="ctr">
+              <a:lnSpc>
+                <a:spcPct val="100000"/>
+              </a:lnSpc>
+              <a:spcBef>
+                <a:spcPts val="0"/>
+              </a:spcBef>
+              <a:spcAft>
+                <a:spcPts val="0"/>
+              </a:spcAft>
+              <a:buSzPct val="100000"/>
+              <a:buNone/>
+              <a:defRPr sz="2100"/>
+            </a:lvl3pPr>
+            <a:lvl4pPr lvl="3" algn="ctr">
+              <a:lnSpc>
+                <a:spcPct val="100000"/>
+              </a:lnSpc>
+              <a:spcBef>
+                <a:spcPts val="0"/>
+              </a:spcBef>
+              <a:spcAft>
+                <a:spcPts val="0"/>
+              </a:spcAft>
+              <a:buSzPct val="100000"/>
+              <a:buNone/>
+              <a:defRPr sz="2100"/>
+            </a:lvl4pPr>
+            <a:lvl5pPr lvl="4" algn="ctr">
+              <a:lnSpc>
+                <a:spcPct val="100000"/>
+              </a:lnSpc>
+              <a:spcBef>
+                <a:spcPts val="0"/>
+              </a:spcBef>
+              <a:spcAft>
+                <a:spcPts val="0"/>
+              </a:spcAft>
+              <a:buSzPct val="100000"/>
+              <a:buNone/>
+              <a:defRPr sz="2100"/>
+            </a:lvl5pPr>
+            <a:lvl6pPr lvl="5" algn="ctr">
+              <a:lnSpc>
+                <a:spcPct val="100000"/>
+              </a:lnSpc>
+              <a:spcBef>
+                <a:spcPts val="0"/>
+              </a:spcBef>
+              <a:spcAft>
+                <a:spcPts val="0"/>
+              </a:spcAft>
+              <a:buSzPct val="100000"/>
+              <a:buNone/>
+              <a:defRPr sz="2100"/>
+            </a:lvl6pPr>
+            <a:lvl7pPr lvl="6" algn="ctr">
+              <a:lnSpc>
+                <a:spcPct val="100000"/>
+              </a:lnSpc>
+              <a:spcBef>
+                <a:spcPts val="0"/>
+              </a:spcBef>
+              <a:spcAft>
+                <a:spcPts val="0"/>
+              </a:spcAft>
+              <a:buSzPct val="100000"/>
+              <a:buNone/>
+              <a:defRPr sz="2100"/>
+            </a:lvl7pPr>
+            <a:lvl8pPr lvl="7" algn="ctr">
+              <a:lnSpc>
+                <a:spcPct val="100000"/>
+              </a:lnSpc>
+              <a:spcBef>
+                <a:spcPts val="0"/>
+              </a:spcBef>
+              <a:spcAft>
+                <a:spcPts val="0"/>
+              </a:spcAft>
+              <a:buSzPct val="100000"/>
+              <a:buNone/>
+              <a:defRPr sz="2100"/>
+            </a:lvl8pPr>
+            <a:lvl9pPr lvl="8" algn="ctr">
+              <a:lnSpc>
+                <a:spcPct val="100000"/>
+              </a:lnSpc>
+              <a:spcBef>
+                <a:spcPts val="0"/>
+              </a:spcBef>
+              <a:spcAft>
+                <a:spcPts val="0"/>
+              </a:spcAft>
+              <a:buSzPct val="100000"/>
+              <a:buNone/>
+              <a:defRPr sz="2100"/>
+            </a:lvl9pPr>
+          </a:lstStyle>
+          <a:p>
+            <a:endParaRPr/>
+          </a:p>
+        </p:txBody>
+      </p:sp>
+      <p:sp>
+        <p:nvSpPr>
+          <p:cNvPr id="39" name="Shape 39"/>
+          <p:cNvSpPr txBox="1">
+            <a:spLocks noGrp="1"/>
+          </p:cNvSpPr>
+          <p:nvPr>
+            <p:ph type="body" idx="2"/>
+          </p:nvPr>
+        </p:nvSpPr>
+        <p:spPr>
+          <a:xfrm>
+            <a:off x="4939500" y="724075"/>
+            <a:ext cx="3837000" cy="3695100"/>
+          </a:xfrm>
+          <a:prstGeom prst="rect">
+            <a:avLst/>
+          </a:prstGeom>
+        </p:spPr>
+        <p:txBody>
+          <a:bodyPr wrap="square" lIns="91425" tIns="91425" rIns="91425" bIns="91425" anchor="ctr" anchorCtr="0"/>
+          <a:lstStyle>
+            <a:lvl1pPr lvl="0">
+              <a:spcBef>
+                <a:spcPts val="0"/>
+              </a:spcBef>
+              <a:defRPr/>
+            </a:lvl1pPr>
+            <a:lvl2pPr lvl="1">
+              <a:spcBef>
+                <a:spcPts val="0"/>
+              </a:spcBef>
+              <a:defRPr/>
+            </a:lvl2pPr>
+            <a:lvl3pPr lvl="2">
+              <a:spcBef>
+                <a:spcPts val="0"/>
+              </a:spcBef>
+              <a:defRPr/>
+            </a:lvl3pPr>
+            <a:lvl4pPr lvl="3">
+              <a:spcBef>
+                <a:spcPts val="0"/>
+              </a:spcBef>
+              <a:defRPr/>
+            </a:lvl4pPr>
+            <a:lvl5pPr lvl="4">
+              <a:spcBef>
+                <a:spcPts val="0"/>
+              </a:spcBef>
+              <a:defRPr/>
+            </a:lvl5pPr>
+            <a:lvl6pPr lvl="5">
+              <a:spcBef>
+                <a:spcPts val="0"/>
+              </a:spcBef>
+              <a:defRPr/>
+            </a:lvl6pPr>
+            <a:lvl7pPr lvl="6">
+              <a:spcBef>
+                <a:spcPts val="0"/>
+              </a:spcBef>
+              <a:defRPr/>
+            </a:lvl7pPr>
+            <a:lvl8pPr lvl="7">
+              <a:spcBef>
+                <a:spcPts val="0"/>
+              </a:spcBef>
+              <a:defRPr/>
+            </a:lvl8pPr>
+            <a:lvl9pPr lvl="8">
+              <a:spcBef>
+                <a:spcPts val="0"/>
+              </a:spcBef>
+              <a:defRPr/>
+            </a:lvl9pPr>
+          </a:lstStyle>
+          <a:p>
+            <a:endParaRPr/>
+          </a:p>
+        </p:txBody>
+      </p:sp>
+      <p:sp>
+        <p:nvSpPr>
+          <p:cNvPr id="40" name="Shape 40"/>
+          <p:cNvSpPr txBox="1">
+            <a:spLocks noGrp="1"/>
+          </p:cNvSpPr>
+          <p:nvPr>
+            <p:ph type="sldNum" idx="12"/>
+          </p:nvPr>
+        </p:nvSpPr>
+        <p:spPr>
+          <a:xfrm>
+            <a:off x="8472458" y="4663217"/>
+            <a:ext cx="548700" cy="393600"/>
+          </a:xfrm>
+          <a:prstGeom prst="rect">
+            <a:avLst/>
+          </a:prstGeom>
+        </p:spPr>
+        <p:txBody>
+          <a:bodyPr wrap="square" lIns="91425" tIns="91425" rIns="91425" bIns="91425" anchor="ctr" anchorCtr="0">
+            <a:noAutofit/>
+          </a:bodyPr>
+          <a:lstStyle/>
+          <a:p>
+            <a:pPr lvl="0">
+              <a:spcBef>
+                <a:spcPts val="0"/>
+              </a:spcBef>
+              <a:buNone/>
+            </a:pPr>
+            <a:fld id="{00000000-1234-1234-1234-123412341234}" type="slidenum">
+              <a:rPr lang="es"/>
+              <a:pPr lvl="0">
+                <a:spcBef>
+                  <a:spcPts val="0"/>
+                </a:spcBef>
+                <a:buNone/>
+              </a:pPr>
+              <a:t>‹Nº›</a:t>
+            </a:fld>
+            <a:endParaRPr lang="es"/>
+          </a:p>
+        </p:txBody>
+      </p:sp>
+    </p:spTree>
+  </p:cSld>
+  <p:clrMapOvr>
+    <a:masterClrMapping/>
+  </p:clrMapOvr>
+</p:sldLayout>
+</file>
+
+<file path=ppt/slideLayouts/slideLayout8.xml><?xml version="1.0" encoding="utf-8"?>
+<p:sldLayout xmlns:a="http://schemas.openxmlformats.org/drawingml/2006/main" xmlns:r="http://schemas.openxmlformats.org/officeDocument/2006/relationships" xmlns:p="http://schemas.openxmlformats.org/presentationml/2006/main">
+  <p:cSld name="Caption">
+    <p:spTree>
+      <p:nvGrpSpPr>
+        <p:cNvPr id="1" name="Shape 41"/>
+        <p:cNvGrpSpPr/>
+        <p:nvPr/>
+      </p:nvGrpSpPr>
+      <p:grpSpPr>
+        <a:xfrm>
+          <a:off x="0" y="0"/>
+          <a:ext cx="0" cy="0"/>
+          <a:chOff x="0" y="0"/>
+          <a:chExt cx="0" cy="0"/>
+        </a:xfrm>
+      </p:grpSpPr>
+      <p:sp>
+        <p:nvSpPr>
+          <p:cNvPr id="42" name="Shape 42"/>
+          <p:cNvSpPr txBox="1">
+            <a:spLocks noGrp="1"/>
+          </p:cNvSpPr>
+          <p:nvPr>
+            <p:ph type="body" idx="1"/>
+          </p:nvPr>
+        </p:nvSpPr>
+        <p:spPr>
+          <a:xfrm>
+            <a:off x="311700" y="4230575"/>
+            <a:ext cx="5998800" cy="605100"/>
+          </a:xfrm>
+          <a:prstGeom prst="rect">
+            <a:avLst/>
+          </a:prstGeom>
+        </p:spPr>
+        <p:txBody>
+          <a:bodyPr wrap="square" lIns="91425" tIns="91425" rIns="91425" bIns="91425" anchor="ctr" anchorCtr="0"/>
+          <a:lstStyle>
+            <a:lvl1pPr lvl="0">
+              <a:lnSpc>
+                <a:spcPct val="100000"/>
+              </a:lnSpc>
+              <a:spcBef>
+                <a:spcPts val="0"/>
+              </a:spcBef>
+              <a:spcAft>
+                <a:spcPts val="0"/>
+              </a:spcAft>
+              <a:buNone/>
+              <a:defRPr/>
+            </a:lvl1pPr>
+          </a:lstStyle>
+          <a:p>
+            <a:endParaRPr/>
+          </a:p>
+        </p:txBody>
+      </p:sp>
+      <p:sp>
+        <p:nvSpPr>
+          <p:cNvPr id="43" name="Shape 43"/>
+          <p:cNvSpPr txBox="1">
+            <a:spLocks noGrp="1"/>
+          </p:cNvSpPr>
+          <p:nvPr>
+            <p:ph type="sldNum" idx="12"/>
+          </p:nvPr>
+        </p:nvSpPr>
+        <p:spPr>
+          <a:xfrm>
+            <a:off x="8472458" y="4663217"/>
+            <a:ext cx="548700" cy="393600"/>
+          </a:xfrm>
+          <a:prstGeom prst="rect">
+            <a:avLst/>
+          </a:prstGeom>
+        </p:spPr>
+        <p:txBody>
+          <a:bodyPr wrap="square" lIns="91425" tIns="91425" rIns="91425" bIns="91425" anchor="ctr" anchorCtr="0">
+            <a:noAutofit/>
+          </a:bodyPr>
+          <a:lstStyle/>
+          <a:p>
+            <a:pPr lvl="0">
+              <a:spcBef>
+                <a:spcPts val="0"/>
+              </a:spcBef>
+              <a:buNone/>
+            </a:pPr>
+            <a:fld id="{00000000-1234-1234-1234-123412341234}" type="slidenum">
+              <a:rPr lang="es"/>
+              <a:pPr lvl="0">
+                <a:spcBef>
+                  <a:spcPts val="0"/>
+                </a:spcBef>
+                <a:buNone/>
+              </a:pPr>
+              <a:t>‹Nº›</a:t>
+            </a:fld>
+            <a:endParaRPr lang="es"/>
+          </a:p>
+        </p:txBody>
+      </p:sp>
+    </p:spTree>
+  </p:cSld>
+  <p:clrMapOvr>
+    <a:masterClrMapping/>
+  </p:clrMapOvr>
+</p:sldLayout>
+</file>
+
+<file path=ppt/slideLayouts/slideLayout9.xml><?xml version="1.0" encoding="utf-8"?>
 <p:sldLayout xmlns:a="http://schemas.openxmlformats.org/drawingml/2006/main" xmlns:r="http://schemas.openxmlformats.org/officeDocument/2006/relationships" xmlns:p="http://schemas.openxmlformats.org/presentationml/2006/main">
   <p:cSld name="Big number">
     <p:spTree>
@@ -2858,1861 +4288,12 @@
             </a:pPr>
             <a:fld id="{00000000-1234-1234-1234-123412341234}" type="slidenum">
               <a:rPr lang="es"/>
-              <a:t>‹Nº›</a:t>
-            </a:fld>
-            <a:endParaRPr lang="es"/>
-          </a:p>
-        </p:txBody>
-      </p:sp>
-    </p:spTree>
-  </p:cSld>
-  <p:clrMapOvr>
-    <a:masterClrMapping/>
-  </p:clrMapOvr>
-</p:sldLayout>
-</file>
-
-<file path=ppt/slideLayouts/slideLayout11.xml><?xml version="1.0" encoding="utf-8"?>
-<p:sldLayout xmlns:a="http://schemas.openxmlformats.org/drawingml/2006/main" xmlns:r="http://schemas.openxmlformats.org/officeDocument/2006/relationships" xmlns:p="http://schemas.openxmlformats.org/presentationml/2006/main" type="blank">
-  <p:cSld name="Blank">
-    <p:spTree>
-      <p:nvGrpSpPr>
-        <p:cNvPr id="1" name="Shape 48"/>
-        <p:cNvGrpSpPr/>
-        <p:nvPr/>
-      </p:nvGrpSpPr>
-      <p:grpSpPr>
-        <a:xfrm>
-          <a:off x="0" y="0"/>
-          <a:ext cx="0" cy="0"/>
-          <a:chOff x="0" y="0"/>
-          <a:chExt cx="0" cy="0"/>
-        </a:xfrm>
-      </p:grpSpPr>
-      <p:sp>
-        <p:nvSpPr>
-          <p:cNvPr id="49" name="Shape 49"/>
-          <p:cNvSpPr txBox="1">
-            <a:spLocks noGrp="1"/>
-          </p:cNvSpPr>
-          <p:nvPr>
-            <p:ph type="sldNum" idx="12"/>
-          </p:nvPr>
-        </p:nvSpPr>
-        <p:spPr>
-          <a:xfrm>
-            <a:off x="8472458" y="4663217"/>
-            <a:ext cx="548700" cy="393600"/>
-          </a:xfrm>
-          <a:prstGeom prst="rect">
-            <a:avLst/>
-          </a:prstGeom>
-        </p:spPr>
-        <p:txBody>
-          <a:bodyPr wrap="square" lIns="91425" tIns="91425" rIns="91425" bIns="91425" anchor="ctr" anchorCtr="0">
-            <a:noAutofit/>
-          </a:bodyPr>
-          <a:lstStyle/>
-          <a:p>
-            <a:pPr lvl="0">
-              <a:spcBef>
-                <a:spcPts val="0"/>
-              </a:spcBef>
-              <a:buNone/>
-            </a:pPr>
-            <a:fld id="{00000000-1234-1234-1234-123412341234}" type="slidenum">
-              <a:rPr lang="es"/>
-              <a:t>‹Nº›</a:t>
-            </a:fld>
-            <a:endParaRPr lang="es"/>
-          </a:p>
-        </p:txBody>
-      </p:sp>
-    </p:spTree>
-  </p:cSld>
-  <p:clrMapOvr>
-    <a:masterClrMapping/>
-  </p:clrMapOvr>
-</p:sldLayout>
-</file>
-
-<file path=ppt/slideLayouts/slideLayout2.xml><?xml version="1.0" encoding="utf-8"?>
-<p:sldLayout xmlns:a="http://schemas.openxmlformats.org/drawingml/2006/main" xmlns:r="http://schemas.openxmlformats.org/officeDocument/2006/relationships" xmlns:p="http://schemas.openxmlformats.org/presentationml/2006/main" type="secHead">
-  <p:cSld name="Section header">
-    <p:spTree>
-      <p:nvGrpSpPr>
-        <p:cNvPr id="1" name="Shape 13"/>
-        <p:cNvGrpSpPr/>
-        <p:nvPr/>
-      </p:nvGrpSpPr>
-      <p:grpSpPr>
-        <a:xfrm>
-          <a:off x="0" y="0"/>
-          <a:ext cx="0" cy="0"/>
-          <a:chOff x="0" y="0"/>
-          <a:chExt cx="0" cy="0"/>
-        </a:xfrm>
-      </p:grpSpPr>
-      <p:sp>
-        <p:nvSpPr>
-          <p:cNvPr id="14" name="Shape 14"/>
-          <p:cNvSpPr txBox="1">
-            <a:spLocks noGrp="1"/>
-          </p:cNvSpPr>
-          <p:nvPr>
-            <p:ph type="title"/>
-          </p:nvPr>
-        </p:nvSpPr>
-        <p:spPr>
-          <a:xfrm>
-            <a:off x="311700" y="2150850"/>
-            <a:ext cx="8520600" cy="841800"/>
-          </a:xfrm>
-          <a:prstGeom prst="rect">
-            <a:avLst/>
-          </a:prstGeom>
-        </p:spPr>
-        <p:txBody>
-          <a:bodyPr wrap="square" lIns="91425" tIns="91425" rIns="91425" bIns="91425" anchor="ctr" anchorCtr="0"/>
-          <a:lstStyle>
-            <a:lvl1pPr lvl="0" algn="ctr">
-              <a:spcBef>
-                <a:spcPts val="0"/>
-              </a:spcBef>
-              <a:buSzPct val="100000"/>
-              <a:defRPr sz="3600"/>
-            </a:lvl1pPr>
-            <a:lvl2pPr lvl="1" algn="ctr">
-              <a:spcBef>
-                <a:spcPts val="0"/>
-              </a:spcBef>
-              <a:buSzPct val="100000"/>
-              <a:defRPr sz="3600"/>
-            </a:lvl2pPr>
-            <a:lvl3pPr lvl="2" algn="ctr">
-              <a:spcBef>
-                <a:spcPts val="0"/>
-              </a:spcBef>
-              <a:buSzPct val="100000"/>
-              <a:defRPr sz="3600"/>
-            </a:lvl3pPr>
-            <a:lvl4pPr lvl="3" algn="ctr">
-              <a:spcBef>
-                <a:spcPts val="0"/>
-              </a:spcBef>
-              <a:buSzPct val="100000"/>
-              <a:defRPr sz="3600"/>
-            </a:lvl4pPr>
-            <a:lvl5pPr lvl="4" algn="ctr">
-              <a:spcBef>
-                <a:spcPts val="0"/>
-              </a:spcBef>
-              <a:buSzPct val="100000"/>
-              <a:defRPr sz="3600"/>
-            </a:lvl5pPr>
-            <a:lvl6pPr lvl="5" algn="ctr">
-              <a:spcBef>
-                <a:spcPts val="0"/>
-              </a:spcBef>
-              <a:buSzPct val="100000"/>
-              <a:defRPr sz="3600"/>
-            </a:lvl6pPr>
-            <a:lvl7pPr lvl="6" algn="ctr">
-              <a:spcBef>
-                <a:spcPts val="0"/>
-              </a:spcBef>
-              <a:buSzPct val="100000"/>
-              <a:defRPr sz="3600"/>
-            </a:lvl7pPr>
-            <a:lvl8pPr lvl="7" algn="ctr">
-              <a:spcBef>
-                <a:spcPts val="0"/>
-              </a:spcBef>
-              <a:buSzPct val="100000"/>
-              <a:defRPr sz="3600"/>
-            </a:lvl8pPr>
-            <a:lvl9pPr lvl="8" algn="ctr">
-              <a:spcBef>
-                <a:spcPts val="0"/>
-              </a:spcBef>
-              <a:buSzPct val="100000"/>
-              <a:defRPr sz="3600"/>
-            </a:lvl9pPr>
-          </a:lstStyle>
-          <a:p>
-            <a:endParaRPr/>
-          </a:p>
-        </p:txBody>
-      </p:sp>
-      <p:sp>
-        <p:nvSpPr>
-          <p:cNvPr id="15" name="Shape 15"/>
-          <p:cNvSpPr txBox="1">
-            <a:spLocks noGrp="1"/>
-          </p:cNvSpPr>
-          <p:nvPr>
-            <p:ph type="sldNum" idx="12"/>
-          </p:nvPr>
-        </p:nvSpPr>
-        <p:spPr>
-          <a:xfrm>
-            <a:off x="8472458" y="4663217"/>
-            <a:ext cx="548700" cy="393600"/>
-          </a:xfrm>
-          <a:prstGeom prst="rect">
-            <a:avLst/>
-          </a:prstGeom>
-        </p:spPr>
-        <p:txBody>
-          <a:bodyPr wrap="square" lIns="91425" tIns="91425" rIns="91425" bIns="91425" anchor="ctr" anchorCtr="0">
-            <a:noAutofit/>
-          </a:bodyPr>
-          <a:lstStyle/>
-          <a:p>
-            <a:pPr lvl="0">
-              <a:spcBef>
-                <a:spcPts val="0"/>
-              </a:spcBef>
-              <a:buNone/>
-            </a:pPr>
-            <a:fld id="{00000000-1234-1234-1234-123412341234}" type="slidenum">
-              <a:rPr lang="es"/>
-              <a:t>‹Nº›</a:t>
-            </a:fld>
-            <a:endParaRPr lang="es"/>
-          </a:p>
-        </p:txBody>
-      </p:sp>
-    </p:spTree>
-  </p:cSld>
-  <p:clrMapOvr>
-    <a:masterClrMapping/>
-  </p:clrMapOvr>
-</p:sldLayout>
-</file>
-
-<file path=ppt/slideLayouts/slideLayout3.xml><?xml version="1.0" encoding="utf-8"?>
-<p:sldLayout xmlns:a="http://schemas.openxmlformats.org/drawingml/2006/main" xmlns:r="http://schemas.openxmlformats.org/officeDocument/2006/relationships" xmlns:p="http://schemas.openxmlformats.org/presentationml/2006/main" type="tx">
-  <p:cSld name="Title and body">
-    <p:spTree>
-      <p:nvGrpSpPr>
-        <p:cNvPr id="1" name="Shape 16"/>
-        <p:cNvGrpSpPr/>
-        <p:nvPr/>
-      </p:nvGrpSpPr>
-      <p:grpSpPr>
-        <a:xfrm>
-          <a:off x="0" y="0"/>
-          <a:ext cx="0" cy="0"/>
-          <a:chOff x="0" y="0"/>
-          <a:chExt cx="0" cy="0"/>
-        </a:xfrm>
-      </p:grpSpPr>
-      <p:sp>
-        <p:nvSpPr>
-          <p:cNvPr id="17" name="Shape 17"/>
-          <p:cNvSpPr txBox="1">
-            <a:spLocks noGrp="1"/>
-          </p:cNvSpPr>
-          <p:nvPr>
-            <p:ph type="title"/>
-          </p:nvPr>
-        </p:nvSpPr>
-        <p:spPr>
-          <a:xfrm>
-            <a:off x="311700" y="445025"/>
-            <a:ext cx="8520600" cy="572700"/>
-          </a:xfrm>
-          <a:prstGeom prst="rect">
-            <a:avLst/>
-          </a:prstGeom>
-        </p:spPr>
-        <p:txBody>
-          <a:bodyPr wrap="square" lIns="91425" tIns="91425" rIns="91425" bIns="91425" anchor="t" anchorCtr="0"/>
-          <a:lstStyle>
-            <a:lvl1pPr lvl="0">
-              <a:spcBef>
-                <a:spcPts val="0"/>
-              </a:spcBef>
-              <a:defRPr/>
-            </a:lvl1pPr>
-            <a:lvl2pPr lvl="1">
-              <a:spcBef>
-                <a:spcPts val="0"/>
-              </a:spcBef>
-              <a:defRPr/>
-            </a:lvl2pPr>
-            <a:lvl3pPr lvl="2">
-              <a:spcBef>
-                <a:spcPts val="0"/>
-              </a:spcBef>
-              <a:defRPr/>
-            </a:lvl3pPr>
-            <a:lvl4pPr lvl="3">
-              <a:spcBef>
-                <a:spcPts val="0"/>
-              </a:spcBef>
-              <a:defRPr/>
-            </a:lvl4pPr>
-            <a:lvl5pPr lvl="4">
-              <a:spcBef>
-                <a:spcPts val="0"/>
-              </a:spcBef>
-              <a:defRPr/>
-            </a:lvl5pPr>
-            <a:lvl6pPr lvl="5">
-              <a:spcBef>
-                <a:spcPts val="0"/>
-              </a:spcBef>
-              <a:defRPr/>
-            </a:lvl6pPr>
-            <a:lvl7pPr lvl="6">
-              <a:spcBef>
-                <a:spcPts val="0"/>
-              </a:spcBef>
-              <a:defRPr/>
-            </a:lvl7pPr>
-            <a:lvl8pPr lvl="7">
-              <a:spcBef>
-                <a:spcPts val="0"/>
-              </a:spcBef>
-              <a:defRPr/>
-            </a:lvl8pPr>
-            <a:lvl9pPr lvl="8">
-              <a:spcBef>
-                <a:spcPts val="0"/>
-              </a:spcBef>
-              <a:defRPr/>
-            </a:lvl9pPr>
-          </a:lstStyle>
-          <a:p>
-            <a:endParaRPr/>
-          </a:p>
-        </p:txBody>
-      </p:sp>
-      <p:sp>
-        <p:nvSpPr>
-          <p:cNvPr id="18" name="Shape 18"/>
-          <p:cNvSpPr txBox="1">
-            <a:spLocks noGrp="1"/>
-          </p:cNvSpPr>
-          <p:nvPr>
-            <p:ph type="body" idx="1"/>
-          </p:nvPr>
-        </p:nvSpPr>
-        <p:spPr>
-          <a:xfrm>
-            <a:off x="311700" y="1152475"/>
-            <a:ext cx="8520600" cy="3416400"/>
-          </a:xfrm>
-          <a:prstGeom prst="rect">
-            <a:avLst/>
-          </a:prstGeom>
-        </p:spPr>
-        <p:txBody>
-          <a:bodyPr wrap="square" lIns="91425" tIns="91425" rIns="91425" bIns="91425" anchor="t" anchorCtr="0"/>
-          <a:lstStyle>
-            <a:lvl1pPr lvl="0">
-              <a:spcBef>
-                <a:spcPts val="0"/>
-              </a:spcBef>
-              <a:defRPr/>
-            </a:lvl1pPr>
-            <a:lvl2pPr lvl="1">
-              <a:spcBef>
-                <a:spcPts val="0"/>
-              </a:spcBef>
-              <a:defRPr/>
-            </a:lvl2pPr>
-            <a:lvl3pPr lvl="2">
-              <a:spcBef>
-                <a:spcPts val="0"/>
-              </a:spcBef>
-              <a:defRPr/>
-            </a:lvl3pPr>
-            <a:lvl4pPr lvl="3">
-              <a:spcBef>
-                <a:spcPts val="0"/>
-              </a:spcBef>
-              <a:defRPr/>
-            </a:lvl4pPr>
-            <a:lvl5pPr lvl="4">
-              <a:spcBef>
-                <a:spcPts val="0"/>
-              </a:spcBef>
-              <a:defRPr/>
-            </a:lvl5pPr>
-            <a:lvl6pPr lvl="5">
-              <a:spcBef>
-                <a:spcPts val="0"/>
-              </a:spcBef>
-              <a:defRPr/>
-            </a:lvl6pPr>
-            <a:lvl7pPr lvl="6">
-              <a:spcBef>
-                <a:spcPts val="0"/>
-              </a:spcBef>
-              <a:defRPr/>
-            </a:lvl7pPr>
-            <a:lvl8pPr lvl="7">
-              <a:spcBef>
-                <a:spcPts val="0"/>
-              </a:spcBef>
-              <a:defRPr/>
-            </a:lvl8pPr>
-            <a:lvl9pPr lvl="8">
-              <a:spcBef>
-                <a:spcPts val="0"/>
-              </a:spcBef>
-              <a:defRPr/>
-            </a:lvl9pPr>
-          </a:lstStyle>
-          <a:p>
-            <a:endParaRPr/>
-          </a:p>
-        </p:txBody>
-      </p:sp>
-      <p:sp>
-        <p:nvSpPr>
-          <p:cNvPr id="19" name="Shape 19"/>
-          <p:cNvSpPr txBox="1">
-            <a:spLocks noGrp="1"/>
-          </p:cNvSpPr>
-          <p:nvPr>
-            <p:ph type="sldNum" idx="12"/>
-          </p:nvPr>
-        </p:nvSpPr>
-        <p:spPr>
-          <a:xfrm>
-            <a:off x="8472458" y="4663217"/>
-            <a:ext cx="548700" cy="393600"/>
-          </a:xfrm>
-          <a:prstGeom prst="rect">
-            <a:avLst/>
-          </a:prstGeom>
-        </p:spPr>
-        <p:txBody>
-          <a:bodyPr wrap="square" lIns="91425" tIns="91425" rIns="91425" bIns="91425" anchor="ctr" anchorCtr="0">
-            <a:noAutofit/>
-          </a:bodyPr>
-          <a:lstStyle/>
-          <a:p>
-            <a:pPr lvl="0">
-              <a:spcBef>
-                <a:spcPts val="0"/>
-              </a:spcBef>
-              <a:buNone/>
-            </a:pPr>
-            <a:fld id="{00000000-1234-1234-1234-123412341234}" type="slidenum">
-              <a:rPr lang="es"/>
-              <a:t>‹Nº›</a:t>
-            </a:fld>
-            <a:endParaRPr lang="es"/>
-          </a:p>
-        </p:txBody>
-      </p:sp>
-    </p:spTree>
-  </p:cSld>
-  <p:clrMapOvr>
-    <a:masterClrMapping/>
-  </p:clrMapOvr>
-</p:sldLayout>
-</file>
-
-<file path=ppt/slideLayouts/slideLayout4.xml><?xml version="1.0" encoding="utf-8"?>
-<p:sldLayout xmlns:a="http://schemas.openxmlformats.org/drawingml/2006/main" xmlns:r="http://schemas.openxmlformats.org/officeDocument/2006/relationships" xmlns:p="http://schemas.openxmlformats.org/presentationml/2006/main" type="twoColTx">
-  <p:cSld name="Title and two columns">
-    <p:spTree>
-      <p:nvGrpSpPr>
-        <p:cNvPr id="1" name="Shape 20"/>
-        <p:cNvGrpSpPr/>
-        <p:nvPr/>
-      </p:nvGrpSpPr>
-      <p:grpSpPr>
-        <a:xfrm>
-          <a:off x="0" y="0"/>
-          <a:ext cx="0" cy="0"/>
-          <a:chOff x="0" y="0"/>
-          <a:chExt cx="0" cy="0"/>
-        </a:xfrm>
-      </p:grpSpPr>
-      <p:sp>
-        <p:nvSpPr>
-          <p:cNvPr id="21" name="Shape 21"/>
-          <p:cNvSpPr txBox="1">
-            <a:spLocks noGrp="1"/>
-          </p:cNvSpPr>
-          <p:nvPr>
-            <p:ph type="title"/>
-          </p:nvPr>
-        </p:nvSpPr>
-        <p:spPr>
-          <a:xfrm>
-            <a:off x="311700" y="445025"/>
-            <a:ext cx="8520600" cy="572700"/>
-          </a:xfrm>
-          <a:prstGeom prst="rect">
-            <a:avLst/>
-          </a:prstGeom>
-        </p:spPr>
-        <p:txBody>
-          <a:bodyPr wrap="square" lIns="91425" tIns="91425" rIns="91425" bIns="91425" anchor="t" anchorCtr="0"/>
-          <a:lstStyle>
-            <a:lvl1pPr lvl="0">
-              <a:spcBef>
-                <a:spcPts val="0"/>
-              </a:spcBef>
-              <a:defRPr/>
-            </a:lvl1pPr>
-            <a:lvl2pPr lvl="1">
-              <a:spcBef>
-                <a:spcPts val="0"/>
-              </a:spcBef>
-              <a:defRPr/>
-            </a:lvl2pPr>
-            <a:lvl3pPr lvl="2">
-              <a:spcBef>
-                <a:spcPts val="0"/>
-              </a:spcBef>
-              <a:defRPr/>
-            </a:lvl3pPr>
-            <a:lvl4pPr lvl="3">
-              <a:spcBef>
-                <a:spcPts val="0"/>
-              </a:spcBef>
-              <a:defRPr/>
-            </a:lvl4pPr>
-            <a:lvl5pPr lvl="4">
-              <a:spcBef>
-                <a:spcPts val="0"/>
-              </a:spcBef>
-              <a:defRPr/>
-            </a:lvl5pPr>
-            <a:lvl6pPr lvl="5">
-              <a:spcBef>
-                <a:spcPts val="0"/>
-              </a:spcBef>
-              <a:defRPr/>
-            </a:lvl6pPr>
-            <a:lvl7pPr lvl="6">
-              <a:spcBef>
-                <a:spcPts val="0"/>
-              </a:spcBef>
-              <a:defRPr/>
-            </a:lvl7pPr>
-            <a:lvl8pPr lvl="7">
-              <a:spcBef>
-                <a:spcPts val="0"/>
-              </a:spcBef>
-              <a:defRPr/>
-            </a:lvl8pPr>
-            <a:lvl9pPr lvl="8">
-              <a:spcBef>
-                <a:spcPts val="0"/>
-              </a:spcBef>
-              <a:defRPr/>
-            </a:lvl9pPr>
-          </a:lstStyle>
-          <a:p>
-            <a:endParaRPr/>
-          </a:p>
-        </p:txBody>
-      </p:sp>
-      <p:sp>
-        <p:nvSpPr>
-          <p:cNvPr id="22" name="Shape 22"/>
-          <p:cNvSpPr txBox="1">
-            <a:spLocks noGrp="1"/>
-          </p:cNvSpPr>
-          <p:nvPr>
-            <p:ph type="body" idx="1"/>
-          </p:nvPr>
-        </p:nvSpPr>
-        <p:spPr>
-          <a:xfrm>
-            <a:off x="311700" y="1152475"/>
-            <a:ext cx="3999900" cy="3416400"/>
-          </a:xfrm>
-          <a:prstGeom prst="rect">
-            <a:avLst/>
-          </a:prstGeom>
-        </p:spPr>
-        <p:txBody>
-          <a:bodyPr wrap="square" lIns="91425" tIns="91425" rIns="91425" bIns="91425" anchor="t" anchorCtr="0"/>
-          <a:lstStyle>
-            <a:lvl1pPr lvl="0">
-              <a:spcBef>
-                <a:spcPts val="0"/>
-              </a:spcBef>
-              <a:buSzPct val="100000"/>
-              <a:defRPr sz="1400"/>
-            </a:lvl1pPr>
-            <a:lvl2pPr lvl="1">
-              <a:spcBef>
-                <a:spcPts val="0"/>
-              </a:spcBef>
-              <a:buSzPct val="100000"/>
-              <a:defRPr sz="1200"/>
-            </a:lvl2pPr>
-            <a:lvl3pPr lvl="2">
-              <a:spcBef>
-                <a:spcPts val="0"/>
-              </a:spcBef>
-              <a:buSzPct val="100000"/>
-              <a:defRPr sz="1200"/>
-            </a:lvl3pPr>
-            <a:lvl4pPr lvl="3">
-              <a:spcBef>
-                <a:spcPts val="0"/>
-              </a:spcBef>
-              <a:buSzPct val="100000"/>
-              <a:defRPr sz="1200"/>
-            </a:lvl4pPr>
-            <a:lvl5pPr lvl="4">
-              <a:spcBef>
-                <a:spcPts val="0"/>
-              </a:spcBef>
-              <a:buSzPct val="100000"/>
-              <a:defRPr sz="1200"/>
-            </a:lvl5pPr>
-            <a:lvl6pPr lvl="5">
-              <a:spcBef>
-                <a:spcPts val="0"/>
-              </a:spcBef>
-              <a:buSzPct val="100000"/>
-              <a:defRPr sz="1200"/>
-            </a:lvl6pPr>
-            <a:lvl7pPr lvl="6">
-              <a:spcBef>
-                <a:spcPts val="0"/>
-              </a:spcBef>
-              <a:buSzPct val="100000"/>
-              <a:defRPr sz="1200"/>
-            </a:lvl7pPr>
-            <a:lvl8pPr lvl="7">
-              <a:spcBef>
-                <a:spcPts val="0"/>
-              </a:spcBef>
-              <a:buSzPct val="100000"/>
-              <a:defRPr sz="1200"/>
-            </a:lvl8pPr>
-            <a:lvl9pPr lvl="8">
-              <a:spcBef>
-                <a:spcPts val="0"/>
-              </a:spcBef>
-              <a:buSzPct val="100000"/>
-              <a:defRPr sz="1200"/>
-            </a:lvl9pPr>
-          </a:lstStyle>
-          <a:p>
-            <a:endParaRPr/>
-          </a:p>
-        </p:txBody>
-      </p:sp>
-      <p:sp>
-        <p:nvSpPr>
-          <p:cNvPr id="23" name="Shape 23"/>
-          <p:cNvSpPr txBox="1">
-            <a:spLocks noGrp="1"/>
-          </p:cNvSpPr>
-          <p:nvPr>
-            <p:ph type="body" idx="2"/>
-          </p:nvPr>
-        </p:nvSpPr>
-        <p:spPr>
-          <a:xfrm>
-            <a:off x="4832400" y="1152475"/>
-            <a:ext cx="3999900" cy="3416400"/>
-          </a:xfrm>
-          <a:prstGeom prst="rect">
-            <a:avLst/>
-          </a:prstGeom>
-        </p:spPr>
-        <p:txBody>
-          <a:bodyPr wrap="square" lIns="91425" tIns="91425" rIns="91425" bIns="91425" anchor="t" anchorCtr="0"/>
-          <a:lstStyle>
-            <a:lvl1pPr lvl="0">
-              <a:spcBef>
-                <a:spcPts val="0"/>
-              </a:spcBef>
-              <a:buSzPct val="100000"/>
-              <a:defRPr sz="1400"/>
-            </a:lvl1pPr>
-            <a:lvl2pPr lvl="1">
-              <a:spcBef>
-                <a:spcPts val="0"/>
-              </a:spcBef>
-              <a:buSzPct val="100000"/>
-              <a:defRPr sz="1200"/>
-            </a:lvl2pPr>
-            <a:lvl3pPr lvl="2">
-              <a:spcBef>
-                <a:spcPts val="0"/>
-              </a:spcBef>
-              <a:buSzPct val="100000"/>
-              <a:defRPr sz="1200"/>
-            </a:lvl3pPr>
-            <a:lvl4pPr lvl="3">
-              <a:spcBef>
-                <a:spcPts val="0"/>
-              </a:spcBef>
-              <a:buSzPct val="100000"/>
-              <a:defRPr sz="1200"/>
-            </a:lvl4pPr>
-            <a:lvl5pPr lvl="4">
-              <a:spcBef>
-                <a:spcPts val="0"/>
-              </a:spcBef>
-              <a:buSzPct val="100000"/>
-              <a:defRPr sz="1200"/>
-            </a:lvl5pPr>
-            <a:lvl6pPr lvl="5">
-              <a:spcBef>
-                <a:spcPts val="0"/>
-              </a:spcBef>
-              <a:buSzPct val="100000"/>
-              <a:defRPr sz="1200"/>
-            </a:lvl6pPr>
-            <a:lvl7pPr lvl="6">
-              <a:spcBef>
-                <a:spcPts val="0"/>
-              </a:spcBef>
-              <a:buSzPct val="100000"/>
-              <a:defRPr sz="1200"/>
-            </a:lvl7pPr>
-            <a:lvl8pPr lvl="7">
-              <a:spcBef>
-                <a:spcPts val="0"/>
-              </a:spcBef>
-              <a:buSzPct val="100000"/>
-              <a:defRPr sz="1200"/>
-            </a:lvl8pPr>
-            <a:lvl9pPr lvl="8">
-              <a:spcBef>
-                <a:spcPts val="0"/>
-              </a:spcBef>
-              <a:buSzPct val="100000"/>
-              <a:defRPr sz="1200"/>
-            </a:lvl9pPr>
-          </a:lstStyle>
-          <a:p>
-            <a:endParaRPr/>
-          </a:p>
-        </p:txBody>
-      </p:sp>
-      <p:sp>
-        <p:nvSpPr>
-          <p:cNvPr id="24" name="Shape 24"/>
-          <p:cNvSpPr txBox="1">
-            <a:spLocks noGrp="1"/>
-          </p:cNvSpPr>
-          <p:nvPr>
-            <p:ph type="sldNum" idx="12"/>
-          </p:nvPr>
-        </p:nvSpPr>
-        <p:spPr>
-          <a:xfrm>
-            <a:off x="8472458" y="4663217"/>
-            <a:ext cx="548700" cy="393600"/>
-          </a:xfrm>
-          <a:prstGeom prst="rect">
-            <a:avLst/>
-          </a:prstGeom>
-        </p:spPr>
-        <p:txBody>
-          <a:bodyPr wrap="square" lIns="91425" tIns="91425" rIns="91425" bIns="91425" anchor="ctr" anchorCtr="0">
-            <a:noAutofit/>
-          </a:bodyPr>
-          <a:lstStyle/>
-          <a:p>
-            <a:pPr lvl="0">
-              <a:spcBef>
-                <a:spcPts val="0"/>
-              </a:spcBef>
-              <a:buNone/>
-            </a:pPr>
-            <a:fld id="{00000000-1234-1234-1234-123412341234}" type="slidenum">
-              <a:rPr lang="es"/>
-              <a:t>‹Nº›</a:t>
-            </a:fld>
-            <a:endParaRPr lang="es"/>
-          </a:p>
-        </p:txBody>
-      </p:sp>
-    </p:spTree>
-  </p:cSld>
-  <p:clrMapOvr>
-    <a:masterClrMapping/>
-  </p:clrMapOvr>
-</p:sldLayout>
-</file>
-
-<file path=ppt/slideLayouts/slideLayout5.xml><?xml version="1.0" encoding="utf-8"?>
-<p:sldLayout xmlns:a="http://schemas.openxmlformats.org/drawingml/2006/main" xmlns:r="http://schemas.openxmlformats.org/officeDocument/2006/relationships" xmlns:p="http://schemas.openxmlformats.org/presentationml/2006/main" type="titleOnly">
-  <p:cSld name="Title only">
-    <p:spTree>
-      <p:nvGrpSpPr>
-        <p:cNvPr id="1" name="Shape 25"/>
-        <p:cNvGrpSpPr/>
-        <p:nvPr/>
-      </p:nvGrpSpPr>
-      <p:grpSpPr>
-        <a:xfrm>
-          <a:off x="0" y="0"/>
-          <a:ext cx="0" cy="0"/>
-          <a:chOff x="0" y="0"/>
-          <a:chExt cx="0" cy="0"/>
-        </a:xfrm>
-      </p:grpSpPr>
-      <p:sp>
-        <p:nvSpPr>
-          <p:cNvPr id="26" name="Shape 26"/>
-          <p:cNvSpPr txBox="1">
-            <a:spLocks noGrp="1"/>
-          </p:cNvSpPr>
-          <p:nvPr>
-            <p:ph type="title"/>
-          </p:nvPr>
-        </p:nvSpPr>
-        <p:spPr>
-          <a:xfrm>
-            <a:off x="311700" y="445025"/>
-            <a:ext cx="8520600" cy="572700"/>
-          </a:xfrm>
-          <a:prstGeom prst="rect">
-            <a:avLst/>
-          </a:prstGeom>
-        </p:spPr>
-        <p:txBody>
-          <a:bodyPr wrap="square" lIns="91425" tIns="91425" rIns="91425" bIns="91425" anchor="t" anchorCtr="0"/>
-          <a:lstStyle>
-            <a:lvl1pPr lvl="0">
-              <a:spcBef>
-                <a:spcPts val="0"/>
-              </a:spcBef>
-              <a:defRPr/>
-            </a:lvl1pPr>
-            <a:lvl2pPr lvl="1">
-              <a:spcBef>
-                <a:spcPts val="0"/>
-              </a:spcBef>
-              <a:defRPr/>
-            </a:lvl2pPr>
-            <a:lvl3pPr lvl="2">
-              <a:spcBef>
-                <a:spcPts val="0"/>
-              </a:spcBef>
-              <a:defRPr/>
-            </a:lvl3pPr>
-            <a:lvl4pPr lvl="3">
-              <a:spcBef>
-                <a:spcPts val="0"/>
-              </a:spcBef>
-              <a:defRPr/>
-            </a:lvl4pPr>
-            <a:lvl5pPr lvl="4">
-              <a:spcBef>
-                <a:spcPts val="0"/>
-              </a:spcBef>
-              <a:defRPr/>
-            </a:lvl5pPr>
-            <a:lvl6pPr lvl="5">
-              <a:spcBef>
-                <a:spcPts val="0"/>
-              </a:spcBef>
-              <a:defRPr/>
-            </a:lvl6pPr>
-            <a:lvl7pPr lvl="6">
-              <a:spcBef>
-                <a:spcPts val="0"/>
-              </a:spcBef>
-              <a:defRPr/>
-            </a:lvl7pPr>
-            <a:lvl8pPr lvl="7">
-              <a:spcBef>
-                <a:spcPts val="0"/>
-              </a:spcBef>
-              <a:defRPr/>
-            </a:lvl8pPr>
-            <a:lvl9pPr lvl="8">
-              <a:spcBef>
-                <a:spcPts val="0"/>
-              </a:spcBef>
-              <a:defRPr/>
-            </a:lvl9pPr>
-          </a:lstStyle>
-          <a:p>
-            <a:endParaRPr/>
-          </a:p>
-        </p:txBody>
-      </p:sp>
-      <p:sp>
-        <p:nvSpPr>
-          <p:cNvPr id="27" name="Shape 27"/>
-          <p:cNvSpPr txBox="1">
-            <a:spLocks noGrp="1"/>
-          </p:cNvSpPr>
-          <p:nvPr>
-            <p:ph type="sldNum" idx="12"/>
-          </p:nvPr>
-        </p:nvSpPr>
-        <p:spPr>
-          <a:xfrm>
-            <a:off x="8472458" y="4663217"/>
-            <a:ext cx="548700" cy="393600"/>
-          </a:xfrm>
-          <a:prstGeom prst="rect">
-            <a:avLst/>
-          </a:prstGeom>
-        </p:spPr>
-        <p:txBody>
-          <a:bodyPr wrap="square" lIns="91425" tIns="91425" rIns="91425" bIns="91425" anchor="ctr" anchorCtr="0">
-            <a:noAutofit/>
-          </a:bodyPr>
-          <a:lstStyle/>
-          <a:p>
-            <a:pPr lvl="0">
-              <a:spcBef>
-                <a:spcPts val="0"/>
-              </a:spcBef>
-              <a:buNone/>
-            </a:pPr>
-            <a:fld id="{00000000-1234-1234-1234-123412341234}" type="slidenum">
-              <a:rPr lang="es"/>
-              <a:t>‹Nº›</a:t>
-            </a:fld>
-            <a:endParaRPr lang="es"/>
-          </a:p>
-        </p:txBody>
-      </p:sp>
-    </p:spTree>
-  </p:cSld>
-  <p:clrMapOvr>
-    <a:masterClrMapping/>
-  </p:clrMapOvr>
-</p:sldLayout>
-</file>
-
-<file path=ppt/slideLayouts/slideLayout6.xml><?xml version="1.0" encoding="utf-8"?>
-<p:sldLayout xmlns:a="http://schemas.openxmlformats.org/drawingml/2006/main" xmlns:r="http://schemas.openxmlformats.org/officeDocument/2006/relationships" xmlns:p="http://schemas.openxmlformats.org/presentationml/2006/main">
-  <p:cSld name="One column text">
-    <p:spTree>
-      <p:nvGrpSpPr>
-        <p:cNvPr id="1" name="Shape 28"/>
-        <p:cNvGrpSpPr/>
-        <p:nvPr/>
-      </p:nvGrpSpPr>
-      <p:grpSpPr>
-        <a:xfrm>
-          <a:off x="0" y="0"/>
-          <a:ext cx="0" cy="0"/>
-          <a:chOff x="0" y="0"/>
-          <a:chExt cx="0" cy="0"/>
-        </a:xfrm>
-      </p:grpSpPr>
-      <p:sp>
-        <p:nvSpPr>
-          <p:cNvPr id="29" name="Shape 29"/>
-          <p:cNvSpPr txBox="1">
-            <a:spLocks noGrp="1"/>
-          </p:cNvSpPr>
-          <p:nvPr>
-            <p:ph type="title"/>
-          </p:nvPr>
-        </p:nvSpPr>
-        <p:spPr>
-          <a:xfrm>
-            <a:off x="311700" y="555600"/>
-            <a:ext cx="2808000" cy="755700"/>
-          </a:xfrm>
-          <a:prstGeom prst="rect">
-            <a:avLst/>
-          </a:prstGeom>
-        </p:spPr>
-        <p:txBody>
-          <a:bodyPr wrap="square" lIns="91425" tIns="91425" rIns="91425" bIns="91425" anchor="b" anchorCtr="0"/>
-          <a:lstStyle>
-            <a:lvl1pPr lvl="0">
-              <a:spcBef>
-                <a:spcPts val="0"/>
-              </a:spcBef>
-              <a:buSzPct val="100000"/>
-              <a:defRPr sz="2400"/>
-            </a:lvl1pPr>
-            <a:lvl2pPr lvl="1">
-              <a:spcBef>
-                <a:spcPts val="0"/>
-              </a:spcBef>
-              <a:buSzPct val="100000"/>
-              <a:defRPr sz="2400"/>
-            </a:lvl2pPr>
-            <a:lvl3pPr lvl="2">
-              <a:spcBef>
-                <a:spcPts val="0"/>
-              </a:spcBef>
-              <a:buSzPct val="100000"/>
-              <a:defRPr sz="2400"/>
-            </a:lvl3pPr>
-            <a:lvl4pPr lvl="3">
-              <a:spcBef>
-                <a:spcPts val="0"/>
-              </a:spcBef>
-              <a:buSzPct val="100000"/>
-              <a:defRPr sz="2400"/>
-            </a:lvl4pPr>
-            <a:lvl5pPr lvl="4">
-              <a:spcBef>
-                <a:spcPts val="0"/>
-              </a:spcBef>
-              <a:buSzPct val="100000"/>
-              <a:defRPr sz="2400"/>
-            </a:lvl5pPr>
-            <a:lvl6pPr lvl="5">
-              <a:spcBef>
-                <a:spcPts val="0"/>
-              </a:spcBef>
-              <a:buSzPct val="100000"/>
-              <a:defRPr sz="2400"/>
-            </a:lvl6pPr>
-            <a:lvl7pPr lvl="6">
-              <a:spcBef>
-                <a:spcPts val="0"/>
-              </a:spcBef>
-              <a:buSzPct val="100000"/>
-              <a:defRPr sz="2400"/>
-            </a:lvl7pPr>
-            <a:lvl8pPr lvl="7">
-              <a:spcBef>
-                <a:spcPts val="0"/>
-              </a:spcBef>
-              <a:buSzPct val="100000"/>
-              <a:defRPr sz="2400"/>
-            </a:lvl8pPr>
-            <a:lvl9pPr lvl="8">
-              <a:spcBef>
-                <a:spcPts val="0"/>
-              </a:spcBef>
-              <a:buSzPct val="100000"/>
-              <a:defRPr sz="2400"/>
-            </a:lvl9pPr>
-          </a:lstStyle>
-          <a:p>
-            <a:endParaRPr/>
-          </a:p>
-        </p:txBody>
-      </p:sp>
-      <p:sp>
-        <p:nvSpPr>
-          <p:cNvPr id="30" name="Shape 30"/>
-          <p:cNvSpPr txBox="1">
-            <a:spLocks noGrp="1"/>
-          </p:cNvSpPr>
-          <p:nvPr>
-            <p:ph type="body" idx="1"/>
-          </p:nvPr>
-        </p:nvSpPr>
-        <p:spPr>
-          <a:xfrm>
-            <a:off x="311700" y="1389600"/>
-            <a:ext cx="2808000" cy="3179400"/>
-          </a:xfrm>
-          <a:prstGeom prst="rect">
-            <a:avLst/>
-          </a:prstGeom>
-        </p:spPr>
-        <p:txBody>
-          <a:bodyPr wrap="square" lIns="91425" tIns="91425" rIns="91425" bIns="91425" anchor="t" anchorCtr="0"/>
-          <a:lstStyle>
-            <a:lvl1pPr lvl="0">
-              <a:spcBef>
-                <a:spcPts val="0"/>
-              </a:spcBef>
-              <a:buSzPct val="100000"/>
-              <a:defRPr sz="1200"/>
-            </a:lvl1pPr>
-            <a:lvl2pPr lvl="1">
-              <a:spcBef>
-                <a:spcPts val="0"/>
-              </a:spcBef>
-              <a:buSzPct val="100000"/>
-              <a:defRPr sz="1200"/>
-            </a:lvl2pPr>
-            <a:lvl3pPr lvl="2">
-              <a:spcBef>
-                <a:spcPts val="0"/>
-              </a:spcBef>
-              <a:buSzPct val="100000"/>
-              <a:defRPr sz="1200"/>
-            </a:lvl3pPr>
-            <a:lvl4pPr lvl="3">
-              <a:spcBef>
-                <a:spcPts val="0"/>
-              </a:spcBef>
-              <a:buSzPct val="100000"/>
-              <a:defRPr sz="1200"/>
-            </a:lvl4pPr>
-            <a:lvl5pPr lvl="4">
-              <a:spcBef>
-                <a:spcPts val="0"/>
-              </a:spcBef>
-              <a:buSzPct val="100000"/>
-              <a:defRPr sz="1200"/>
-            </a:lvl5pPr>
-            <a:lvl6pPr lvl="5">
-              <a:spcBef>
-                <a:spcPts val="0"/>
-              </a:spcBef>
-              <a:buSzPct val="100000"/>
-              <a:defRPr sz="1200"/>
-            </a:lvl6pPr>
-            <a:lvl7pPr lvl="6">
-              <a:spcBef>
-                <a:spcPts val="0"/>
-              </a:spcBef>
-              <a:buSzPct val="100000"/>
-              <a:defRPr sz="1200"/>
-            </a:lvl7pPr>
-            <a:lvl8pPr lvl="7">
-              <a:spcBef>
-                <a:spcPts val="0"/>
-              </a:spcBef>
-              <a:buSzPct val="100000"/>
-              <a:defRPr sz="1200"/>
-            </a:lvl8pPr>
-            <a:lvl9pPr lvl="8">
-              <a:spcBef>
-                <a:spcPts val="0"/>
-              </a:spcBef>
-              <a:buSzPct val="100000"/>
-              <a:defRPr sz="1200"/>
-            </a:lvl9pPr>
-          </a:lstStyle>
-          <a:p>
-            <a:endParaRPr/>
-          </a:p>
-        </p:txBody>
-      </p:sp>
-      <p:sp>
-        <p:nvSpPr>
-          <p:cNvPr id="31" name="Shape 31"/>
-          <p:cNvSpPr txBox="1">
-            <a:spLocks noGrp="1"/>
-          </p:cNvSpPr>
-          <p:nvPr>
-            <p:ph type="sldNum" idx="12"/>
-          </p:nvPr>
-        </p:nvSpPr>
-        <p:spPr>
-          <a:xfrm>
-            <a:off x="8472458" y="4663217"/>
-            <a:ext cx="548700" cy="393600"/>
-          </a:xfrm>
-          <a:prstGeom prst="rect">
-            <a:avLst/>
-          </a:prstGeom>
-        </p:spPr>
-        <p:txBody>
-          <a:bodyPr wrap="square" lIns="91425" tIns="91425" rIns="91425" bIns="91425" anchor="ctr" anchorCtr="0">
-            <a:noAutofit/>
-          </a:bodyPr>
-          <a:lstStyle/>
-          <a:p>
-            <a:pPr lvl="0">
-              <a:spcBef>
-                <a:spcPts val="0"/>
-              </a:spcBef>
-              <a:buNone/>
-            </a:pPr>
-            <a:fld id="{00000000-1234-1234-1234-123412341234}" type="slidenum">
-              <a:rPr lang="es"/>
-              <a:t>‹Nº›</a:t>
-            </a:fld>
-            <a:endParaRPr lang="es"/>
-          </a:p>
-        </p:txBody>
-      </p:sp>
-    </p:spTree>
-  </p:cSld>
-  <p:clrMapOvr>
-    <a:masterClrMapping/>
-  </p:clrMapOvr>
-</p:sldLayout>
-</file>
-
-<file path=ppt/slideLayouts/slideLayout7.xml><?xml version="1.0" encoding="utf-8"?>
-<p:sldLayout xmlns:a="http://schemas.openxmlformats.org/drawingml/2006/main" xmlns:r="http://schemas.openxmlformats.org/officeDocument/2006/relationships" xmlns:p="http://schemas.openxmlformats.org/presentationml/2006/main">
-  <p:cSld name="Main point">
-    <p:spTree>
-      <p:nvGrpSpPr>
-        <p:cNvPr id="1" name="Shape 32"/>
-        <p:cNvGrpSpPr/>
-        <p:nvPr/>
-      </p:nvGrpSpPr>
-      <p:grpSpPr>
-        <a:xfrm>
-          <a:off x="0" y="0"/>
-          <a:ext cx="0" cy="0"/>
-          <a:chOff x="0" y="0"/>
-          <a:chExt cx="0" cy="0"/>
-        </a:xfrm>
-      </p:grpSpPr>
-      <p:sp>
-        <p:nvSpPr>
-          <p:cNvPr id="33" name="Shape 33"/>
-          <p:cNvSpPr txBox="1">
-            <a:spLocks noGrp="1"/>
-          </p:cNvSpPr>
-          <p:nvPr>
-            <p:ph type="title"/>
-          </p:nvPr>
-        </p:nvSpPr>
-        <p:spPr>
-          <a:xfrm>
-            <a:off x="490250" y="450150"/>
-            <a:ext cx="6367800" cy="4090800"/>
-          </a:xfrm>
-          <a:prstGeom prst="rect">
-            <a:avLst/>
-          </a:prstGeom>
-        </p:spPr>
-        <p:txBody>
-          <a:bodyPr wrap="square" lIns="91425" tIns="91425" rIns="91425" bIns="91425" anchor="ctr" anchorCtr="0"/>
-          <a:lstStyle>
-            <a:lvl1pPr lvl="0">
-              <a:spcBef>
-                <a:spcPts val="0"/>
-              </a:spcBef>
-              <a:buSzPct val="100000"/>
-              <a:defRPr sz="4800"/>
-            </a:lvl1pPr>
-            <a:lvl2pPr lvl="1">
-              <a:spcBef>
-                <a:spcPts val="0"/>
-              </a:spcBef>
-              <a:buSzPct val="100000"/>
-              <a:defRPr sz="4800"/>
-            </a:lvl2pPr>
-            <a:lvl3pPr lvl="2">
-              <a:spcBef>
-                <a:spcPts val="0"/>
-              </a:spcBef>
-              <a:buSzPct val="100000"/>
-              <a:defRPr sz="4800"/>
-            </a:lvl3pPr>
-            <a:lvl4pPr lvl="3">
-              <a:spcBef>
-                <a:spcPts val="0"/>
-              </a:spcBef>
-              <a:buSzPct val="100000"/>
-              <a:defRPr sz="4800"/>
-            </a:lvl4pPr>
-            <a:lvl5pPr lvl="4">
-              <a:spcBef>
-                <a:spcPts val="0"/>
-              </a:spcBef>
-              <a:buSzPct val="100000"/>
-              <a:defRPr sz="4800"/>
-            </a:lvl5pPr>
-            <a:lvl6pPr lvl="5">
-              <a:spcBef>
-                <a:spcPts val="0"/>
-              </a:spcBef>
-              <a:buSzPct val="100000"/>
-              <a:defRPr sz="4800"/>
-            </a:lvl6pPr>
-            <a:lvl7pPr lvl="6">
-              <a:spcBef>
-                <a:spcPts val="0"/>
-              </a:spcBef>
-              <a:buSzPct val="100000"/>
-              <a:defRPr sz="4800"/>
-            </a:lvl7pPr>
-            <a:lvl8pPr lvl="7">
-              <a:spcBef>
-                <a:spcPts val="0"/>
-              </a:spcBef>
-              <a:buSzPct val="100000"/>
-              <a:defRPr sz="4800"/>
-            </a:lvl8pPr>
-            <a:lvl9pPr lvl="8">
-              <a:spcBef>
-                <a:spcPts val="0"/>
-              </a:spcBef>
-              <a:buSzPct val="100000"/>
-              <a:defRPr sz="4800"/>
-            </a:lvl9pPr>
-          </a:lstStyle>
-          <a:p>
-            <a:endParaRPr/>
-          </a:p>
-        </p:txBody>
-      </p:sp>
-      <p:sp>
-        <p:nvSpPr>
-          <p:cNvPr id="34" name="Shape 34"/>
-          <p:cNvSpPr txBox="1">
-            <a:spLocks noGrp="1"/>
-          </p:cNvSpPr>
-          <p:nvPr>
-            <p:ph type="sldNum" idx="12"/>
-          </p:nvPr>
-        </p:nvSpPr>
-        <p:spPr>
-          <a:xfrm>
-            <a:off x="8472458" y="4663217"/>
-            <a:ext cx="548700" cy="393600"/>
-          </a:xfrm>
-          <a:prstGeom prst="rect">
-            <a:avLst/>
-          </a:prstGeom>
-        </p:spPr>
-        <p:txBody>
-          <a:bodyPr wrap="square" lIns="91425" tIns="91425" rIns="91425" bIns="91425" anchor="ctr" anchorCtr="0">
-            <a:noAutofit/>
-          </a:bodyPr>
-          <a:lstStyle/>
-          <a:p>
-            <a:pPr lvl="0">
-              <a:spcBef>
-                <a:spcPts val="0"/>
-              </a:spcBef>
-              <a:buNone/>
-            </a:pPr>
-            <a:fld id="{00000000-1234-1234-1234-123412341234}" type="slidenum">
-              <a:rPr lang="es"/>
-              <a:t>‹Nº›</a:t>
-            </a:fld>
-            <a:endParaRPr lang="es"/>
-          </a:p>
-        </p:txBody>
-      </p:sp>
-    </p:spTree>
-  </p:cSld>
-  <p:clrMapOvr>
-    <a:masterClrMapping/>
-  </p:clrMapOvr>
-</p:sldLayout>
-</file>
-
-<file path=ppt/slideLayouts/slideLayout8.xml><?xml version="1.0" encoding="utf-8"?>
-<p:sldLayout xmlns:a="http://schemas.openxmlformats.org/drawingml/2006/main" xmlns:r="http://schemas.openxmlformats.org/officeDocument/2006/relationships" xmlns:p="http://schemas.openxmlformats.org/presentationml/2006/main">
-  <p:cSld name="Section title and description">
-    <p:spTree>
-      <p:nvGrpSpPr>
-        <p:cNvPr id="1" name="Shape 35"/>
-        <p:cNvGrpSpPr/>
-        <p:nvPr/>
-      </p:nvGrpSpPr>
-      <p:grpSpPr>
-        <a:xfrm>
-          <a:off x="0" y="0"/>
-          <a:ext cx="0" cy="0"/>
-          <a:chOff x="0" y="0"/>
-          <a:chExt cx="0" cy="0"/>
-        </a:xfrm>
-      </p:grpSpPr>
-      <p:sp>
-        <p:nvSpPr>
-          <p:cNvPr id="36" name="Shape 36"/>
-          <p:cNvSpPr/>
-          <p:nvPr/>
-        </p:nvSpPr>
-        <p:spPr>
-          <a:xfrm>
-            <a:off x="4572000" y="-125"/>
-            <a:ext cx="4572000" cy="5143500"/>
-          </a:xfrm>
-          <a:prstGeom prst="rect">
-            <a:avLst/>
-          </a:prstGeom>
-          <a:solidFill>
-            <a:schemeClr val="lt2"/>
-          </a:solidFill>
-          <a:ln>
-            <a:noFill/>
-          </a:ln>
-        </p:spPr>
-        <p:txBody>
-          <a:bodyPr wrap="square" lIns="91425" tIns="91425" rIns="91425" bIns="91425" anchor="ctr" anchorCtr="0">
-            <a:noAutofit/>
-          </a:bodyPr>
-          <a:lstStyle/>
-          <a:p>
-            <a:pPr lvl="0">
-              <a:spcBef>
-                <a:spcPts val="0"/>
-              </a:spcBef>
-              <a:buNone/>
-            </a:pPr>
-            <a:endParaRPr/>
-          </a:p>
-        </p:txBody>
-      </p:sp>
-      <p:sp>
-        <p:nvSpPr>
-          <p:cNvPr id="37" name="Shape 37"/>
-          <p:cNvSpPr txBox="1">
-            <a:spLocks noGrp="1"/>
-          </p:cNvSpPr>
-          <p:nvPr>
-            <p:ph type="title"/>
-          </p:nvPr>
-        </p:nvSpPr>
-        <p:spPr>
-          <a:xfrm>
-            <a:off x="265500" y="1233175"/>
-            <a:ext cx="4045200" cy="1482300"/>
-          </a:xfrm>
-          <a:prstGeom prst="rect">
-            <a:avLst/>
-          </a:prstGeom>
-        </p:spPr>
-        <p:txBody>
-          <a:bodyPr wrap="square" lIns="91425" tIns="91425" rIns="91425" bIns="91425" anchor="b" anchorCtr="0"/>
-          <a:lstStyle>
-            <a:lvl1pPr lvl="0" algn="ctr">
-              <a:spcBef>
-                <a:spcPts val="0"/>
-              </a:spcBef>
-              <a:buSzPct val="100000"/>
-              <a:defRPr sz="4200"/>
-            </a:lvl1pPr>
-            <a:lvl2pPr lvl="1" algn="ctr">
-              <a:spcBef>
-                <a:spcPts val="0"/>
-              </a:spcBef>
-              <a:buSzPct val="100000"/>
-              <a:defRPr sz="4200"/>
-            </a:lvl2pPr>
-            <a:lvl3pPr lvl="2" algn="ctr">
-              <a:spcBef>
-                <a:spcPts val="0"/>
-              </a:spcBef>
-              <a:buSzPct val="100000"/>
-              <a:defRPr sz="4200"/>
-            </a:lvl3pPr>
-            <a:lvl4pPr lvl="3" algn="ctr">
-              <a:spcBef>
-                <a:spcPts val="0"/>
-              </a:spcBef>
-              <a:buSzPct val="100000"/>
-              <a:defRPr sz="4200"/>
-            </a:lvl4pPr>
-            <a:lvl5pPr lvl="4" algn="ctr">
-              <a:spcBef>
-                <a:spcPts val="0"/>
-              </a:spcBef>
-              <a:buSzPct val="100000"/>
-              <a:defRPr sz="4200"/>
-            </a:lvl5pPr>
-            <a:lvl6pPr lvl="5" algn="ctr">
-              <a:spcBef>
-                <a:spcPts val="0"/>
-              </a:spcBef>
-              <a:buSzPct val="100000"/>
-              <a:defRPr sz="4200"/>
-            </a:lvl6pPr>
-            <a:lvl7pPr lvl="6" algn="ctr">
-              <a:spcBef>
-                <a:spcPts val="0"/>
-              </a:spcBef>
-              <a:buSzPct val="100000"/>
-              <a:defRPr sz="4200"/>
-            </a:lvl7pPr>
-            <a:lvl8pPr lvl="7" algn="ctr">
-              <a:spcBef>
-                <a:spcPts val="0"/>
-              </a:spcBef>
-              <a:buSzPct val="100000"/>
-              <a:defRPr sz="4200"/>
-            </a:lvl8pPr>
-            <a:lvl9pPr lvl="8" algn="ctr">
-              <a:spcBef>
-                <a:spcPts val="0"/>
-              </a:spcBef>
-              <a:buSzPct val="100000"/>
-              <a:defRPr sz="4200"/>
-            </a:lvl9pPr>
-          </a:lstStyle>
-          <a:p>
-            <a:endParaRPr/>
-          </a:p>
-        </p:txBody>
-      </p:sp>
-      <p:sp>
-        <p:nvSpPr>
-          <p:cNvPr id="38" name="Shape 38"/>
-          <p:cNvSpPr txBox="1">
-            <a:spLocks noGrp="1"/>
-          </p:cNvSpPr>
-          <p:nvPr>
-            <p:ph type="subTitle" idx="1"/>
-          </p:nvPr>
-        </p:nvSpPr>
-        <p:spPr>
-          <a:xfrm>
-            <a:off x="265500" y="2803075"/>
-            <a:ext cx="4045200" cy="1235100"/>
-          </a:xfrm>
-          <a:prstGeom prst="rect">
-            <a:avLst/>
-          </a:prstGeom>
-        </p:spPr>
-        <p:txBody>
-          <a:bodyPr wrap="square" lIns="91425" tIns="91425" rIns="91425" bIns="91425" anchor="t" anchorCtr="0"/>
-          <a:lstStyle>
-            <a:lvl1pPr lvl="0" algn="ctr">
-              <a:lnSpc>
-                <a:spcPct val="100000"/>
-              </a:lnSpc>
-              <a:spcBef>
-                <a:spcPts val="0"/>
-              </a:spcBef>
-              <a:spcAft>
-                <a:spcPts val="0"/>
-              </a:spcAft>
-              <a:buSzPct val="100000"/>
-              <a:buNone/>
-              <a:defRPr sz="2100"/>
-            </a:lvl1pPr>
-            <a:lvl2pPr lvl="1" algn="ctr">
-              <a:lnSpc>
-                <a:spcPct val="100000"/>
-              </a:lnSpc>
-              <a:spcBef>
-                <a:spcPts val="0"/>
-              </a:spcBef>
-              <a:spcAft>
-                <a:spcPts val="0"/>
-              </a:spcAft>
-              <a:buSzPct val="100000"/>
-              <a:buNone/>
-              <a:defRPr sz="2100"/>
-            </a:lvl2pPr>
-            <a:lvl3pPr lvl="2" algn="ctr">
-              <a:lnSpc>
-                <a:spcPct val="100000"/>
-              </a:lnSpc>
-              <a:spcBef>
-                <a:spcPts val="0"/>
-              </a:spcBef>
-              <a:spcAft>
-                <a:spcPts val="0"/>
-              </a:spcAft>
-              <a:buSzPct val="100000"/>
-              <a:buNone/>
-              <a:defRPr sz="2100"/>
-            </a:lvl3pPr>
-            <a:lvl4pPr lvl="3" algn="ctr">
-              <a:lnSpc>
-                <a:spcPct val="100000"/>
-              </a:lnSpc>
-              <a:spcBef>
-                <a:spcPts val="0"/>
-              </a:spcBef>
-              <a:spcAft>
-                <a:spcPts val="0"/>
-              </a:spcAft>
-              <a:buSzPct val="100000"/>
-              <a:buNone/>
-              <a:defRPr sz="2100"/>
-            </a:lvl4pPr>
-            <a:lvl5pPr lvl="4" algn="ctr">
-              <a:lnSpc>
-                <a:spcPct val="100000"/>
-              </a:lnSpc>
-              <a:spcBef>
-                <a:spcPts val="0"/>
-              </a:spcBef>
-              <a:spcAft>
-                <a:spcPts val="0"/>
-              </a:spcAft>
-              <a:buSzPct val="100000"/>
-              <a:buNone/>
-              <a:defRPr sz="2100"/>
-            </a:lvl5pPr>
-            <a:lvl6pPr lvl="5" algn="ctr">
-              <a:lnSpc>
-                <a:spcPct val="100000"/>
-              </a:lnSpc>
-              <a:spcBef>
-                <a:spcPts val="0"/>
-              </a:spcBef>
-              <a:spcAft>
-                <a:spcPts val="0"/>
-              </a:spcAft>
-              <a:buSzPct val="100000"/>
-              <a:buNone/>
-              <a:defRPr sz="2100"/>
-            </a:lvl6pPr>
-            <a:lvl7pPr lvl="6" algn="ctr">
-              <a:lnSpc>
-                <a:spcPct val="100000"/>
-              </a:lnSpc>
-              <a:spcBef>
-                <a:spcPts val="0"/>
-              </a:spcBef>
-              <a:spcAft>
-                <a:spcPts val="0"/>
-              </a:spcAft>
-              <a:buSzPct val="100000"/>
-              <a:buNone/>
-              <a:defRPr sz="2100"/>
-            </a:lvl7pPr>
-            <a:lvl8pPr lvl="7" algn="ctr">
-              <a:lnSpc>
-                <a:spcPct val="100000"/>
-              </a:lnSpc>
-              <a:spcBef>
-                <a:spcPts val="0"/>
-              </a:spcBef>
-              <a:spcAft>
-                <a:spcPts val="0"/>
-              </a:spcAft>
-              <a:buSzPct val="100000"/>
-              <a:buNone/>
-              <a:defRPr sz="2100"/>
-            </a:lvl8pPr>
-            <a:lvl9pPr lvl="8" algn="ctr">
-              <a:lnSpc>
-                <a:spcPct val="100000"/>
-              </a:lnSpc>
-              <a:spcBef>
-                <a:spcPts val="0"/>
-              </a:spcBef>
-              <a:spcAft>
-                <a:spcPts val="0"/>
-              </a:spcAft>
-              <a:buSzPct val="100000"/>
-              <a:buNone/>
-              <a:defRPr sz="2100"/>
-            </a:lvl9pPr>
-          </a:lstStyle>
-          <a:p>
-            <a:endParaRPr/>
-          </a:p>
-        </p:txBody>
-      </p:sp>
-      <p:sp>
-        <p:nvSpPr>
-          <p:cNvPr id="39" name="Shape 39"/>
-          <p:cNvSpPr txBox="1">
-            <a:spLocks noGrp="1"/>
-          </p:cNvSpPr>
-          <p:nvPr>
-            <p:ph type="body" idx="2"/>
-          </p:nvPr>
-        </p:nvSpPr>
-        <p:spPr>
-          <a:xfrm>
-            <a:off x="4939500" y="724075"/>
-            <a:ext cx="3837000" cy="3695100"/>
-          </a:xfrm>
-          <a:prstGeom prst="rect">
-            <a:avLst/>
-          </a:prstGeom>
-        </p:spPr>
-        <p:txBody>
-          <a:bodyPr wrap="square" lIns="91425" tIns="91425" rIns="91425" bIns="91425" anchor="ctr" anchorCtr="0"/>
-          <a:lstStyle>
-            <a:lvl1pPr lvl="0">
-              <a:spcBef>
-                <a:spcPts val="0"/>
-              </a:spcBef>
-              <a:defRPr/>
-            </a:lvl1pPr>
-            <a:lvl2pPr lvl="1">
-              <a:spcBef>
-                <a:spcPts val="0"/>
-              </a:spcBef>
-              <a:defRPr/>
-            </a:lvl2pPr>
-            <a:lvl3pPr lvl="2">
-              <a:spcBef>
-                <a:spcPts val="0"/>
-              </a:spcBef>
-              <a:defRPr/>
-            </a:lvl3pPr>
-            <a:lvl4pPr lvl="3">
-              <a:spcBef>
-                <a:spcPts val="0"/>
-              </a:spcBef>
-              <a:defRPr/>
-            </a:lvl4pPr>
-            <a:lvl5pPr lvl="4">
-              <a:spcBef>
-                <a:spcPts val="0"/>
-              </a:spcBef>
-              <a:defRPr/>
-            </a:lvl5pPr>
-            <a:lvl6pPr lvl="5">
-              <a:spcBef>
-                <a:spcPts val="0"/>
-              </a:spcBef>
-              <a:defRPr/>
-            </a:lvl6pPr>
-            <a:lvl7pPr lvl="6">
-              <a:spcBef>
-                <a:spcPts val="0"/>
-              </a:spcBef>
-              <a:defRPr/>
-            </a:lvl7pPr>
-            <a:lvl8pPr lvl="7">
-              <a:spcBef>
-                <a:spcPts val="0"/>
-              </a:spcBef>
-              <a:defRPr/>
-            </a:lvl8pPr>
-            <a:lvl9pPr lvl="8">
-              <a:spcBef>
-                <a:spcPts val="0"/>
-              </a:spcBef>
-              <a:defRPr/>
-            </a:lvl9pPr>
-          </a:lstStyle>
-          <a:p>
-            <a:endParaRPr/>
-          </a:p>
-        </p:txBody>
-      </p:sp>
-      <p:sp>
-        <p:nvSpPr>
-          <p:cNvPr id="40" name="Shape 40"/>
-          <p:cNvSpPr txBox="1">
-            <a:spLocks noGrp="1"/>
-          </p:cNvSpPr>
-          <p:nvPr>
-            <p:ph type="sldNum" idx="12"/>
-          </p:nvPr>
-        </p:nvSpPr>
-        <p:spPr>
-          <a:xfrm>
-            <a:off x="8472458" y="4663217"/>
-            <a:ext cx="548700" cy="393600"/>
-          </a:xfrm>
-          <a:prstGeom prst="rect">
-            <a:avLst/>
-          </a:prstGeom>
-        </p:spPr>
-        <p:txBody>
-          <a:bodyPr wrap="square" lIns="91425" tIns="91425" rIns="91425" bIns="91425" anchor="ctr" anchorCtr="0">
-            <a:noAutofit/>
-          </a:bodyPr>
-          <a:lstStyle/>
-          <a:p>
-            <a:pPr lvl="0">
-              <a:spcBef>
-                <a:spcPts val="0"/>
-              </a:spcBef>
-              <a:buNone/>
-            </a:pPr>
-            <a:fld id="{00000000-1234-1234-1234-123412341234}" type="slidenum">
-              <a:rPr lang="es"/>
-              <a:t>‹Nº›</a:t>
-            </a:fld>
-            <a:endParaRPr lang="es"/>
-          </a:p>
-        </p:txBody>
-      </p:sp>
-    </p:spTree>
-  </p:cSld>
-  <p:clrMapOvr>
-    <a:masterClrMapping/>
-  </p:clrMapOvr>
-</p:sldLayout>
-</file>
-
-<file path=ppt/slideLayouts/slideLayout9.xml><?xml version="1.0" encoding="utf-8"?>
-<p:sldLayout xmlns:a="http://schemas.openxmlformats.org/drawingml/2006/main" xmlns:r="http://schemas.openxmlformats.org/officeDocument/2006/relationships" xmlns:p="http://schemas.openxmlformats.org/presentationml/2006/main">
-  <p:cSld name="Caption">
-    <p:spTree>
-      <p:nvGrpSpPr>
-        <p:cNvPr id="1" name="Shape 41"/>
-        <p:cNvGrpSpPr/>
-        <p:nvPr/>
-      </p:nvGrpSpPr>
-      <p:grpSpPr>
-        <a:xfrm>
-          <a:off x="0" y="0"/>
-          <a:ext cx="0" cy="0"/>
-          <a:chOff x="0" y="0"/>
-          <a:chExt cx="0" cy="0"/>
-        </a:xfrm>
-      </p:grpSpPr>
-      <p:sp>
-        <p:nvSpPr>
-          <p:cNvPr id="42" name="Shape 42"/>
-          <p:cNvSpPr txBox="1">
-            <a:spLocks noGrp="1"/>
-          </p:cNvSpPr>
-          <p:nvPr>
-            <p:ph type="body" idx="1"/>
-          </p:nvPr>
-        </p:nvSpPr>
-        <p:spPr>
-          <a:xfrm>
-            <a:off x="311700" y="4230575"/>
-            <a:ext cx="5998800" cy="605100"/>
-          </a:xfrm>
-          <a:prstGeom prst="rect">
-            <a:avLst/>
-          </a:prstGeom>
-        </p:spPr>
-        <p:txBody>
-          <a:bodyPr wrap="square" lIns="91425" tIns="91425" rIns="91425" bIns="91425" anchor="ctr" anchorCtr="0"/>
-          <a:lstStyle>
-            <a:lvl1pPr lvl="0">
-              <a:lnSpc>
-                <a:spcPct val="100000"/>
-              </a:lnSpc>
-              <a:spcBef>
-                <a:spcPts val="0"/>
-              </a:spcBef>
-              <a:spcAft>
-                <a:spcPts val="0"/>
-              </a:spcAft>
-              <a:buNone/>
-              <a:defRPr/>
-            </a:lvl1pPr>
-          </a:lstStyle>
-          <a:p>
-            <a:endParaRPr/>
-          </a:p>
-        </p:txBody>
-      </p:sp>
-      <p:sp>
-        <p:nvSpPr>
-          <p:cNvPr id="43" name="Shape 43"/>
-          <p:cNvSpPr txBox="1">
-            <a:spLocks noGrp="1"/>
-          </p:cNvSpPr>
-          <p:nvPr>
-            <p:ph type="sldNum" idx="12"/>
-          </p:nvPr>
-        </p:nvSpPr>
-        <p:spPr>
-          <a:xfrm>
-            <a:off x="8472458" y="4663217"/>
-            <a:ext cx="548700" cy="393600"/>
-          </a:xfrm>
-          <a:prstGeom prst="rect">
-            <a:avLst/>
-          </a:prstGeom>
-        </p:spPr>
-        <p:txBody>
-          <a:bodyPr wrap="square" lIns="91425" tIns="91425" rIns="91425" bIns="91425" anchor="ctr" anchorCtr="0">
-            <a:noAutofit/>
-          </a:bodyPr>
-          <a:lstStyle/>
-          <a:p>
-            <a:pPr lvl="0">
-              <a:spcBef>
-                <a:spcPts val="0"/>
-              </a:spcBef>
-              <a:buNone/>
-            </a:pPr>
-            <a:fld id="{00000000-1234-1234-1234-123412341234}" type="slidenum">
-              <a:rPr lang="es"/>
+              <a:pPr lvl="0">
+                <a:spcBef>
+                  <a:spcPts val="0"/>
+                </a:spcBef>
+                <a:buNone/>
+              </a:pPr>
               <a:t>‹Nº›</a:t>
             </a:fld>
             <a:endParaRPr lang="es"/>
@@ -5173,6 +4754,12 @@
                   <a:schemeClr val="dk2"/>
                 </a:solidFill>
               </a:rPr>
+              <a:pPr lvl="0" algn="r">
+                <a:spcBef>
+                  <a:spcPts val="0"/>
+                </a:spcBef>
+                <a:buNone/>
+              </a:pPr>
               <a:t>‹Nº›</a:t>
             </a:fld>
             <a:endParaRPr lang="es" sz="1000">
@@ -5188,16 +4775,15 @@
   <p:clrMap bg1="lt1" tx1="dk1" bg2="dk2" tx2="lt2" accent1="accent1" accent2="accent2" accent3="accent3" accent4="accent4" accent5="accent5" accent6="accent6" hlink="hlink" folHlink="folHlink"/>
   <p:sldLayoutIdLst>
     <p:sldLayoutId id="2147483648" r:id="rId1"/>
-    <p:sldLayoutId id="2147483649" r:id="rId2"/>
-    <p:sldLayoutId id="2147483650" r:id="rId3"/>
-    <p:sldLayoutId id="2147483651" r:id="rId4"/>
-    <p:sldLayoutId id="2147483652" r:id="rId5"/>
-    <p:sldLayoutId id="2147483653" r:id="rId6"/>
-    <p:sldLayoutId id="2147483654" r:id="rId7"/>
-    <p:sldLayoutId id="2147483655" r:id="rId8"/>
-    <p:sldLayoutId id="2147483656" r:id="rId9"/>
-    <p:sldLayoutId id="2147483657" r:id="rId10"/>
-    <p:sldLayoutId id="2147483658" r:id="rId11"/>
+    <p:sldLayoutId id="2147483650" r:id="rId2"/>
+    <p:sldLayoutId id="2147483651" r:id="rId3"/>
+    <p:sldLayoutId id="2147483652" r:id="rId4"/>
+    <p:sldLayoutId id="2147483653" r:id="rId5"/>
+    <p:sldLayoutId id="2147483654" r:id="rId6"/>
+    <p:sldLayoutId id="2147483655" r:id="rId7"/>
+    <p:sldLayoutId id="2147483656" r:id="rId8"/>
+    <p:sldLayoutId id="2147483657" r:id="rId9"/>
+    <p:sldLayoutId id="2147483658" r:id="rId10"/>
   </p:sldLayoutIdLst>
   <p:hf sldNum="0" hdr="0" ftr="0" dt="0"/>
   <p:txStyles>
@@ -5646,6 +5232,20 @@
 <file path=ppt/slides/slide1.xml><?xml version="1.0" encoding="utf-8"?>
 <p:sld xmlns:a="http://schemas.openxmlformats.org/drawingml/2006/main" xmlns:r="http://schemas.openxmlformats.org/officeDocument/2006/relationships" xmlns:p="http://schemas.openxmlformats.org/presentationml/2006/main">
   <p:cSld>
+    <p:bg>
+      <p:bgPr>
+        <a:blipFill dpi="0" rotWithShape="1">
+          <a:blip r:embed="rId3">
+            <a:lum/>
+          </a:blip>
+          <a:srcRect/>
+          <a:stretch>
+            <a:fillRect t="-15000" b="-15000"/>
+          </a:stretch>
+        </a:blipFill>
+        <a:effectLst/>
+      </p:bgPr>
+    </p:bg>
     <p:spTree>
       <p:nvGrpSpPr>
         <p:cNvPr id="1" name="Shape 53"/>
@@ -5672,8 +5272,8 @@
         </p:nvSpPr>
         <p:spPr>
           <a:xfrm>
-            <a:off x="311708" y="744575"/>
-            <a:ext cx="8520600" cy="2052600"/>
+            <a:off x="311708" y="434502"/>
+            <a:ext cx="8520600" cy="1964987"/>
           </a:xfrm>
           <a:prstGeom prst="rect">
             <a:avLst/>
@@ -5685,16 +5285,28 @@
           </a:bodyPr>
           <a:lstStyle/>
           <a:p>
-            <a:pPr lvl="0">
-              <a:spcBef>
-                <a:spcPts val="0"/>
-              </a:spcBef>
-              <a:buNone/>
-            </a:pPr>
-            <a:r>
-              <a:rPr lang="es"/>
-              <a:t>Seguridad de aplicaciones web</a:t>
-            </a:r>
+            <a:pPr lvl="0"/>
+            <a:r>
+              <a:rPr lang="es-ES" sz="4000" b="1" dirty="0" smtClean="0">
+                <a:solidFill>
+                  <a:schemeClr val="bg1"/>
+                </a:solidFill>
+              </a:rPr>
+              <a:t>Charla Técnica, Seguridad Aplicaciones .NET + Demo </a:t>
+            </a:r>
+            <a:r>
+              <a:rPr lang="es-ES" sz="4000" b="1" dirty="0" err="1" smtClean="0">
+                <a:solidFill>
+                  <a:schemeClr val="bg1"/>
+                </a:solidFill>
+              </a:rPr>
+              <a:t>SQLMap</a:t>
+            </a:r>
+            <a:endParaRPr lang="es" sz="4000" b="1" dirty="0">
+              <a:solidFill>
+                <a:schemeClr val="bg1"/>
+              </a:solidFill>
+            </a:endParaRPr>
           </a:p>
         </p:txBody>
       </p:sp>
@@ -5710,7 +5322,7 @@
         </p:nvSpPr>
         <p:spPr>
           <a:xfrm>
-            <a:off x="311700" y="3368050"/>
+            <a:off x="383036" y="2758450"/>
             <a:ext cx="8520600" cy="1388100"/>
           </a:xfrm>
           <a:prstGeom prst="rect">
@@ -5730,8 +5342,20 @@
               <a:buNone/>
             </a:pPr>
             <a:r>
-              <a:rPr lang="es" sz="1800"/>
-              <a:t>Roberto Alejandro Hernández Enríquez</a:t>
+              <a:rPr lang="es" sz="2400" b="1" dirty="0" smtClean="0">
+                <a:solidFill>
+                  <a:schemeClr val="bg1"/>
+                </a:solidFill>
+              </a:rPr>
+              <a:t>Robert </a:t>
+            </a:r>
+            <a:r>
+              <a:rPr lang="es" sz="2400" b="1" dirty="0" smtClean="0">
+                <a:solidFill>
+                  <a:schemeClr val="bg1"/>
+                </a:solidFill>
+              </a:rPr>
+              <a:t>Rozas Navarro</a:t>
             </a:r>
           </a:p>
           <a:p>
@@ -5741,42 +5365,48 @@
               </a:spcBef>
               <a:buNone/>
             </a:pPr>
-            <a:r>
-              <a:rPr lang="es" sz="1800"/>
-              <a:t>Jose Miguel Perez Fajardo</a:t>
-            </a:r>
-          </a:p>
-          <a:p>
-            <a:pPr lvl="0">
-              <a:spcBef>
-                <a:spcPts val="0"/>
-              </a:spcBef>
-              <a:buNone/>
-            </a:pPr>
-            <a:r>
-              <a:rPr lang="es" sz="1800"/>
-              <a:t>Ossmar Solis Rios </a:t>
-            </a:r>
-          </a:p>
-          <a:p>
-            <a:pPr lvl="0">
-              <a:spcBef>
-                <a:spcPts val="0"/>
-              </a:spcBef>
-              <a:buNone/>
-            </a:pPr>
-            <a:r>
-              <a:rPr lang="es" sz="1800"/>
-              <a:t>Jorge Antonio Ramirez Martinez</a:t>
-            </a:r>
-          </a:p>
-          <a:p>
-            <a:pPr lvl="0">
-              <a:spcBef>
-                <a:spcPts val="0"/>
-              </a:spcBef>
-              <a:buNone/>
-            </a:pPr>
+            <a:endParaRPr lang="es" sz="2000" b="1" dirty="0" smtClean="0">
+              <a:solidFill>
+                <a:schemeClr val="bg1"/>
+              </a:solidFill>
+            </a:endParaRPr>
+          </a:p>
+          <a:p>
+            <a:pPr lvl="0"/>
+            <a:r>
+              <a:rPr lang="es-ES" sz="2400" b="1" dirty="0" smtClean="0">
+                <a:solidFill>
+                  <a:schemeClr val="bg1"/>
+                </a:solidFill>
+                <a:hlinkClick r:id="rId4"/>
+              </a:rPr>
+              <a:t>https://stackoverflow.com/users/1987838/hackerman</a:t>
+            </a:r>
+            <a:endParaRPr lang="es-ES" sz="2400" b="1" dirty="0" smtClean="0">
+              <a:solidFill>
+                <a:schemeClr val="bg1"/>
+              </a:solidFill>
+            </a:endParaRPr>
+          </a:p>
+          <a:p>
+            <a:pPr lvl="0"/>
+            <a:r>
+              <a:rPr lang="es-ES" sz="2400" b="1" dirty="0" smtClean="0">
+                <a:solidFill>
+                  <a:schemeClr val="bg1"/>
+                </a:solidFill>
+                <a:hlinkClick r:id="rId5"/>
+              </a:rPr>
+              <a:t>https://github.com/AshWilliams</a:t>
+            </a:r>
+            <a:endParaRPr lang="es-ES" sz="2400" b="1" dirty="0" smtClean="0">
+              <a:solidFill>
+                <a:schemeClr val="bg1"/>
+              </a:solidFill>
+            </a:endParaRPr>
+          </a:p>
+          <a:p>
+            <a:pPr lvl="0"/>
             <a:endParaRPr/>
           </a:p>
         </p:txBody>
@@ -5789,8 +5419,8 @@
         </p:nvSpPr>
         <p:spPr>
           <a:xfrm>
-            <a:off x="1446300" y="2749750"/>
-            <a:ext cx="6251400" cy="618300"/>
+            <a:off x="680935" y="2243912"/>
+            <a:ext cx="8093413" cy="618300"/>
           </a:xfrm>
           <a:prstGeom prst="rect">
             <a:avLst/>
@@ -5813,7 +5443,11 @@
               <a:buNone/>
             </a:pPr>
             <a:r>
-              <a:rPr lang="es" sz="2400"/>
+              <a:rPr lang="es" sz="2800" b="1" dirty="0">
+                <a:solidFill>
+                  <a:schemeClr val="bg1"/>
+                </a:solidFill>
+              </a:rPr>
               <a:t>Reconocimiento de amenazas y mitigación</a:t>
             </a:r>
           </a:p>
@@ -5824,411 +5458,17 @@
   <p:clrMapOvr>
     <a:masterClrMapping/>
   </p:clrMapOvr>
+  <p:timing>
+    <p:tnLst>
+      <p:par>
+        <p:cTn id="1" dur="indefinite" restart="never" nodeType="tmRoot"/>
+      </p:par>
+    </p:tnLst>
+  </p:timing>
 </p:sld>
 </file>
 
 <file path=ppt/slides/slide10.xml><?xml version="1.0" encoding="utf-8"?>
-<p:sld xmlns:a="http://schemas.openxmlformats.org/drawingml/2006/main" xmlns:r="http://schemas.openxmlformats.org/officeDocument/2006/relationships" xmlns:p="http://schemas.openxmlformats.org/presentationml/2006/main">
-  <p:cSld>
-    <p:spTree>
-      <p:nvGrpSpPr>
-        <p:cNvPr id="1" name="Shape 114"/>
-        <p:cNvGrpSpPr/>
-        <p:nvPr/>
-      </p:nvGrpSpPr>
-      <p:grpSpPr>
-        <a:xfrm>
-          <a:off x="0" y="0"/>
-          <a:ext cx="0" cy="0"/>
-          <a:chOff x="0" y="0"/>
-          <a:chExt cx="0" cy="0"/>
-        </a:xfrm>
-      </p:grpSpPr>
-      <p:sp>
-        <p:nvSpPr>
-          <p:cNvPr id="115" name="Shape 115"/>
-          <p:cNvSpPr txBox="1">
-            <a:spLocks noGrp="1"/>
-          </p:cNvSpPr>
-          <p:nvPr>
-            <p:ph type="ctrTitle"/>
-          </p:nvPr>
-        </p:nvSpPr>
-        <p:spPr>
-          <a:xfrm>
-            <a:off x="311708" y="744575"/>
-            <a:ext cx="8520600" cy="2052600"/>
-          </a:xfrm>
-          <a:prstGeom prst="rect">
-            <a:avLst/>
-          </a:prstGeom>
-        </p:spPr>
-        <p:txBody>
-          <a:bodyPr wrap="square" lIns="91425" tIns="91425" rIns="91425" bIns="91425" anchor="b" anchorCtr="0">
-            <a:noAutofit/>
-          </a:bodyPr>
-          <a:lstStyle/>
-          <a:p>
-            <a:pPr lvl="0">
-              <a:spcBef>
-                <a:spcPts val="0"/>
-              </a:spcBef>
-              <a:buNone/>
-            </a:pPr>
-            <a:r>
-              <a:rPr lang="es"/>
-              <a:t>Clasificación de ataques Web</a:t>
-            </a:r>
-          </a:p>
-        </p:txBody>
-      </p:sp>
-      <p:sp>
-        <p:nvSpPr>
-          <p:cNvPr id="116" name="Shape 116"/>
-          <p:cNvSpPr txBox="1">
-            <a:spLocks noGrp="1"/>
-          </p:cNvSpPr>
-          <p:nvPr>
-            <p:ph type="subTitle" idx="1"/>
-          </p:nvPr>
-        </p:nvSpPr>
-        <p:spPr>
-          <a:xfrm>
-            <a:off x="311700" y="2834125"/>
-            <a:ext cx="8520600" cy="792600"/>
-          </a:xfrm>
-          <a:prstGeom prst="rect">
-            <a:avLst/>
-          </a:prstGeom>
-        </p:spPr>
-        <p:txBody>
-          <a:bodyPr wrap="square" lIns="91425" tIns="91425" rIns="91425" bIns="91425" anchor="t" anchorCtr="0">
-            <a:noAutofit/>
-          </a:bodyPr>
-          <a:lstStyle/>
-          <a:p>
-            <a:pPr lvl="0">
-              <a:spcBef>
-                <a:spcPts val="0"/>
-              </a:spcBef>
-              <a:buNone/>
-            </a:pPr>
-            <a:r>
-              <a:rPr lang="es" sz="1050" b="1">
-                <a:solidFill>
-                  <a:srgbClr val="333333"/>
-                </a:solidFill>
-                <a:highlight>
-                  <a:srgbClr val="FFFFFF"/>
-                </a:highlight>
-                <a:latin typeface="Trebuchet MS"/>
-                <a:ea typeface="Trebuchet MS"/>
-                <a:cs typeface="Trebuchet MS"/>
-                <a:sym typeface="Trebuchet MS"/>
-              </a:rPr>
-              <a:t>Ataques URL de tipo semántico</a:t>
-            </a:r>
-          </a:p>
-        </p:txBody>
-      </p:sp>
-    </p:spTree>
-  </p:cSld>
-  <p:clrMapOvr>
-    <a:masterClrMapping/>
-  </p:clrMapOvr>
-</p:sld>
-</file>
-
-<file path=ppt/slides/slide11.xml><?xml version="1.0" encoding="utf-8"?>
-<p:sld xmlns:a="http://schemas.openxmlformats.org/drawingml/2006/main" xmlns:r="http://schemas.openxmlformats.org/officeDocument/2006/relationships" xmlns:p="http://schemas.openxmlformats.org/presentationml/2006/main">
-  <p:cSld>
-    <p:spTree>
-      <p:nvGrpSpPr>
-        <p:cNvPr id="1" name="Shape 120"/>
-        <p:cNvGrpSpPr/>
-        <p:nvPr/>
-      </p:nvGrpSpPr>
-      <p:grpSpPr>
-        <a:xfrm>
-          <a:off x="0" y="0"/>
-          <a:ext cx="0" cy="0"/>
-          <a:chOff x="0" y="0"/>
-          <a:chExt cx="0" cy="0"/>
-        </a:xfrm>
-      </p:grpSpPr>
-      <p:sp>
-        <p:nvSpPr>
-          <p:cNvPr id="121" name="Shape 121"/>
-          <p:cNvSpPr txBox="1">
-            <a:spLocks noGrp="1"/>
-          </p:cNvSpPr>
-          <p:nvPr>
-            <p:ph type="ctrTitle"/>
-          </p:nvPr>
-        </p:nvSpPr>
-        <p:spPr>
-          <a:xfrm>
-            <a:off x="311708" y="744575"/>
-            <a:ext cx="8520600" cy="2052600"/>
-          </a:xfrm>
-          <a:prstGeom prst="rect">
-            <a:avLst/>
-          </a:prstGeom>
-        </p:spPr>
-        <p:txBody>
-          <a:bodyPr wrap="square" lIns="91425" tIns="91425" rIns="91425" bIns="91425" anchor="b" anchorCtr="0">
-            <a:noAutofit/>
-          </a:bodyPr>
-          <a:lstStyle/>
-          <a:p>
-            <a:pPr lvl="0">
-              <a:spcBef>
-                <a:spcPts val="0"/>
-              </a:spcBef>
-              <a:buNone/>
-            </a:pPr>
-            <a:r>
-              <a:rPr lang="es"/>
-              <a:t>Ataques URL de tipo semántico</a:t>
-            </a:r>
-          </a:p>
-        </p:txBody>
-      </p:sp>
-      <p:pic>
-        <p:nvPicPr>
-          <p:cNvPr id="122" name="Shape 122"/>
-          <p:cNvPicPr preferRelativeResize="0"/>
-          <p:nvPr/>
-        </p:nvPicPr>
-        <p:blipFill>
-          <a:blip r:embed="rId3">
-            <a:alphaModFix/>
-          </a:blip>
-          <a:stretch>
-            <a:fillRect/>
-          </a:stretch>
-        </p:blipFill>
-        <p:spPr>
-          <a:xfrm>
-            <a:off x="1828800" y="2873375"/>
-            <a:ext cx="2041524" cy="2041524"/>
-          </a:xfrm>
-          <a:prstGeom prst="rect">
-            <a:avLst/>
-          </a:prstGeom>
-          <a:noFill/>
-          <a:ln>
-            <a:noFill/>
-          </a:ln>
-        </p:spPr>
-      </p:pic>
-      <p:pic>
-        <p:nvPicPr>
-          <p:cNvPr id="123" name="Shape 123"/>
-          <p:cNvPicPr preferRelativeResize="0"/>
-          <p:nvPr/>
-        </p:nvPicPr>
-        <p:blipFill>
-          <a:blip r:embed="rId4">
-            <a:alphaModFix/>
-          </a:blip>
-          <a:stretch>
-            <a:fillRect/>
-          </a:stretch>
-        </p:blipFill>
-        <p:spPr>
-          <a:xfrm>
-            <a:off x="5051224" y="2797175"/>
-            <a:ext cx="2041524" cy="2041524"/>
-          </a:xfrm>
-          <a:prstGeom prst="rect">
-            <a:avLst/>
-          </a:prstGeom>
-          <a:noFill/>
-          <a:ln>
-            <a:noFill/>
-          </a:ln>
-        </p:spPr>
-      </p:pic>
-    </p:spTree>
-  </p:cSld>
-  <p:clrMapOvr>
-    <a:masterClrMapping/>
-  </p:clrMapOvr>
-</p:sld>
-</file>
-
-<file path=ppt/slides/slide12.xml><?xml version="1.0" encoding="utf-8"?>
-<p:sld xmlns:a="http://schemas.openxmlformats.org/drawingml/2006/main" xmlns:r="http://schemas.openxmlformats.org/officeDocument/2006/relationships" xmlns:p="http://schemas.openxmlformats.org/presentationml/2006/main">
-  <p:cSld>
-    <p:spTree>
-      <p:nvGrpSpPr>
-        <p:cNvPr id="1" name="Shape 127"/>
-        <p:cNvGrpSpPr/>
-        <p:nvPr/>
-      </p:nvGrpSpPr>
-      <p:grpSpPr>
-        <a:xfrm>
-          <a:off x="0" y="0"/>
-          <a:ext cx="0" cy="0"/>
-          <a:chOff x="0" y="0"/>
-          <a:chExt cx="0" cy="0"/>
-        </a:xfrm>
-      </p:grpSpPr>
-      <p:sp>
-        <p:nvSpPr>
-          <p:cNvPr id="128" name="Shape 128"/>
-          <p:cNvSpPr txBox="1">
-            <a:spLocks noGrp="1"/>
-          </p:cNvSpPr>
-          <p:nvPr>
-            <p:ph type="title"/>
-          </p:nvPr>
-        </p:nvSpPr>
-        <p:spPr>
-          <a:xfrm>
-            <a:off x="311700" y="445025"/>
-            <a:ext cx="8520600" cy="572700"/>
-          </a:xfrm>
-          <a:prstGeom prst="rect">
-            <a:avLst/>
-          </a:prstGeom>
-        </p:spPr>
-        <p:txBody>
-          <a:bodyPr wrap="square" lIns="91425" tIns="91425" rIns="91425" bIns="91425" anchor="t" anchorCtr="0">
-            <a:noAutofit/>
-          </a:bodyPr>
-          <a:lstStyle/>
-          <a:p>
-            <a:pPr lvl="0">
-              <a:spcBef>
-                <a:spcPts val="0"/>
-              </a:spcBef>
-              <a:buNone/>
-            </a:pPr>
-            <a:r>
-              <a:rPr lang="es"/>
-              <a:t>Ataques URL de tipo semántico</a:t>
-            </a:r>
-          </a:p>
-        </p:txBody>
-      </p:sp>
-      <p:sp>
-        <p:nvSpPr>
-          <p:cNvPr id="129" name="Shape 129"/>
-          <p:cNvSpPr txBox="1">
-            <a:spLocks noGrp="1"/>
-          </p:cNvSpPr>
-          <p:nvPr>
-            <p:ph type="body" idx="1"/>
-          </p:nvPr>
-        </p:nvSpPr>
-        <p:spPr>
-          <a:xfrm>
-            <a:off x="311700" y="1152475"/>
-            <a:ext cx="8520600" cy="3416400"/>
-          </a:xfrm>
-          <a:prstGeom prst="rect">
-            <a:avLst/>
-          </a:prstGeom>
-        </p:spPr>
-        <p:txBody>
-          <a:bodyPr wrap="square" lIns="91425" tIns="91425" rIns="91425" bIns="91425" anchor="t" anchorCtr="0">
-            <a:noAutofit/>
-          </a:bodyPr>
-          <a:lstStyle/>
-          <a:p>
-            <a:pPr lvl="0">
-              <a:spcBef>
-                <a:spcPts val="0"/>
-              </a:spcBef>
-              <a:buNone/>
-            </a:pPr>
-            <a:r>
-              <a:rPr lang="es" sz="1050">
-                <a:solidFill>
-                  <a:srgbClr val="333333"/>
-                </a:solidFill>
-                <a:highlight>
-                  <a:srgbClr val="FFFFFF"/>
-                </a:highlight>
-                <a:latin typeface="Trebuchet MS"/>
-                <a:ea typeface="Trebuchet MS"/>
-                <a:cs typeface="Trebuchet MS"/>
-                <a:sym typeface="Trebuchet MS"/>
-              </a:rPr>
-              <a:t>Este tipo de ataques involucran a un usuario modificando la URL a modo de descubrir acciones a realizar que originalmente no están planeadas para ser manejadas correctamente por el servidor. La implementación de cualquier formulario debe contemplar validaciones necesarias para evitar el esas acciones y se deben realizar adecuaciones de acuerdo a nuestras entradas, en la ilustración 5 se muestra un formulario de </a:t>
-            </a:r>
-            <a:r>
-              <a:rPr lang="es" sz="1050" b="1" i="1">
-                <a:solidFill>
-                  <a:srgbClr val="333333"/>
-                </a:solidFill>
-                <a:highlight>
-                  <a:srgbClr val="FFFFFF"/>
-                </a:highlight>
-                <a:latin typeface="Trebuchet MS"/>
-                <a:ea typeface="Trebuchet MS"/>
-                <a:cs typeface="Trebuchet MS"/>
-                <a:sym typeface="Trebuchet MS"/>
-              </a:rPr>
-              <a:t>login </a:t>
-            </a:r>
-            <a:r>
-              <a:rPr lang="es" sz="1050">
-                <a:solidFill>
-                  <a:srgbClr val="333333"/>
-                </a:solidFill>
-                <a:highlight>
-                  <a:srgbClr val="FFFFFF"/>
-                </a:highlight>
-                <a:latin typeface="Trebuchet MS"/>
-                <a:ea typeface="Trebuchet MS"/>
-                <a:cs typeface="Trebuchet MS"/>
-                <a:sym typeface="Trebuchet MS"/>
-              </a:rPr>
-              <a:t>con campos de usuario y contraseña.</a:t>
-            </a:r>
-          </a:p>
-        </p:txBody>
-      </p:sp>
-      <p:pic>
-        <p:nvPicPr>
-          <p:cNvPr id="130" name="Shape 130"/>
-          <p:cNvPicPr preferRelativeResize="0"/>
-          <p:nvPr/>
-        </p:nvPicPr>
-        <p:blipFill>
-          <a:blip r:embed="rId3">
-            <a:alphaModFix/>
-          </a:blip>
-          <a:stretch>
-            <a:fillRect/>
-          </a:stretch>
-        </p:blipFill>
-        <p:spPr>
-          <a:xfrm>
-            <a:off x="733175" y="2169025"/>
-            <a:ext cx="7867650" cy="2305050"/>
-          </a:xfrm>
-          <a:prstGeom prst="rect">
-            <a:avLst/>
-          </a:prstGeom>
-          <a:noFill/>
-          <a:ln>
-            <a:noFill/>
-          </a:ln>
-        </p:spPr>
-      </p:pic>
-    </p:spTree>
-  </p:cSld>
-  <p:clrMapOvr>
-    <a:masterClrMapping/>
-  </p:clrMapOvr>
-</p:sld>
-</file>
-
-<file path=ppt/slides/slide13.xml><?xml version="1.0" encoding="utf-8"?>
 <p:sld xmlns:a="http://schemas.openxmlformats.org/drawingml/2006/main" xmlns:r="http://schemas.openxmlformats.org/officeDocument/2006/relationships" xmlns:p="http://schemas.openxmlformats.org/presentationml/2006/main">
   <p:cSld>
     <p:spTree>
@@ -6258,7 +5498,7 @@
         <p:spPr>
           <a:xfrm>
             <a:off x="311708" y="744575"/>
-            <a:ext cx="8520600" cy="2052600"/>
+            <a:ext cx="8520600" cy="1888378"/>
           </a:xfrm>
           <a:prstGeom prst="rect">
             <a:avLst/>
@@ -6277,16 +5517,10 @@
               <a:buNone/>
             </a:pPr>
             <a:r>
-              <a:rPr lang="es"/>
-              <a:t>Cross-Site Scripting</a:t>
-            </a:r>
-            <a:br>
-              <a:rPr lang="es"/>
-            </a:br>
-            <a:r>
-              <a:rPr lang="es"/>
-              <a:t>(XSS)</a:t>
-            </a:r>
+              <a:rPr lang="es" dirty="0" smtClean="0"/>
+              <a:t>Carga de Archivos Maliciosos</a:t>
+            </a:r>
+            <a:endParaRPr lang="es" dirty="0"/>
           </a:p>
         </p:txBody>
       </p:sp>
@@ -6351,10 +5585,17 @@
   <p:clrMapOvr>
     <a:masterClrMapping/>
   </p:clrMapOvr>
+  <p:timing>
+    <p:tnLst>
+      <p:par>
+        <p:cTn id="1" dur="indefinite" restart="never" nodeType="tmRoot"/>
+      </p:par>
+    </p:tnLst>
+  </p:timing>
 </p:sld>
 </file>
 
-<file path=ppt/slides/slide14.xml><?xml version="1.0" encoding="utf-8"?>
+<file path=ppt/slides/slide11.xml><?xml version="1.0" encoding="utf-8"?>
 <p:sld xmlns:a="http://schemas.openxmlformats.org/drawingml/2006/main" xmlns:r="http://schemas.openxmlformats.org/officeDocument/2006/relationships" xmlns:p="http://schemas.openxmlformats.org/presentationml/2006/main">
   <p:cSld>
     <p:spTree>
@@ -6403,9 +5644,10 @@
               <a:buNone/>
             </a:pPr>
             <a:r>
-              <a:rPr lang="es"/>
-              <a:t>Cross-Site Scripting (XSS)</a:t>
-            </a:r>
+              <a:rPr lang="es" dirty="0" smtClean="0"/>
+              <a:t>Carga de Archivos Miliciosos</a:t>
+            </a:r>
+            <a:endParaRPr lang="es" dirty="0"/>
           </a:p>
         </p:txBody>
       </p:sp>
@@ -6438,18 +5680,8 @@
               <a:buNone/>
             </a:pPr>
             <a:r>
-              <a:rPr lang="es-MX" dirty="0"/>
-              <a:t>XSS es un tipo de vulnerabilidad de seguridad informática típicamente encontrada en aplicaciones web que permiten la inyección de código por usuarios maliciosos en páginas web vistas por otros usuarios. </a:t>
-            </a:r>
-            <a:endParaRPr lang="es-MX" dirty="0" smtClean="0"/>
-          </a:p>
-          <a:p>
-            <a:pPr lvl="0">
-              <a:buNone/>
-            </a:pPr>
-            <a:r>
-              <a:rPr lang="es-MX" dirty="0"/>
-              <a:t>Los atacantes típicamente se valen de código HTML y de scripts ejecutados en el cliente.</a:t>
+              <a:rPr lang="es-CL" dirty="0" smtClean="0"/>
+              <a:t>Se trata de cuando no controlamos en nuestra aplicación los tipos de archivos permitidos (extensión y tipo mime), peso, o bien nuestras mitigaciones son insuficientes.</a:t>
             </a:r>
             <a:endParaRPr dirty="0"/>
           </a:p>
@@ -6457,43 +5689,26 @@
       </p:sp>
       <p:pic>
         <p:nvPicPr>
-          <p:cNvPr id="1026" name="Picture 2" descr="Resultado de imagen para js png"/>
+          <p:cNvPr id="6" name="5 Imagen" descr="fileup.png"/>
           <p:cNvPicPr>
-            <a:picLocks noChangeAspect="1" noChangeArrowheads="1"/>
+            <a:picLocks noChangeAspect="1"/>
           </p:cNvPicPr>
           <p:nvPr/>
         </p:nvPicPr>
         <p:blipFill>
-          <a:blip r:embed="rId3">
-            <a:extLst>
-              <a:ext uri="{28A0092B-C50C-407E-A947-70E740481C1C}">
-                <a14:useLocalDpi xmlns:a14="http://schemas.microsoft.com/office/drawing/2010/main" val="0"/>
-              </a:ext>
-            </a:extLst>
-          </a:blip>
-          <a:srcRect/>
+          <a:blip r:embed="rId3"/>
           <a:stretch>
             <a:fillRect/>
           </a:stretch>
         </p:blipFill>
-        <p:spPr bwMode="auto">
-          <a:xfrm>
-            <a:off x="7226413" y="3097738"/>
-            <a:ext cx="1605887" cy="1605887"/>
-          </a:xfrm>
-          <a:prstGeom prst="rect">
-            <a:avLst/>
-          </a:prstGeom>
-          <a:noFill/>
-          <a:extLst>
-            <a:ext uri="{909E8E84-426E-40DD-AFC4-6F175D3DCCD1}">
-              <a14:hiddenFill xmlns:a14="http://schemas.microsoft.com/office/drawing/2010/main">
-                <a:solidFill>
-                  <a:srgbClr val="FFFFFF"/>
-                </a:solidFill>
-              </a14:hiddenFill>
-            </a:ext>
-          </a:extLst>
+        <p:spPr>
+          <a:xfrm>
+            <a:off x="1357421" y="2514020"/>
+            <a:ext cx="5715798" cy="2514951"/>
+          </a:xfrm>
+          <a:prstGeom prst="rect">
+            <a:avLst/>
+          </a:prstGeom>
         </p:spPr>
       </p:pic>
     </p:spTree>
@@ -6501,15 +5716,22 @@
   <p:clrMapOvr>
     <a:masterClrMapping/>
   </p:clrMapOvr>
+  <p:timing>
+    <p:tnLst>
+      <p:par>
+        <p:cTn id="1" dur="indefinite" restart="never" nodeType="tmRoot"/>
+      </p:par>
+    </p:tnLst>
+  </p:timing>
 </p:sld>
 </file>
 
-<file path=ppt/slides/slide15.xml><?xml version="1.0" encoding="utf-8"?>
+<file path=ppt/slides/slide12.xml><?xml version="1.0" encoding="utf-8"?>
 <p:sld xmlns:a="http://schemas.openxmlformats.org/drawingml/2006/main" xmlns:r="http://schemas.openxmlformats.org/officeDocument/2006/relationships" xmlns:p="http://schemas.openxmlformats.org/presentationml/2006/main">
   <p:cSld>
     <p:spTree>
       <p:nvGrpSpPr>
-        <p:cNvPr id="1" name="Shape 147"/>
+        <p:cNvPr id="1" name="Shape 134"/>
         <p:cNvGrpSpPr/>
         <p:nvPr/>
       </p:nvGrpSpPr>
@@ -6523,83 +5745,60 @@
       </p:grpSpPr>
       <p:sp>
         <p:nvSpPr>
-          <p:cNvPr id="148" name="Shape 148"/>
+          <p:cNvPr id="135" name="Shape 135"/>
           <p:cNvSpPr txBox="1">
             <a:spLocks noGrp="1"/>
           </p:cNvSpPr>
           <p:nvPr>
-            <p:ph type="title"/>
+            <p:ph type="ctrTitle"/>
           </p:nvPr>
         </p:nvSpPr>
         <p:spPr>
           <a:xfrm>
-            <a:off x="311700" y="445025"/>
-            <a:ext cx="8520600" cy="572700"/>
+            <a:off x="311708" y="744575"/>
+            <a:ext cx="8520600" cy="1888378"/>
           </a:xfrm>
           <a:prstGeom prst="rect">
             <a:avLst/>
           </a:prstGeom>
         </p:spPr>
         <p:txBody>
-          <a:bodyPr wrap="square" lIns="91425" tIns="91425" rIns="91425" bIns="91425" anchor="t" anchorCtr="0">
+          <a:bodyPr wrap="square" lIns="91425" tIns="91425" rIns="91425" bIns="91425" anchor="b" anchorCtr="0">
             <a:noAutofit/>
           </a:bodyPr>
           <a:lstStyle/>
           <a:p>
-            <a:pPr lvl="0" algn="ctr">
-              <a:spcBef>
-                <a:spcPts val="0"/>
-              </a:spcBef>
-              <a:buNone/>
-            </a:pPr>
-            <a:r>
-              <a:rPr lang="es"/>
-              <a:t>Ataques de fuerza bruta</a:t>
-            </a:r>
-          </a:p>
-        </p:txBody>
-      </p:sp>
-      <p:sp>
-        <p:nvSpPr>
-          <p:cNvPr id="149" name="Shape 149"/>
-          <p:cNvSpPr txBox="1">
-            <a:spLocks noGrp="1"/>
-          </p:cNvSpPr>
-          <p:nvPr>
-            <p:ph type="body" idx="1"/>
-          </p:nvPr>
-        </p:nvSpPr>
-        <p:spPr>
-          <a:xfrm>
-            <a:off x="311700" y="1152475"/>
-            <a:ext cx="8520600" cy="3416400"/>
-          </a:xfrm>
-          <a:prstGeom prst="rect">
-            <a:avLst/>
-          </a:prstGeom>
-        </p:spPr>
-        <p:txBody>
-          <a:bodyPr wrap="square" lIns="91425" tIns="91425" rIns="91425" bIns="91425" anchor="t" anchorCtr="0">
-            <a:noAutofit/>
-          </a:bodyPr>
-          <a:lstStyle/>
-          <a:p>
-            <a:pPr lvl="0" algn="ctr">
-              <a:spcBef>
-                <a:spcPts val="0"/>
-              </a:spcBef>
-              <a:buNone/>
-            </a:pPr>
-            <a:r>
-              <a:rPr lang="es"/>
-              <a:t>Es un ataque automatizado de prueba y error, donde el atacante intenta ingresar a multiples sistemas usando contraseñas o claves criptograficas simples para ingresar a a los datos del usuario.</a:t>
-            </a:r>
+            <a:pPr lvl="0"/>
+            <a:r>
+              <a:rPr lang="es-ES" dirty="0" err="1" smtClean="0"/>
+              <a:t>Version</a:t>
+            </a:r>
+            <a:r>
+              <a:rPr lang="es-ES" dirty="0" smtClean="0"/>
+              <a:t> </a:t>
+            </a:r>
+            <a:r>
+              <a:rPr lang="es-ES" dirty="0" err="1" smtClean="0"/>
+              <a:t>Disclosure</a:t>
+            </a:r>
+            <a:r>
+              <a:rPr lang="es-ES" dirty="0" smtClean="0"/>
+              <a:t/>
+            </a:r>
+            <a:br>
+              <a:rPr lang="es-ES" dirty="0" smtClean="0"/>
+            </a:br>
+            <a:r>
+              <a:rPr lang="es-ES" dirty="0" smtClean="0"/>
+              <a:t>IIS ASP.NET</a:t>
+            </a:r>
+            <a:endParaRPr lang="es" dirty="0"/>
           </a:p>
         </p:txBody>
       </p:sp>
       <p:pic>
         <p:nvPicPr>
-          <p:cNvPr id="150" name="Shape 150" descr="bigstock-Brute-Force-676022.jpg"/>
+          <p:cNvPr id="136" name="Shape 136"/>
           <p:cNvPicPr preferRelativeResize="0"/>
           <p:nvPr/>
         </p:nvPicPr>
@@ -6613,8 +5812,36 @@
         </p:blipFill>
         <p:spPr>
           <a:xfrm>
-            <a:off x="2684587" y="2262475"/>
-            <a:ext cx="3774825" cy="2508175"/>
+            <a:off x="1828800" y="2873375"/>
+            <a:ext cx="2041524" cy="2041524"/>
+          </a:xfrm>
+          <a:prstGeom prst="rect">
+            <a:avLst/>
+          </a:prstGeom>
+          <a:noFill/>
+          <a:ln>
+            <a:noFill/>
+          </a:ln>
+        </p:spPr>
+      </p:pic>
+      <p:pic>
+        <p:nvPicPr>
+          <p:cNvPr id="137" name="Shape 137"/>
+          <p:cNvPicPr preferRelativeResize="0"/>
+          <p:nvPr/>
+        </p:nvPicPr>
+        <p:blipFill>
+          <a:blip r:embed="rId4">
+            <a:alphaModFix/>
+          </a:blip>
+          <a:stretch>
+            <a:fillRect/>
+          </a:stretch>
+        </p:blipFill>
+        <p:spPr>
+          <a:xfrm>
+            <a:off x="5051224" y="2797175"/>
+            <a:ext cx="2041524" cy="2041524"/>
           </a:xfrm>
           <a:prstGeom prst="rect">
             <a:avLst/>
@@ -6630,15 +5857,22 @@
   <p:clrMapOvr>
     <a:masterClrMapping/>
   </p:clrMapOvr>
+  <p:timing>
+    <p:tnLst>
+      <p:par>
+        <p:cTn id="1" dur="indefinite" restart="never" nodeType="tmRoot"/>
+      </p:par>
+    </p:tnLst>
+  </p:timing>
 </p:sld>
 </file>
 
-<file path=ppt/slides/slide16.xml><?xml version="1.0" encoding="utf-8"?>
+<file path=ppt/slides/slide13.xml><?xml version="1.0" encoding="utf-8"?>
 <p:sld xmlns:a="http://schemas.openxmlformats.org/drawingml/2006/main" xmlns:r="http://schemas.openxmlformats.org/officeDocument/2006/relationships" xmlns:p="http://schemas.openxmlformats.org/presentationml/2006/main">
   <p:cSld>
     <p:spTree>
       <p:nvGrpSpPr>
-        <p:cNvPr id="1" name="Shape 154"/>
+        <p:cNvPr id="1" name="Shape 141"/>
         <p:cNvGrpSpPr/>
         <p:nvPr/>
       </p:nvGrpSpPr>
@@ -6652,7 +5886,7 @@
       </p:grpSpPr>
       <p:sp>
         <p:nvSpPr>
-          <p:cNvPr id="155" name="Shape 155"/>
+          <p:cNvPr id="142" name="Shape 142"/>
           <p:cNvSpPr txBox="1">
             <a:spLocks noGrp="1"/>
           </p:cNvSpPr>
@@ -6675,36 +5909,35 @@
           </a:bodyPr>
           <a:lstStyle/>
           <a:p>
-            <a:pPr lvl="0" algn="ctr">
-              <a:spcBef>
-                <a:spcPts val="0"/>
-              </a:spcBef>
-              <a:buClr>
-                <a:schemeClr val="dk1"/>
-              </a:buClr>
-              <a:buSzPct val="39285"/>
-              <a:buFont typeface="Arial"/>
+            <a:pPr lvl="0">
+              <a:spcBef>
+                <a:spcPts val="0"/>
+              </a:spcBef>
               <a:buNone/>
             </a:pPr>
             <a:r>
-              <a:rPr lang="es"/>
-              <a:t>DENEGACIÓN DE SERVICIO</a:t>
-            </a:r>
-          </a:p>
-          <a:p>
-            <a:pPr lvl="0">
-              <a:spcBef>
-                <a:spcPts val="0"/>
-              </a:spcBef>
-              <a:buNone/>
-            </a:pPr>
-            <a:endParaRPr/>
+              <a:rPr lang="es-CL" dirty="0" err="1" smtClean="0"/>
+              <a:t>Version</a:t>
+            </a:r>
+            <a:r>
+              <a:rPr lang="es-CL" dirty="0" smtClean="0"/>
+              <a:t> </a:t>
+            </a:r>
+            <a:r>
+              <a:rPr lang="es-CL" dirty="0" err="1" smtClean="0"/>
+              <a:t>Disclosure</a:t>
+            </a:r>
+            <a:r>
+              <a:rPr lang="es-CL" dirty="0" smtClean="0"/>
+              <a:t> </a:t>
+            </a:r>
+            <a:endParaRPr lang="es" dirty="0"/>
           </a:p>
         </p:txBody>
       </p:sp>
       <p:sp>
         <p:nvSpPr>
-          <p:cNvPr id="156" name="Shape 156"/>
+          <p:cNvPr id="143" name="Shape 143"/>
           <p:cNvSpPr txBox="1">
             <a:spLocks noGrp="1"/>
           </p:cNvSpPr>
@@ -6727,22 +5960,232 @@
           </a:bodyPr>
           <a:lstStyle/>
           <a:p>
+            <a:r>
+              <a:rPr lang="es-MX" dirty="0" smtClean="0"/>
+              <a:t>Esta vulnerabilidad trata de no entregar información sobre nuestra arquitectura a través de internet, como por ejemplo información del servidor web que usamos o bien relativa al lenguaje de programación usado (</a:t>
+            </a:r>
+            <a:r>
+              <a:rPr lang="es-MX" dirty="0" err="1" smtClean="0"/>
+              <a:t>Headers</a:t>
+            </a:r>
+            <a:r>
+              <a:rPr lang="es-MX" dirty="0" smtClean="0"/>
+              <a:t>: </a:t>
+            </a:r>
+            <a:r>
+              <a:rPr lang="en-US" dirty="0" smtClean="0"/>
+              <a:t>X-</a:t>
+            </a:r>
+            <a:r>
+              <a:rPr lang="en-US" dirty="0" err="1" smtClean="0"/>
+              <a:t>AspNet</a:t>
+            </a:r>
+            <a:r>
+              <a:rPr lang="en-US" dirty="0" smtClean="0"/>
+              <a:t>-Version,    X-</a:t>
+            </a:r>
+            <a:r>
+              <a:rPr lang="en-US" dirty="0" err="1" smtClean="0"/>
+              <a:t>AspNetMvc</a:t>
+            </a:r>
+            <a:r>
+              <a:rPr lang="en-US" dirty="0" smtClean="0"/>
+              <a:t>-Version, X-Powered-By</a:t>
+            </a:r>
+            <a:r>
+              <a:rPr lang="es-MX" dirty="0" smtClean="0"/>
+              <a:t>).</a:t>
+            </a:r>
+          </a:p>
+          <a:p>
             <a:pPr lvl="0">
-              <a:spcBef>
-                <a:spcPts val="0"/>
-              </a:spcBef>
               <a:buNone/>
             </a:pPr>
             <a:r>
-              <a:rPr lang="es"/>
-              <a:t>Un ataque de denegación de servicio o DDOS tiene como objetivo dejar a un servicio o recurso de la red totalmente inaccesible a los usuarios legítimos.</a:t>
-            </a:r>
+              <a:rPr lang="en-US" sz="1000" dirty="0" err="1" smtClean="0"/>
+              <a:t>MvcHandler.DisableMvcResponseHeader</a:t>
+            </a:r>
+            <a:r>
+              <a:rPr lang="en-US" sz="1000" dirty="0" smtClean="0"/>
+              <a:t> = true; (in Global.ascx)</a:t>
+            </a:r>
+          </a:p>
+          <a:p>
+            <a:pPr lvl="0">
+              <a:buNone/>
+            </a:pPr>
+            <a:r>
+              <a:rPr lang="en-US" sz="1000" dirty="0" smtClean="0"/>
+              <a:t>&lt;</a:t>
+            </a:r>
+            <a:r>
+              <a:rPr lang="en-US" sz="1000" dirty="0" err="1" smtClean="0"/>
+              <a:t>httpRuntime</a:t>
+            </a:r>
+            <a:r>
+              <a:rPr lang="en-US" sz="1000" dirty="0" smtClean="0"/>
+              <a:t> </a:t>
+            </a:r>
+            <a:r>
+              <a:rPr lang="en-US" sz="1000" dirty="0" err="1" smtClean="0"/>
+              <a:t>enableVersionHeader</a:t>
+            </a:r>
+            <a:r>
+              <a:rPr lang="en-US" sz="1000" dirty="0" smtClean="0"/>
+              <a:t>="false" /&gt; </a:t>
+            </a:r>
+          </a:p>
+          <a:p>
+            <a:pPr lvl="0">
+              <a:buNone/>
+            </a:pPr>
+            <a:r>
+              <a:rPr lang="en-US" sz="1000" dirty="0" smtClean="0"/>
+              <a:t>&lt;</a:t>
+            </a:r>
+            <a:r>
+              <a:rPr lang="en-US" sz="1000" dirty="0" err="1" smtClean="0"/>
+              <a:t>httpProtocol</a:t>
+            </a:r>
+            <a:r>
+              <a:rPr lang="en-US" sz="1000" dirty="0" smtClean="0"/>
+              <a:t>&gt;&lt;</a:t>
+            </a:r>
+            <a:r>
+              <a:rPr lang="en-US" sz="1000" dirty="0" err="1" smtClean="0"/>
+              <a:t>customHeaders</a:t>
+            </a:r>
+            <a:r>
+              <a:rPr lang="en-US" sz="1000" dirty="0" smtClean="0"/>
+              <a:t>&gt; &lt;remove name="X-Powered-By" /&gt; &lt;/</a:t>
+            </a:r>
+            <a:r>
+              <a:rPr lang="en-US" sz="1000" dirty="0" err="1" smtClean="0"/>
+              <a:t>customHeaders</a:t>
+            </a:r>
+            <a:r>
+              <a:rPr lang="en-US" sz="1000" dirty="0" smtClean="0"/>
+              <a:t>&gt;&lt;/</a:t>
+            </a:r>
+            <a:r>
+              <a:rPr lang="en-US" sz="1000" dirty="0" err="1" smtClean="0"/>
+              <a:t>httpProtocol</a:t>
+            </a:r>
+            <a:r>
+              <a:rPr lang="en-US" sz="1000" dirty="0" smtClean="0"/>
+              <a:t>&gt;</a:t>
+            </a:r>
+            <a:r>
+              <a:rPr lang="es-MX" sz="1000" dirty="0" smtClean="0"/>
+              <a:t> </a:t>
+            </a:r>
+          </a:p>
+          <a:p>
+            <a:pPr lvl="0">
+              <a:buNone/>
+            </a:pPr>
+            <a:endParaRPr dirty="0"/>
           </a:p>
         </p:txBody>
       </p:sp>
       <p:pic>
         <p:nvPicPr>
-          <p:cNvPr id="157" name="Shape 157" descr="ataque-dos.jpg"/>
+          <p:cNvPr id="5" name="4 Imagen" descr="visual_studio_purple.png"/>
+          <p:cNvPicPr>
+            <a:picLocks noChangeAspect="1"/>
+          </p:cNvPicPr>
+          <p:nvPr/>
+        </p:nvPicPr>
+        <p:blipFill>
+          <a:blip r:embed="rId3"/>
+          <a:stretch>
+            <a:fillRect/>
+          </a:stretch>
+        </p:blipFill>
+        <p:spPr>
+          <a:xfrm>
+            <a:off x="5961165" y="3119336"/>
+            <a:ext cx="2442433" cy="1212765"/>
+          </a:xfrm>
+          <a:prstGeom prst="rect">
+            <a:avLst/>
+          </a:prstGeom>
+        </p:spPr>
+      </p:pic>
+    </p:spTree>
+  </p:cSld>
+  <p:clrMapOvr>
+    <a:masterClrMapping/>
+  </p:clrMapOvr>
+  <p:timing>
+    <p:tnLst>
+      <p:par>
+        <p:cTn id="1" dur="indefinite" restart="never" nodeType="tmRoot"/>
+      </p:par>
+    </p:tnLst>
+  </p:timing>
+</p:sld>
+</file>
+
+<file path=ppt/slides/slide14.xml><?xml version="1.0" encoding="utf-8"?>
+<p:sld xmlns:a="http://schemas.openxmlformats.org/drawingml/2006/main" xmlns:r="http://schemas.openxmlformats.org/officeDocument/2006/relationships" xmlns:p="http://schemas.openxmlformats.org/presentationml/2006/main">
+  <p:cSld>
+    <p:spTree>
+      <p:nvGrpSpPr>
+        <p:cNvPr id="1" name="Shape 134"/>
+        <p:cNvGrpSpPr/>
+        <p:nvPr/>
+      </p:nvGrpSpPr>
+      <p:grpSpPr>
+        <a:xfrm>
+          <a:off x="0" y="0"/>
+          <a:ext cx="0" cy="0"/>
+          <a:chOff x="0" y="0"/>
+          <a:chExt cx="0" cy="0"/>
+        </a:xfrm>
+      </p:grpSpPr>
+      <p:sp>
+        <p:nvSpPr>
+          <p:cNvPr id="135" name="Shape 135"/>
+          <p:cNvSpPr txBox="1">
+            <a:spLocks noGrp="1"/>
+          </p:cNvSpPr>
+          <p:nvPr>
+            <p:ph type="ctrTitle"/>
+          </p:nvPr>
+        </p:nvSpPr>
+        <p:spPr>
+          <a:xfrm>
+            <a:off x="311708" y="744575"/>
+            <a:ext cx="8520600" cy="1291748"/>
+          </a:xfrm>
+          <a:prstGeom prst="rect">
+            <a:avLst/>
+          </a:prstGeom>
+        </p:spPr>
+        <p:txBody>
+          <a:bodyPr wrap="square" lIns="91425" tIns="91425" rIns="91425" bIns="91425" anchor="b" anchorCtr="0">
+            <a:noAutofit/>
+          </a:bodyPr>
+          <a:lstStyle/>
+          <a:p>
+            <a:pPr lvl="0" rtl="0">
+              <a:spcBef>
+                <a:spcPts val="0"/>
+              </a:spcBef>
+              <a:buNone/>
+            </a:pPr>
+            <a:r>
+              <a:rPr lang="es" dirty="0" smtClean="0"/>
+              <a:t>SQL Injection</a:t>
+            </a:r>
+            <a:endParaRPr lang="es" dirty="0"/>
+          </a:p>
+        </p:txBody>
+      </p:sp>
+      <p:pic>
+        <p:nvPicPr>
+          <p:cNvPr id="136" name="Shape 136"/>
           <p:cNvPicPr preferRelativeResize="0"/>
           <p:nvPr/>
         </p:nvPicPr>
@@ -6756,8 +6199,36 @@
         </p:blipFill>
         <p:spPr>
           <a:xfrm>
-            <a:off x="2462575" y="2122900"/>
-            <a:ext cx="4257950" cy="3020600"/>
+            <a:off x="1828800" y="2873375"/>
+            <a:ext cx="2041524" cy="2041524"/>
+          </a:xfrm>
+          <a:prstGeom prst="rect">
+            <a:avLst/>
+          </a:prstGeom>
+          <a:noFill/>
+          <a:ln>
+            <a:noFill/>
+          </a:ln>
+        </p:spPr>
+      </p:pic>
+      <p:pic>
+        <p:nvPicPr>
+          <p:cNvPr id="137" name="Shape 137"/>
+          <p:cNvPicPr preferRelativeResize="0"/>
+          <p:nvPr/>
+        </p:nvPicPr>
+        <p:blipFill>
+          <a:blip r:embed="rId4">
+            <a:alphaModFix/>
+          </a:blip>
+          <a:stretch>
+            <a:fillRect/>
+          </a:stretch>
+        </p:blipFill>
+        <p:spPr>
+          <a:xfrm>
+            <a:off x="5051224" y="2797175"/>
+            <a:ext cx="2041524" cy="2041524"/>
           </a:xfrm>
           <a:prstGeom prst="rect">
             <a:avLst/>
@@ -6773,6 +6244,813 @@
   <p:clrMapOvr>
     <a:masterClrMapping/>
   </p:clrMapOvr>
+  <p:timing>
+    <p:tnLst>
+      <p:par>
+        <p:cTn id="1" dur="indefinite" restart="never" nodeType="tmRoot"/>
+      </p:par>
+    </p:tnLst>
+  </p:timing>
+</p:sld>
+</file>
+
+<file path=ppt/slides/slide15.xml><?xml version="1.0" encoding="utf-8"?>
+<p:sld xmlns:a="http://schemas.openxmlformats.org/drawingml/2006/main" xmlns:r="http://schemas.openxmlformats.org/officeDocument/2006/relationships" xmlns:p="http://schemas.openxmlformats.org/presentationml/2006/main">
+  <p:cSld>
+    <p:spTree>
+      <p:nvGrpSpPr>
+        <p:cNvPr id="1" name=""/>
+        <p:cNvGrpSpPr/>
+        <p:nvPr/>
+      </p:nvGrpSpPr>
+      <p:grpSpPr>
+        <a:xfrm>
+          <a:off x="0" y="0"/>
+          <a:ext cx="0" cy="0"/>
+          <a:chOff x="0" y="0"/>
+          <a:chExt cx="0" cy="0"/>
+        </a:xfrm>
+      </p:grpSpPr>
+      <p:sp>
+        <p:nvSpPr>
+          <p:cNvPr id="2" name="Título 1"/>
+          <p:cNvSpPr>
+            <a:spLocks noGrp="1"/>
+          </p:cNvSpPr>
+          <p:nvPr>
+            <p:ph type="title"/>
+          </p:nvPr>
+        </p:nvSpPr>
+        <p:spPr/>
+        <p:txBody>
+          <a:bodyPr/>
+          <a:lstStyle/>
+          <a:p>
+            <a:r>
+              <a:rPr lang="es-MX" dirty="0" smtClean="0"/>
+              <a:t>SQL </a:t>
+            </a:r>
+            <a:r>
+              <a:rPr lang="es-MX" dirty="0" err="1" smtClean="0"/>
+              <a:t>Injection</a:t>
+            </a:r>
+            <a:r>
+              <a:rPr lang="es-MX" dirty="0" smtClean="0"/>
+              <a:t> </a:t>
+            </a:r>
+            <a:endParaRPr lang="es-MX" dirty="0"/>
+          </a:p>
+        </p:txBody>
+      </p:sp>
+      <p:sp>
+        <p:nvSpPr>
+          <p:cNvPr id="3" name="Marcador de texto 2"/>
+          <p:cNvSpPr>
+            <a:spLocks noGrp="1"/>
+          </p:cNvSpPr>
+          <p:nvPr>
+            <p:ph type="body" idx="1"/>
+          </p:nvPr>
+        </p:nvSpPr>
+        <p:spPr/>
+        <p:txBody>
+          <a:bodyPr/>
+          <a:lstStyle/>
+          <a:p>
+            <a:pPr>
+              <a:buNone/>
+            </a:pPr>
+            <a:r>
+              <a:rPr lang="es-MX" dirty="0" smtClean="0"/>
+              <a:t>Básicamente código “inyectado” en nuestro canal-capa de datos.</a:t>
+            </a:r>
+            <a:endParaRPr lang="es-MX" dirty="0"/>
+          </a:p>
+        </p:txBody>
+      </p:sp>
+      <p:sp>
+        <p:nvSpPr>
+          <p:cNvPr id="4" name="Line Callout 1 7"/>
+          <p:cNvSpPr/>
+          <p:nvPr/>
+        </p:nvSpPr>
+        <p:spPr>
+          <a:xfrm>
+            <a:off x="1646685" y="1955037"/>
+            <a:ext cx="1809687" cy="381000"/>
+          </a:xfrm>
+          <a:prstGeom prst="borderCallout1">
+            <a:avLst>
+              <a:gd name="adj1" fmla="val 46435"/>
+              <a:gd name="adj2" fmla="val 99750"/>
+              <a:gd name="adj3" fmla="val 158073"/>
+              <a:gd name="adj4" fmla="val 111593"/>
+            </a:avLst>
+          </a:prstGeom>
+          <a:ln>
+            <a:tailEnd type="triangle" w="lg" len="med"/>
+          </a:ln>
+        </p:spPr>
+        <p:style>
+          <a:lnRef idx="2">
+            <a:schemeClr val="accent1">
+              <a:shade val="50000"/>
+            </a:schemeClr>
+          </a:lnRef>
+          <a:fillRef idx="1">
+            <a:schemeClr val="accent1"/>
+          </a:fillRef>
+          <a:effectRef idx="0">
+            <a:schemeClr val="accent1"/>
+          </a:effectRef>
+          <a:fontRef idx="minor">
+            <a:schemeClr val="lt1"/>
+          </a:fontRef>
+        </p:style>
+        <p:txBody>
+          <a:bodyPr rtlCol="0" anchor="ctr"/>
+          <a:lstStyle/>
+          <a:p>
+            <a:pPr algn="ctr"/>
+            <a:r>
+              <a:rPr lang="en-US" sz="1800" dirty="0" smtClean="0"/>
+              <a:t>Expected Input</a:t>
+            </a:r>
+            <a:endParaRPr lang="en-US" sz="1800" dirty="0"/>
+          </a:p>
+        </p:txBody>
+      </p:sp>
+      <p:sp>
+        <p:nvSpPr>
+          <p:cNvPr id="5" name="Line Callout 1 8"/>
+          <p:cNvSpPr/>
+          <p:nvPr/>
+        </p:nvSpPr>
+        <p:spPr>
+          <a:xfrm>
+            <a:off x="6059820" y="1884653"/>
+            <a:ext cx="1809687" cy="381000"/>
+          </a:xfrm>
+          <a:prstGeom prst="borderCallout1">
+            <a:avLst>
+              <a:gd name="adj1" fmla="val 95893"/>
+              <a:gd name="adj2" fmla="val 50781"/>
+              <a:gd name="adj3" fmla="val 164479"/>
+              <a:gd name="adj4" fmla="val 51951"/>
+            </a:avLst>
+          </a:prstGeom>
+          <a:ln>
+            <a:tailEnd type="triangle" w="lg" len="med"/>
+          </a:ln>
+        </p:spPr>
+        <p:style>
+          <a:lnRef idx="2">
+            <a:schemeClr val="accent1">
+              <a:shade val="50000"/>
+            </a:schemeClr>
+          </a:lnRef>
+          <a:fillRef idx="1">
+            <a:schemeClr val="accent1"/>
+          </a:fillRef>
+          <a:effectRef idx="0">
+            <a:schemeClr val="accent1"/>
+          </a:effectRef>
+          <a:fontRef idx="minor">
+            <a:schemeClr val="lt1"/>
+          </a:fontRef>
+        </p:style>
+        <p:txBody>
+          <a:bodyPr rtlCol="0" anchor="ctr"/>
+          <a:lstStyle/>
+          <a:p>
+            <a:pPr algn="ctr"/>
+            <a:r>
+              <a:rPr lang="en-US" sz="1600" dirty="0" smtClean="0"/>
+              <a:t>Unexpected Input</a:t>
+            </a:r>
+            <a:endParaRPr lang="en-US" sz="1600" dirty="0"/>
+          </a:p>
+        </p:txBody>
+      </p:sp>
+      <p:grpSp>
+        <p:nvGrpSpPr>
+          <p:cNvPr id="6" name="Group 10"/>
+          <p:cNvGrpSpPr/>
+          <p:nvPr/>
+        </p:nvGrpSpPr>
+        <p:grpSpPr>
+          <a:xfrm>
+            <a:off x="613117" y="3343898"/>
+            <a:ext cx="7240308" cy="623456"/>
+            <a:chOff x="1392" y="1457764"/>
+            <a:chExt cx="3726643" cy="1217115"/>
+          </a:xfrm>
+        </p:grpSpPr>
+        <p:sp>
+          <p:nvSpPr>
+            <p:cNvPr id="7" name="Rounded Rectangle 12"/>
+            <p:cNvSpPr/>
+            <p:nvPr/>
+          </p:nvSpPr>
+          <p:spPr>
+            <a:xfrm>
+              <a:off x="1392" y="1457764"/>
+              <a:ext cx="3726643" cy="1217115"/>
+            </a:xfrm>
+            <a:prstGeom prst="roundRect">
+              <a:avLst>
+                <a:gd name="adj" fmla="val 10000"/>
+              </a:avLst>
+            </a:prstGeom>
+            <a:solidFill>
+              <a:srgbClr val="FF0000"/>
+            </a:solidFill>
+          </p:spPr>
+          <p:style>
+            <a:lnRef idx="2">
+              <a:schemeClr val="lt1">
+                <a:hueOff val="0"/>
+                <a:satOff val="0"/>
+                <a:lumOff val="0"/>
+                <a:alphaOff val="0"/>
+              </a:schemeClr>
+            </a:lnRef>
+            <a:fillRef idx="1">
+              <a:schemeClr val="accent1">
+                <a:hueOff val="0"/>
+                <a:satOff val="0"/>
+                <a:lumOff val="0"/>
+                <a:alphaOff val="0"/>
+              </a:schemeClr>
+            </a:fillRef>
+            <a:effectRef idx="0">
+              <a:schemeClr val="accent1">
+                <a:hueOff val="0"/>
+                <a:satOff val="0"/>
+                <a:lumOff val="0"/>
+                <a:alphaOff val="0"/>
+              </a:schemeClr>
+            </a:effectRef>
+            <a:fontRef idx="minor">
+              <a:schemeClr val="lt1"/>
+            </a:fontRef>
+          </p:style>
+        </p:sp>
+        <p:sp>
+          <p:nvSpPr>
+            <p:cNvPr id="8" name="Rounded Rectangle 4"/>
+            <p:cNvSpPr/>
+            <p:nvPr/>
+          </p:nvSpPr>
+          <p:spPr>
+            <a:xfrm>
+              <a:off x="37040" y="1493412"/>
+              <a:ext cx="3655347" cy="1145819"/>
+            </a:xfrm>
+            <a:prstGeom prst="rect">
+              <a:avLst/>
+            </a:prstGeom>
+          </p:spPr>
+          <p:style>
+            <a:lnRef idx="0">
+              <a:scrgbClr r="0" g="0" b="0"/>
+            </a:lnRef>
+            <a:fillRef idx="0">
+              <a:scrgbClr r="0" g="0" b="0"/>
+            </a:fillRef>
+            <a:effectRef idx="0">
+              <a:scrgbClr r="0" g="0" b="0"/>
+            </a:effectRef>
+            <a:fontRef idx="minor">
+              <a:schemeClr val="lt1"/>
+            </a:fontRef>
+          </p:style>
+          <p:txBody>
+            <a:bodyPr spcFirstLastPara="0" vert="horz" wrap="square" lIns="64770" tIns="64770" rIns="64770" bIns="64770" numCol="1" spcCol="1270" anchor="ctr" anchorCtr="0">
+              <a:noAutofit/>
+            </a:bodyPr>
+            <a:lstStyle/>
+            <a:p>
+              <a:pPr algn="ctr" defTabSz="755650">
+                <a:lnSpc>
+                  <a:spcPct val="90000"/>
+                </a:lnSpc>
+                <a:spcBef>
+                  <a:spcPct val="0"/>
+                </a:spcBef>
+                <a:spcAft>
+                  <a:spcPct val="35000"/>
+                </a:spcAft>
+              </a:pPr>
+              <a:endParaRPr lang="en-US" sz="1700" kern="1200" dirty="0"/>
+            </a:p>
+          </p:txBody>
+        </p:sp>
+      </p:grpSp>
+      <p:pic>
+        <p:nvPicPr>
+          <p:cNvPr id="9" name="Picture 3"/>
+          <p:cNvPicPr>
+            <a:picLocks noChangeAspect="1" noChangeArrowheads="1"/>
+          </p:cNvPicPr>
+          <p:nvPr/>
+        </p:nvPicPr>
+        <p:blipFill>
+          <a:blip r:embed="rId2"/>
+          <a:srcRect/>
+          <a:stretch>
+            <a:fillRect/>
+          </a:stretch>
+        </p:blipFill>
+        <p:spPr bwMode="auto">
+          <a:xfrm>
+            <a:off x="831832" y="3501797"/>
+            <a:ext cx="6717871" cy="342900"/>
+          </a:xfrm>
+          <a:prstGeom prst="rect">
+            <a:avLst/>
+          </a:prstGeom>
+          <a:noFill/>
+          <a:ln w="9525">
+            <a:noFill/>
+            <a:miter lim="800000"/>
+            <a:headEnd/>
+            <a:tailEnd/>
+          </a:ln>
+        </p:spPr>
+      </p:pic>
+      <p:pic>
+        <p:nvPicPr>
+          <p:cNvPr id="10" name="Picture 4"/>
+          <p:cNvPicPr>
+            <a:picLocks noChangeAspect="1" noChangeArrowheads="1"/>
+          </p:cNvPicPr>
+          <p:nvPr/>
+        </p:nvPicPr>
+        <p:blipFill>
+          <a:blip r:embed="rId3"/>
+          <a:srcRect/>
+          <a:stretch>
+            <a:fillRect/>
+          </a:stretch>
+        </p:blipFill>
+        <p:spPr bwMode="auto">
+          <a:xfrm>
+            <a:off x="397565" y="2588990"/>
+            <a:ext cx="3756858" cy="342900"/>
+          </a:xfrm>
+          <a:prstGeom prst="rect">
+            <a:avLst/>
+          </a:prstGeom>
+          <a:noFill/>
+          <a:ln w="9525">
+            <a:noFill/>
+            <a:miter lim="800000"/>
+            <a:headEnd/>
+            <a:tailEnd/>
+          </a:ln>
+        </p:spPr>
+      </p:pic>
+      <p:grpSp>
+        <p:nvGrpSpPr>
+          <p:cNvPr id="11" name="Group 24"/>
+          <p:cNvGrpSpPr/>
+          <p:nvPr/>
+        </p:nvGrpSpPr>
+        <p:grpSpPr>
+          <a:xfrm>
+            <a:off x="4311313" y="2584539"/>
+            <a:ext cx="193631" cy="368690"/>
+            <a:chOff x="6634025" y="1766750"/>
+            <a:chExt cx="315173" cy="368690"/>
+          </a:xfrm>
+        </p:grpSpPr>
+        <p:sp>
+          <p:nvSpPr>
+            <p:cNvPr id="12" name="Right Arrow 31"/>
+            <p:cNvSpPr/>
+            <p:nvPr/>
+          </p:nvSpPr>
+          <p:spPr>
+            <a:xfrm rot="14150">
+              <a:off x="6634025" y="1766750"/>
+              <a:ext cx="315173" cy="368690"/>
+            </a:xfrm>
+            <a:prstGeom prst="rightArrow">
+              <a:avLst>
+                <a:gd name="adj1" fmla="val 60000"/>
+                <a:gd name="adj2" fmla="val 50000"/>
+              </a:avLst>
+            </a:prstGeom>
+          </p:spPr>
+          <p:style>
+            <a:lnRef idx="0">
+              <a:schemeClr val="accent1">
+                <a:tint val="60000"/>
+                <a:hueOff val="0"/>
+                <a:satOff val="0"/>
+                <a:lumOff val="0"/>
+                <a:alphaOff val="0"/>
+              </a:schemeClr>
+            </a:lnRef>
+            <a:fillRef idx="1">
+              <a:schemeClr val="accent1">
+                <a:tint val="60000"/>
+                <a:hueOff val="0"/>
+                <a:satOff val="0"/>
+                <a:lumOff val="0"/>
+                <a:alphaOff val="0"/>
+              </a:schemeClr>
+            </a:fillRef>
+            <a:effectRef idx="0">
+              <a:schemeClr val="accent1">
+                <a:tint val="60000"/>
+                <a:hueOff val="0"/>
+                <a:satOff val="0"/>
+                <a:lumOff val="0"/>
+                <a:alphaOff val="0"/>
+              </a:schemeClr>
+            </a:effectRef>
+            <a:fontRef idx="minor">
+              <a:schemeClr val="lt1"/>
+            </a:fontRef>
+          </p:style>
+        </p:sp>
+        <p:sp>
+          <p:nvSpPr>
+            <p:cNvPr id="13" name="Right Arrow 6"/>
+            <p:cNvSpPr/>
+            <p:nvPr/>
+          </p:nvSpPr>
+          <p:spPr>
+            <a:xfrm rot="14150">
+              <a:off x="6634025" y="1840293"/>
+              <a:ext cx="220621" cy="221214"/>
+            </a:xfrm>
+            <a:prstGeom prst="rect">
+              <a:avLst/>
+            </a:prstGeom>
+          </p:spPr>
+          <p:style>
+            <a:lnRef idx="0">
+              <a:scrgbClr r="0" g="0" b="0"/>
+            </a:lnRef>
+            <a:fillRef idx="0">
+              <a:scrgbClr r="0" g="0" b="0"/>
+            </a:fillRef>
+            <a:effectRef idx="0">
+              <a:scrgbClr r="0" g="0" b="0"/>
+            </a:effectRef>
+            <a:fontRef idx="minor">
+              <a:schemeClr val="lt1"/>
+            </a:fontRef>
+          </p:style>
+          <p:txBody>
+            <a:bodyPr spcFirstLastPara="0" vert="horz" wrap="square" lIns="0" tIns="0" rIns="0" bIns="0" numCol="1" spcCol="1270" anchor="ctr" anchorCtr="0">
+              <a:noAutofit/>
+            </a:bodyPr>
+            <a:lstStyle/>
+            <a:p>
+              <a:pPr lvl="0" algn="ctr" defTabSz="666750">
+                <a:lnSpc>
+                  <a:spcPct val="90000"/>
+                </a:lnSpc>
+                <a:spcBef>
+                  <a:spcPct val="0"/>
+                </a:spcBef>
+                <a:spcAft>
+                  <a:spcPct val="35000"/>
+                </a:spcAft>
+              </a:pPr>
+              <a:endParaRPr lang="en-US" sz="1500" kern="1200"/>
+            </a:p>
+          </p:txBody>
+        </p:sp>
+      </p:grpSp>
+      <p:grpSp>
+        <p:nvGrpSpPr>
+          <p:cNvPr id="14" name="Group 25"/>
+          <p:cNvGrpSpPr/>
+          <p:nvPr/>
+        </p:nvGrpSpPr>
+        <p:grpSpPr>
+          <a:xfrm>
+            <a:off x="5359267" y="2591891"/>
+            <a:ext cx="164780" cy="368690"/>
+            <a:chOff x="10201551" y="1774101"/>
+            <a:chExt cx="268213" cy="368690"/>
+          </a:xfrm>
+        </p:grpSpPr>
+        <p:sp>
+          <p:nvSpPr>
+            <p:cNvPr id="15" name="Right Arrow 29"/>
+            <p:cNvSpPr/>
+            <p:nvPr/>
+          </p:nvSpPr>
+          <p:spPr>
+            <a:xfrm>
+              <a:off x="10201551" y="1774101"/>
+              <a:ext cx="268213" cy="368690"/>
+            </a:xfrm>
+            <a:prstGeom prst="rightArrow">
+              <a:avLst>
+                <a:gd name="adj1" fmla="val 60000"/>
+                <a:gd name="adj2" fmla="val 50000"/>
+              </a:avLst>
+            </a:prstGeom>
+          </p:spPr>
+          <p:style>
+            <a:lnRef idx="0">
+              <a:schemeClr val="accent1">
+                <a:tint val="60000"/>
+                <a:hueOff val="0"/>
+                <a:satOff val="0"/>
+                <a:lumOff val="0"/>
+                <a:alphaOff val="0"/>
+              </a:schemeClr>
+            </a:lnRef>
+            <a:fillRef idx="1">
+              <a:schemeClr val="accent1">
+                <a:tint val="60000"/>
+                <a:hueOff val="0"/>
+                <a:satOff val="0"/>
+                <a:lumOff val="0"/>
+                <a:alphaOff val="0"/>
+              </a:schemeClr>
+            </a:fillRef>
+            <a:effectRef idx="0">
+              <a:schemeClr val="accent1">
+                <a:tint val="60000"/>
+                <a:hueOff val="0"/>
+                <a:satOff val="0"/>
+                <a:lumOff val="0"/>
+                <a:alphaOff val="0"/>
+              </a:schemeClr>
+            </a:effectRef>
+            <a:fontRef idx="minor">
+              <a:schemeClr val="lt1"/>
+            </a:fontRef>
+          </p:style>
+        </p:sp>
+        <p:sp>
+          <p:nvSpPr>
+            <p:cNvPr id="16" name="Right Arrow 8"/>
+            <p:cNvSpPr/>
+            <p:nvPr/>
+          </p:nvSpPr>
+          <p:spPr>
+            <a:xfrm>
+              <a:off x="10201551" y="1847839"/>
+              <a:ext cx="187749" cy="221214"/>
+            </a:xfrm>
+            <a:prstGeom prst="rect">
+              <a:avLst/>
+            </a:prstGeom>
+          </p:spPr>
+          <p:style>
+            <a:lnRef idx="0">
+              <a:scrgbClr r="0" g="0" b="0"/>
+            </a:lnRef>
+            <a:fillRef idx="0">
+              <a:scrgbClr r="0" g="0" b="0"/>
+            </a:fillRef>
+            <a:effectRef idx="0">
+              <a:scrgbClr r="0" g="0" b="0"/>
+            </a:effectRef>
+            <a:fontRef idx="minor">
+              <a:schemeClr val="lt1"/>
+            </a:fontRef>
+          </p:style>
+          <p:txBody>
+            <a:bodyPr spcFirstLastPara="0" vert="horz" wrap="square" lIns="0" tIns="0" rIns="0" bIns="0" numCol="1" spcCol="1270" anchor="ctr" anchorCtr="0">
+              <a:noAutofit/>
+            </a:bodyPr>
+            <a:lstStyle/>
+            <a:p>
+              <a:pPr lvl="0" algn="ctr" defTabSz="666750">
+                <a:lnSpc>
+                  <a:spcPct val="90000"/>
+                </a:lnSpc>
+                <a:spcBef>
+                  <a:spcPct val="0"/>
+                </a:spcBef>
+                <a:spcAft>
+                  <a:spcPct val="35000"/>
+                </a:spcAft>
+              </a:pPr>
+              <a:endParaRPr lang="en-US" sz="1500" kern="1200"/>
+            </a:p>
+          </p:txBody>
+        </p:sp>
+      </p:grpSp>
+      <p:pic>
+        <p:nvPicPr>
+          <p:cNvPr id="17" name="Picture 5"/>
+          <p:cNvPicPr>
+            <a:picLocks noChangeAspect="1" noChangeArrowheads="1"/>
+          </p:cNvPicPr>
+          <p:nvPr/>
+        </p:nvPicPr>
+        <p:blipFill>
+          <a:blip r:embed="rId4"/>
+          <a:srcRect/>
+          <a:stretch>
+            <a:fillRect/>
+          </a:stretch>
+        </p:blipFill>
+        <p:spPr bwMode="auto">
+          <a:xfrm>
+            <a:off x="4766303" y="2620531"/>
+            <a:ext cx="444737" cy="342900"/>
+          </a:xfrm>
+          <a:prstGeom prst="rect">
+            <a:avLst/>
+          </a:prstGeom>
+          <a:noFill/>
+          <a:ln w="9525">
+            <a:noFill/>
+            <a:miter lim="800000"/>
+            <a:headEnd/>
+            <a:tailEnd/>
+          </a:ln>
+        </p:spPr>
+      </p:pic>
+      <p:pic>
+        <p:nvPicPr>
+          <p:cNvPr id="18" name="Picture 8"/>
+          <p:cNvPicPr>
+            <a:picLocks noChangeAspect="1" noChangeArrowheads="1"/>
+          </p:cNvPicPr>
+          <p:nvPr/>
+        </p:nvPicPr>
+        <p:blipFill>
+          <a:blip r:embed="rId5"/>
+          <a:srcRect/>
+          <a:stretch>
+            <a:fillRect/>
+          </a:stretch>
+        </p:blipFill>
+        <p:spPr bwMode="auto">
+          <a:xfrm>
+            <a:off x="5770012" y="2582373"/>
+            <a:ext cx="2405091" cy="342900"/>
+          </a:xfrm>
+          <a:prstGeom prst="rect">
+            <a:avLst/>
+          </a:prstGeom>
+          <a:noFill/>
+          <a:ln w="9525">
+            <a:noFill/>
+            <a:miter lim="800000"/>
+            <a:headEnd/>
+            <a:tailEnd/>
+          </a:ln>
+        </p:spPr>
+      </p:pic>
+      <p:pic>
+        <p:nvPicPr>
+          <p:cNvPr id="19" name="Picture 9"/>
+          <p:cNvPicPr>
+            <a:picLocks noChangeAspect="1" noChangeArrowheads="1"/>
+          </p:cNvPicPr>
+          <p:nvPr/>
+        </p:nvPicPr>
+        <p:blipFill>
+          <a:blip r:embed="rId6"/>
+          <a:srcRect/>
+          <a:stretch>
+            <a:fillRect/>
+          </a:stretch>
+        </p:blipFill>
+        <p:spPr bwMode="auto">
+          <a:xfrm>
+            <a:off x="9646485" y="2589000"/>
+            <a:ext cx="87777" cy="342900"/>
+          </a:xfrm>
+          <a:prstGeom prst="rect">
+            <a:avLst/>
+          </a:prstGeom>
+          <a:noFill/>
+          <a:ln w="9525">
+            <a:noFill/>
+            <a:miter lim="800000"/>
+            <a:headEnd/>
+            <a:tailEnd/>
+          </a:ln>
+        </p:spPr>
+      </p:pic>
+    </p:spTree>
+    <p:extLst>
+      <p:ext uri="{BB962C8B-B14F-4D97-AF65-F5344CB8AC3E}">
+        <p14:creationId xmlns="" xmlns:p14="http://schemas.microsoft.com/office/powerpoint/2010/main" val="1721025396"/>
+      </p:ext>
+    </p:extLst>
+  </p:cSld>
+  <p:clrMapOvr>
+    <a:masterClrMapping/>
+  </p:clrMapOvr>
+  <p:timing>
+    <p:tnLst>
+      <p:par>
+        <p:cTn id="1" dur="indefinite" restart="never" nodeType="tmRoot"/>
+      </p:par>
+    </p:tnLst>
+  </p:timing>
+</p:sld>
+</file>
+
+<file path=ppt/slides/slide16.xml><?xml version="1.0" encoding="utf-8"?>
+<p:sld xmlns:a="http://schemas.openxmlformats.org/drawingml/2006/main" xmlns:r="http://schemas.openxmlformats.org/officeDocument/2006/relationships" xmlns:p="http://schemas.openxmlformats.org/presentationml/2006/main">
+  <p:cSld>
+    <p:spTree>
+      <p:nvGrpSpPr>
+        <p:cNvPr id="1" name=""/>
+        <p:cNvGrpSpPr/>
+        <p:nvPr/>
+      </p:nvGrpSpPr>
+      <p:grpSpPr>
+        <a:xfrm>
+          <a:off x="0" y="0"/>
+          <a:ext cx="0" cy="0"/>
+          <a:chOff x="0" y="0"/>
+          <a:chExt cx="0" cy="0"/>
+        </a:xfrm>
+      </p:grpSpPr>
+      <p:sp>
+        <p:nvSpPr>
+          <p:cNvPr id="2" name="1 Título"/>
+          <p:cNvSpPr>
+            <a:spLocks noGrp="1"/>
+          </p:cNvSpPr>
+          <p:nvPr>
+            <p:ph type="title"/>
+          </p:nvPr>
+        </p:nvSpPr>
+        <p:spPr>
+          <a:xfrm>
+            <a:off x="311700" y="445025"/>
+            <a:ext cx="8520600" cy="2641886"/>
+          </a:xfrm>
+        </p:spPr>
+        <p:txBody>
+          <a:bodyPr/>
+          <a:lstStyle/>
+          <a:p>
+            <a:pPr algn="ctr"/>
+            <a:r>
+              <a:rPr lang="es-CL" sz="6600" dirty="0" smtClean="0"/>
+              <a:t/>
+            </a:r>
+            <a:br>
+              <a:rPr lang="es-CL" sz="6600" dirty="0" smtClean="0"/>
+            </a:br>
+            <a:r>
+              <a:rPr lang="es-CL" sz="6600" dirty="0" smtClean="0"/>
+              <a:t>DEMO SQLMAP</a:t>
+            </a:r>
+            <a:endParaRPr lang="es-ES" sz="6600" dirty="0"/>
+          </a:p>
+        </p:txBody>
+      </p:sp>
+      <p:sp>
+        <p:nvSpPr>
+          <p:cNvPr id="3" name="2 Marcador de texto"/>
+          <p:cNvSpPr>
+            <a:spLocks noGrp="1"/>
+          </p:cNvSpPr>
+          <p:nvPr>
+            <p:ph type="body" idx="1"/>
+          </p:nvPr>
+        </p:nvSpPr>
+        <p:spPr>
+          <a:xfrm>
+            <a:off x="311700" y="3839183"/>
+            <a:ext cx="8520600" cy="729692"/>
+          </a:xfrm>
+        </p:spPr>
+        <p:txBody>
+          <a:bodyPr/>
+          <a:lstStyle/>
+          <a:p>
+            <a:pPr>
+              <a:buNone/>
+            </a:pPr>
+            <a:endParaRPr lang="es-ES" dirty="0"/>
+          </a:p>
+        </p:txBody>
+      </p:sp>
+    </p:spTree>
+  </p:cSld>
+  <p:clrMapOvr>
+    <a:masterClrMapping/>
+  </p:clrMapOvr>
+  <p:timing>
+    <p:tnLst>
+      <p:par>
+        <p:cTn id="1" dur="indefinite" restart="never" nodeType="tmRoot"/>
+      </p:par>
+    </p:tnLst>
+  </p:timing>
 </p:sld>
 </file>
 
@@ -6810,15 +7088,7 @@
           <a:p>
             <a:r>
               <a:rPr lang="es-MX" dirty="0" smtClean="0"/>
-              <a:t>SQL </a:t>
-            </a:r>
-            <a:r>
-              <a:rPr lang="es-MX" dirty="0" err="1" smtClean="0"/>
-              <a:t>Injection</a:t>
-            </a:r>
-            <a:r>
-              <a:rPr lang="es-MX" dirty="0" smtClean="0"/>
-              <a:t> </a:t>
+              <a:t>Enlaces de Interés</a:t>
             </a:r>
             <a:endParaRPr lang="es-MX" dirty="0"/>
           </a:p>
@@ -6840,325 +7110,65 @@
           <a:lstStyle/>
           <a:p>
             <a:r>
-              <a:rPr lang="es-MX" dirty="0" smtClean="0"/>
-              <a:t>Una vulnerabilidad </a:t>
-            </a:r>
-            <a:r>
-              <a:rPr lang="es-MX" dirty="0"/>
-              <a:t>de SQL </a:t>
-            </a:r>
-            <a:r>
-              <a:rPr lang="es-MX" dirty="0" err="1" smtClean="0"/>
-              <a:t>Injection</a:t>
-            </a:r>
-            <a:r>
-              <a:rPr lang="es-MX" dirty="0" smtClean="0"/>
-              <a:t> </a:t>
-            </a:r>
-            <a:r>
-              <a:rPr lang="es-MX" dirty="0"/>
-              <a:t>requiere dos fallas por parte del </a:t>
-            </a:r>
-            <a:r>
-              <a:rPr lang="es-MX" dirty="0" smtClean="0"/>
-              <a:t>programador:</a:t>
-            </a:r>
-          </a:p>
-          <a:p>
-            <a:r>
-              <a:rPr lang="es-MX" dirty="0" smtClean="0"/>
-              <a:t>Fallas en el filtrado de los datos </a:t>
-            </a:r>
-          </a:p>
-          <a:p>
-            <a:r>
-              <a:rPr lang="es-MX" dirty="0" smtClean="0"/>
-              <a:t>Falla en el escapado de </a:t>
-            </a:r>
-            <a:r>
-              <a:rPr lang="es-MX" dirty="0"/>
-              <a:t>datos (escapado de salida). </a:t>
-            </a:r>
+              <a:rPr lang="es-MX" dirty="0" smtClean="0">
+                <a:hlinkClick r:id="rId2"/>
+              </a:rPr>
+              <a:t>https://www.owasp.org/index.php/Category:OWASP_Top_Ten_Project</a:t>
+            </a:r>
+            <a:endParaRPr lang="es-MX" dirty="0" smtClean="0"/>
+          </a:p>
+          <a:p>
+            <a:r>
+              <a:rPr lang="es-MX" dirty="0" smtClean="0">
+                <a:hlinkClick r:id="rId3"/>
+              </a:rPr>
+              <a:t>https://github.com/sqlmapproject/sqlmap</a:t>
+            </a:r>
+            <a:endParaRPr lang="es-MX" dirty="0" smtClean="0"/>
+          </a:p>
+          <a:p>
+            <a:r>
+              <a:rPr lang="es-MX" dirty="0" smtClean="0">
+                <a:hlinkClick r:id="rId4"/>
+              </a:rPr>
+              <a:t>https://msdn.microsoft.com/en-us/library/ff648647.aspx</a:t>
+            </a:r>
+            <a:endParaRPr lang="es-MX" dirty="0" smtClean="0"/>
+          </a:p>
+          <a:p>
+            <a:r>
+              <a:rPr lang="es-MX" dirty="0" smtClean="0">
+                <a:hlinkClick r:id="rId5"/>
+              </a:rPr>
+              <a:t>https://volkanceylan.gitbooks.io/serenity-guide/getting_started/</a:t>
+            </a:r>
+            <a:endParaRPr lang="es-MX" dirty="0" smtClean="0"/>
+          </a:p>
+          <a:p>
+            <a:endParaRPr lang="es-MX" dirty="0" smtClean="0"/>
+          </a:p>
+          <a:p>
+            <a:endParaRPr lang="es-MX" dirty="0" smtClean="0"/>
           </a:p>
         </p:txBody>
       </p:sp>
     </p:spTree>
     <p:extLst>
       <p:ext uri="{BB962C8B-B14F-4D97-AF65-F5344CB8AC3E}">
-        <p14:creationId xmlns:p14="http://schemas.microsoft.com/office/powerpoint/2010/main" val="1721025396"/>
+        <p14:creationId xmlns="" xmlns:p14="http://schemas.microsoft.com/office/powerpoint/2010/main" val="1875998454"/>
       </p:ext>
     </p:extLst>
   </p:cSld>
   <p:clrMapOvr>
     <a:masterClrMapping/>
   </p:clrMapOvr>
-</p:sld>
-</file>
-
-<file path=ppt/slides/slide18.xml><?xml version="1.0" encoding="utf-8"?>
-<p:sld xmlns:a="http://schemas.openxmlformats.org/drawingml/2006/main" xmlns:r="http://schemas.openxmlformats.org/officeDocument/2006/relationships" xmlns:p="http://schemas.openxmlformats.org/presentationml/2006/main">
-  <p:cSld>
-    <p:spTree>
-      <p:nvGrpSpPr>
-        <p:cNvPr id="1" name="Shape 161"/>
-        <p:cNvGrpSpPr/>
-        <p:nvPr/>
-      </p:nvGrpSpPr>
-      <p:grpSpPr>
-        <a:xfrm>
-          <a:off x="0" y="0"/>
-          <a:ext cx="0" cy="0"/>
-          <a:chOff x="0" y="0"/>
-          <a:chExt cx="0" cy="0"/>
-        </a:xfrm>
-      </p:grpSpPr>
-      <p:sp>
-        <p:nvSpPr>
-          <p:cNvPr id="162" name="Shape 162"/>
-          <p:cNvSpPr txBox="1">
-            <a:spLocks noGrp="1"/>
-          </p:cNvSpPr>
-          <p:nvPr>
-            <p:ph type="title"/>
-          </p:nvPr>
-        </p:nvSpPr>
-        <p:spPr>
-          <a:xfrm>
-            <a:off x="311700" y="445025"/>
-            <a:ext cx="8520600" cy="572700"/>
-          </a:xfrm>
-          <a:prstGeom prst="rect">
-            <a:avLst/>
-          </a:prstGeom>
-        </p:spPr>
-        <p:txBody>
-          <a:bodyPr wrap="square" lIns="91425" tIns="91425" rIns="91425" bIns="91425" anchor="t" anchorCtr="0">
-            <a:noAutofit/>
-          </a:bodyPr>
-          <a:lstStyle/>
-          <a:p>
-            <a:pPr lvl="0">
-              <a:spcBef>
-                <a:spcPts val="0"/>
-              </a:spcBef>
-              <a:buNone/>
-            </a:pPr>
-            <a:r>
-              <a:rPr lang="es-MX" dirty="0" smtClean="0"/>
-              <a:t>Mitigación de amenazas</a:t>
-            </a:r>
-            <a:endParaRPr dirty="0"/>
-          </a:p>
-        </p:txBody>
-      </p:sp>
-      <p:sp>
-        <p:nvSpPr>
-          <p:cNvPr id="163" name="Shape 163"/>
-          <p:cNvSpPr txBox="1">
-            <a:spLocks noGrp="1"/>
-          </p:cNvSpPr>
-          <p:nvPr>
-            <p:ph type="body" idx="1"/>
-          </p:nvPr>
-        </p:nvSpPr>
-        <p:spPr>
-          <a:xfrm>
-            <a:off x="311700" y="1152475"/>
-            <a:ext cx="8520600" cy="3416400"/>
-          </a:xfrm>
-          <a:prstGeom prst="rect">
-            <a:avLst/>
-          </a:prstGeom>
-        </p:spPr>
-        <p:txBody>
-          <a:bodyPr wrap="square" lIns="91425" tIns="91425" rIns="91425" bIns="91425" anchor="t" anchorCtr="0">
-            <a:noAutofit/>
-          </a:bodyPr>
-          <a:lstStyle/>
-          <a:p>
-            <a:pPr lvl="0">
-              <a:buNone/>
-            </a:pPr>
-            <a:r>
-              <a:rPr lang="es-MX" dirty="0"/>
-              <a:t>Se lleva a cabo cada vez que se toman medidas para reducir el riesgo. Esta categoría incluye la instalación de software antivirus, educar a los usuarios acerca de las posibles amenazas, el seguimiento del tráfico de la red, la adición de un servidor de seguridad, y así sucesivamente</a:t>
-            </a:r>
-            <a:endParaRPr dirty="0"/>
-          </a:p>
-        </p:txBody>
-      </p:sp>
-    </p:spTree>
-  </p:cSld>
-  <p:clrMapOvr>
-    <a:masterClrMapping/>
-  </p:clrMapOvr>
-</p:sld>
-</file>
-
-<file path=ppt/slides/slide19.xml><?xml version="1.0" encoding="utf-8"?>
-<p:sld xmlns:a="http://schemas.openxmlformats.org/drawingml/2006/main" xmlns:r="http://schemas.openxmlformats.org/officeDocument/2006/relationships" xmlns:p="http://schemas.openxmlformats.org/presentationml/2006/main">
-  <p:cSld>
-    <p:spTree>
-      <p:nvGrpSpPr>
-        <p:cNvPr id="1" name=""/>
-        <p:cNvGrpSpPr/>
-        <p:nvPr/>
-      </p:nvGrpSpPr>
-      <p:grpSpPr>
-        <a:xfrm>
-          <a:off x="0" y="0"/>
-          <a:ext cx="0" cy="0"/>
-          <a:chOff x="0" y="0"/>
-          <a:chExt cx="0" cy="0"/>
-        </a:xfrm>
-      </p:grpSpPr>
-      <p:sp>
-        <p:nvSpPr>
-          <p:cNvPr id="2" name="Título 1"/>
-          <p:cNvSpPr>
-            <a:spLocks noGrp="1"/>
-          </p:cNvSpPr>
-          <p:nvPr>
-            <p:ph type="title"/>
-          </p:nvPr>
-        </p:nvSpPr>
-        <p:spPr/>
-        <p:txBody>
-          <a:bodyPr/>
-          <a:lstStyle/>
-          <a:p>
-            <a:r>
-              <a:rPr lang="es-419" dirty="0"/>
-              <a:t>Peticiones HTTP Falsificadas </a:t>
-            </a:r>
-            <a:endParaRPr lang="es-MX" dirty="0"/>
-          </a:p>
-        </p:txBody>
-      </p:sp>
-      <p:sp>
-        <p:nvSpPr>
-          <p:cNvPr id="3" name="Marcador de texto 2"/>
-          <p:cNvSpPr>
-            <a:spLocks noGrp="1"/>
-          </p:cNvSpPr>
-          <p:nvPr>
-            <p:ph type="body" idx="1"/>
-          </p:nvPr>
-        </p:nvSpPr>
-        <p:spPr/>
-        <p:txBody>
-          <a:bodyPr/>
-          <a:lstStyle/>
-          <a:p>
-            <a:r>
-              <a:rPr lang="es-MX" sz="1600" dirty="0"/>
-              <a:t>Un ataque mas sofisticado que el Cross-</a:t>
-            </a:r>
-            <a:r>
-              <a:rPr lang="es-MX" sz="1600" dirty="0" err="1"/>
-              <a:t>Site</a:t>
-            </a:r>
-            <a:r>
-              <a:rPr lang="es-MX" sz="1600" dirty="0"/>
-              <a:t> </a:t>
-            </a:r>
-            <a:r>
-              <a:rPr lang="es-MX" sz="1600" dirty="0" err="1"/>
-              <a:t>Scriping</a:t>
-            </a:r>
-            <a:r>
-              <a:rPr lang="es-MX" sz="1600" dirty="0"/>
-              <a:t> es enviar peticiones falsas empleando herramientas para este </a:t>
-            </a:r>
-            <a:r>
-              <a:rPr lang="es-MX" sz="1600" dirty="0" err="1"/>
-              <a:t>proposito</a:t>
-            </a:r>
-            <a:r>
-              <a:rPr lang="es-MX" sz="1600" dirty="0"/>
-              <a:t>.</a:t>
-            </a:r>
-            <a:endParaRPr lang="es-MX" sz="1600" dirty="0"/>
-          </a:p>
-          <a:p>
-            <a:pPr>
-              <a:buNone/>
-            </a:pPr>
-            <a:r>
-              <a:rPr lang="es-MX" sz="1600" dirty="0"/>
-              <a:t>Para ello se emplean herramientas de </a:t>
-            </a:r>
-            <a:r>
-              <a:rPr lang="es-MX" sz="1600" dirty="0" err="1"/>
-              <a:t>lineas</a:t>
-            </a:r>
-            <a:r>
-              <a:rPr lang="es-MX" sz="1600" dirty="0"/>
-              <a:t> de comando o </a:t>
-            </a:r>
-            <a:r>
-              <a:rPr lang="es-MX" sz="1600" dirty="0" err="1"/>
-              <a:t>Plugins</a:t>
-            </a:r>
-            <a:r>
-              <a:rPr lang="es-MX" sz="1600" dirty="0"/>
-              <a:t> agregados a los navegadores, con estos se pone a la escucha de los servicios web que típicamente se conectan a través del puerto 80.</a:t>
-            </a:r>
-            <a:endParaRPr lang="es-MX" sz="1600" dirty="0"/>
-          </a:p>
-        </p:txBody>
-      </p:sp>
-      <p:pic>
-        <p:nvPicPr>
-          <p:cNvPr id="1026" name="Picture 2" descr="https://lh3.googleusercontent.com/XFaEnNahS1rt5TZ5-5717VzIeu9qxDe3L4OQ_R2qWmbw9mbvC3Lc-uy7e3bNUcCmaj-P2gym1BS2rYRNHfhc4sSH6U5TyuGqYccRA2ilDu1ls1Kydbin9GpmS50ikbDmUSRrNDH24J8"/>
-          <p:cNvPicPr>
-            <a:picLocks noChangeAspect="1" noChangeArrowheads="1"/>
-          </p:cNvPicPr>
-          <p:nvPr/>
-        </p:nvPicPr>
-        <p:blipFill>
-          <a:blip r:embed="rId2">
-            <a:extLst>
-              <a:ext uri="{28A0092B-C50C-407E-A947-70E740481C1C}">
-                <a14:useLocalDpi xmlns:a14="http://schemas.microsoft.com/office/drawing/2010/main" val="0"/>
-              </a:ext>
-            </a:extLst>
-          </a:blip>
-          <a:srcRect/>
-          <a:stretch>
-            <a:fillRect/>
-          </a:stretch>
-        </p:blipFill>
-        <p:spPr bwMode="auto">
-          <a:xfrm>
-            <a:off x="3571875" y="2860675"/>
-            <a:ext cx="3108325" cy="1834638"/>
-          </a:xfrm>
-          <a:prstGeom prst="rect">
-            <a:avLst/>
-          </a:prstGeom>
-          <a:noFill/>
-          <a:extLst>
-            <a:ext uri="{909E8E84-426E-40DD-AFC4-6F175D3DCCD1}">
-              <a14:hiddenFill xmlns:a14="http://schemas.microsoft.com/office/drawing/2010/main">
-                <a:solidFill>
-                  <a:srgbClr val="FFFFFF"/>
-                </a:solidFill>
-              </a14:hiddenFill>
-            </a:ext>
-          </a:extLst>
-        </p:spPr>
-      </p:pic>
-    </p:spTree>
-    <p:extLst>
-      <p:ext uri="{BB962C8B-B14F-4D97-AF65-F5344CB8AC3E}">
-        <p14:creationId xmlns:p14="http://schemas.microsoft.com/office/powerpoint/2010/main" val="565538741"/>
-      </p:ext>
-    </p:extLst>
-  </p:cSld>
-  <p:clrMapOvr>
-    <a:masterClrMapping/>
-  </p:clrMapOvr>
+  <p:timing>
+    <p:tnLst>
+      <p:par>
+        <p:cTn id="1" dur="indefinite" restart="never" nodeType="tmRoot"/>
+      </p:par>
+    </p:tnLst>
+  </p:timing>
 </p:sld>
 </file>
 
@@ -7211,7 +7221,7 @@
               <a:buNone/>
             </a:pPr>
             <a:r>
-              <a:rPr lang="es"/>
+              <a:rPr lang="es" dirty="0"/>
               <a:t>Introducción</a:t>
             </a:r>
           </a:p>
@@ -7249,14 +7259,14 @@
               <a:buNone/>
             </a:pPr>
             <a:r>
-              <a:rPr lang="es" sz="1050">
+              <a:rPr lang="es" dirty="0">
                 <a:solidFill>
                   <a:srgbClr val="333333"/>
                 </a:solidFill>
                 <a:highlight>
                   <a:srgbClr val="FFFFFF"/>
                 </a:highlight>
-                <a:latin typeface="Trebuchet MS"/>
+                <a:latin typeface="+mn-lt"/>
                 <a:ea typeface="Trebuchet MS"/>
                 <a:cs typeface="Trebuchet MS"/>
                 <a:sym typeface="Trebuchet MS"/>
@@ -7282,8 +7292,8 @@
         </p:blipFill>
         <p:spPr>
           <a:xfrm>
-            <a:off x="6167001" y="2572926"/>
-            <a:ext cx="2123351" cy="1995949"/>
+            <a:off x="6432892" y="2756170"/>
+            <a:ext cx="1919926" cy="1832161"/>
           </a:xfrm>
           <a:prstGeom prst="rect">
             <a:avLst/>
@@ -7310,8 +7320,8 @@
         </p:blipFill>
         <p:spPr>
           <a:xfrm>
-            <a:off x="588025" y="2340500"/>
-            <a:ext cx="2459400" cy="2459400"/>
+            <a:off x="451837" y="2775625"/>
+            <a:ext cx="1753098" cy="1881602"/>
           </a:xfrm>
           <a:prstGeom prst="rect">
             <a:avLst/>
@@ -7324,30 +7334,26 @@
       </p:pic>
       <p:pic>
         <p:nvPicPr>
-          <p:cNvPr id="65" name="Shape 65"/>
-          <p:cNvPicPr preferRelativeResize="0"/>
+          <p:cNvPr id="7" name="6 Imagen" descr="azure.png"/>
+          <p:cNvPicPr>
+            <a:picLocks noChangeAspect="1"/>
+          </p:cNvPicPr>
           <p:nvPr/>
         </p:nvPicPr>
         <p:blipFill>
-          <a:blip r:embed="rId5">
-            <a:alphaModFix/>
-          </a:blip>
+          <a:blip r:embed="rId5"/>
           <a:stretch>
             <a:fillRect/>
           </a:stretch>
         </p:blipFill>
         <p:spPr>
           <a:xfrm>
-            <a:off x="2656200" y="2039179"/>
-            <a:ext cx="4572000" cy="921250"/>
-          </a:xfrm>
-          <a:prstGeom prst="rect">
-            <a:avLst/>
-          </a:prstGeom>
-          <a:noFill/>
-          <a:ln>
-            <a:noFill/>
-          </a:ln>
+            <a:off x="2401110" y="2733472"/>
+            <a:ext cx="3810000" cy="1181100"/>
+          </a:xfrm>
+          <a:prstGeom prst="rect">
+            <a:avLst/>
+          </a:prstGeom>
         </p:spPr>
       </p:pic>
     </p:spTree>
@@ -7355,404 +7361,13 @@
   <p:clrMapOvr>
     <a:masterClrMapping/>
   </p:clrMapOvr>
-</p:sld>
-</file>
-
-<file path=ppt/slides/slide20.xml><?xml version="1.0" encoding="utf-8"?>
-<p:sld xmlns:a="http://schemas.openxmlformats.org/drawingml/2006/main" xmlns:r="http://schemas.openxmlformats.org/officeDocument/2006/relationships" xmlns:p="http://schemas.openxmlformats.org/presentationml/2006/main">
-  <p:cSld>
-    <p:spTree>
-      <p:nvGrpSpPr>
-        <p:cNvPr id="1" name=""/>
-        <p:cNvGrpSpPr/>
-        <p:nvPr/>
-      </p:nvGrpSpPr>
-      <p:grpSpPr>
-        <a:xfrm>
-          <a:off x="0" y="0"/>
-          <a:ext cx="0" cy="0"/>
-          <a:chOff x="0" y="0"/>
-          <a:chExt cx="0" cy="0"/>
-        </a:xfrm>
-      </p:grpSpPr>
-      <p:sp>
-        <p:nvSpPr>
-          <p:cNvPr id="2" name="Título 1"/>
-          <p:cNvSpPr>
-            <a:spLocks noGrp="1"/>
-          </p:cNvSpPr>
-          <p:nvPr>
-            <p:ph type="title"/>
-          </p:nvPr>
-        </p:nvSpPr>
-        <p:spPr/>
-        <p:txBody>
-          <a:bodyPr/>
-          <a:lstStyle/>
-          <a:p>
-            <a:endParaRPr lang="es-MX"/>
-          </a:p>
-        </p:txBody>
-      </p:sp>
-      <p:sp>
-        <p:nvSpPr>
-          <p:cNvPr id="3" name="Marcador de texto 2"/>
-          <p:cNvSpPr>
-            <a:spLocks noGrp="1"/>
-          </p:cNvSpPr>
-          <p:nvPr>
-            <p:ph type="body" idx="1"/>
-          </p:nvPr>
-        </p:nvSpPr>
-        <p:spPr/>
-        <p:txBody>
-          <a:bodyPr/>
-          <a:lstStyle/>
-          <a:p>
-            <a:r>
-              <a:rPr lang="es-MX" dirty="0"/>
-              <a:t>En realidad un atacante puede ejecutar a gusto sus peticiones HTTP.</a:t>
-            </a:r>
-            <a:endParaRPr lang="es-MX" dirty="0"/>
-          </a:p>
-          <a:p>
-            <a:pPr>
-              <a:buNone/>
-            </a:pPr>
-            <a:r>
-              <a:rPr lang="es-MX" dirty="0"/>
-              <a:t>La fortaleza de nuestro sistema será medible por su capacidad de detectar que peticiones recibidas deben ser escuchadas y procesadas de acuerdo a los parámetros y valores que se vayan a recibir.</a:t>
-            </a:r>
-            <a:endParaRPr lang="es-MX" dirty="0"/>
-          </a:p>
-        </p:txBody>
-      </p:sp>
-    </p:spTree>
-    <p:extLst>
-      <p:ext uri="{BB962C8B-B14F-4D97-AF65-F5344CB8AC3E}">
-        <p14:creationId xmlns:p14="http://schemas.microsoft.com/office/powerpoint/2010/main" val="1913583198"/>
-      </p:ext>
-    </p:extLst>
-  </p:cSld>
-  <p:clrMapOvr>
-    <a:masterClrMapping/>
-  </p:clrMapOvr>
-</p:sld>
-</file>
-
-<file path=ppt/slides/slide21.xml><?xml version="1.0" encoding="utf-8"?>
-<p:sld xmlns:a="http://schemas.openxmlformats.org/drawingml/2006/main" xmlns:r="http://schemas.openxmlformats.org/officeDocument/2006/relationships" xmlns:p="http://schemas.openxmlformats.org/presentationml/2006/main">
-  <p:cSld>
-    <p:spTree>
-      <p:nvGrpSpPr>
-        <p:cNvPr id="1" name=""/>
-        <p:cNvGrpSpPr/>
-        <p:nvPr/>
-      </p:nvGrpSpPr>
-      <p:grpSpPr>
-        <a:xfrm>
-          <a:off x="0" y="0"/>
-          <a:ext cx="0" cy="0"/>
-          <a:chOff x="0" y="0"/>
-          <a:chExt cx="0" cy="0"/>
-        </a:xfrm>
-      </p:grpSpPr>
-      <p:sp>
-        <p:nvSpPr>
-          <p:cNvPr id="2" name="Título 1"/>
-          <p:cNvSpPr>
-            <a:spLocks noGrp="1"/>
-          </p:cNvSpPr>
-          <p:nvPr>
-            <p:ph type="title"/>
-          </p:nvPr>
-        </p:nvSpPr>
-        <p:spPr/>
-        <p:txBody>
-          <a:bodyPr/>
-          <a:lstStyle/>
-          <a:p>
-            <a:r>
-              <a:rPr lang="es-MX" dirty="0"/>
-              <a:t>Su relación con las Bases de Datos (BDD)</a:t>
-            </a:r>
-            <a:endParaRPr lang="es-MX" dirty="0"/>
-          </a:p>
-        </p:txBody>
-      </p:sp>
-      <p:sp>
-        <p:nvSpPr>
-          <p:cNvPr id="3" name="Marcador de texto 2"/>
-          <p:cNvSpPr>
-            <a:spLocks noGrp="1"/>
-          </p:cNvSpPr>
-          <p:nvPr>
-            <p:ph type="body" idx="1"/>
-          </p:nvPr>
-        </p:nvSpPr>
-        <p:spPr/>
-        <p:txBody>
-          <a:bodyPr/>
-          <a:lstStyle/>
-          <a:p>
-            <a:pPr>
-              <a:buNone/>
-            </a:pPr>
-            <a:r>
-              <a:rPr lang="es-MX" sz="1600" dirty="0"/>
-              <a:t>La </a:t>
-            </a:r>
-            <a:r>
-              <a:rPr lang="es-MX" sz="1600" dirty="0" smtClean="0"/>
-              <a:t>mayoría </a:t>
-            </a:r>
-            <a:r>
-              <a:rPr lang="es-MX" sz="1600" dirty="0"/>
-              <a:t>de las aplicaciones web son usadas como un conducto entre fuentes de </a:t>
-            </a:r>
-            <a:r>
-              <a:rPr lang="es-MX" sz="1600" dirty="0" smtClean="0"/>
-              <a:t>información </a:t>
-            </a:r>
-            <a:r>
-              <a:rPr lang="es-MX" sz="1600" dirty="0"/>
-              <a:t>y el usuario y son usadas para interactuar con una base de Datos.</a:t>
-            </a:r>
-            <a:endParaRPr lang="es-MX" sz="1600" dirty="0"/>
-          </a:p>
-          <a:p>
-            <a:pPr>
-              <a:buNone/>
-            </a:pPr>
-            <a:r>
-              <a:rPr lang="es-MX" sz="1600" dirty="0"/>
-              <a:t>Muchos programadores no dan importancia al filtrado de datos provenientes de una consulta a la base de datos, debido a que consideran a esta fuente como confiable. Aunque el riesgo a primera vista parecería menor, es una práctica recomendable no confiar en la seguridad de la base de datos e implementar la seguridad a fondo y con redundancia. </a:t>
-            </a:r>
-            <a:endParaRPr lang="es-MX" sz="1600" dirty="0"/>
-          </a:p>
-          <a:p>
-            <a:pPr>
-              <a:buNone/>
-            </a:pPr>
-            <a:r>
-              <a:rPr lang="es-MX" sz="1600" dirty="0"/>
-              <a:t/>
-            </a:r>
-            <a:br>
-              <a:rPr lang="es-MX" sz="1600" dirty="0"/>
-            </a:br>
-            <a:r>
-              <a:rPr lang="es-MX" sz="1600" dirty="0"/>
-              <a:t>De esta manera, si algún dato malicioso fue inyectado a la base de datos, nuestra lógica de filtrado puede percatarse de ello.</a:t>
-            </a:r>
-            <a:endParaRPr lang="es-MX" sz="1600" dirty="0"/>
-          </a:p>
-          <a:p>
-            <a:pPr>
-              <a:buNone/>
-            </a:pPr>
-            <a:r>
-              <a:rPr lang="es-MX" sz="1600" dirty="0"/>
-              <a:t/>
-            </a:r>
-            <a:br>
-              <a:rPr lang="es-MX" sz="1600" dirty="0"/>
-            </a:br>
-            <a:endParaRPr lang="es-MX" sz="1600" dirty="0"/>
-          </a:p>
-        </p:txBody>
-      </p:sp>
-    </p:spTree>
-    <p:extLst>
-      <p:ext uri="{BB962C8B-B14F-4D97-AF65-F5344CB8AC3E}">
-        <p14:creationId xmlns:p14="http://schemas.microsoft.com/office/powerpoint/2010/main" val="713753533"/>
-      </p:ext>
-    </p:extLst>
-  </p:cSld>
-  <p:clrMapOvr>
-    <a:masterClrMapping/>
-  </p:clrMapOvr>
-</p:sld>
-</file>
-
-<file path=ppt/slides/slide22.xml><?xml version="1.0" encoding="utf-8"?>
-<p:sld xmlns:a="http://schemas.openxmlformats.org/drawingml/2006/main" xmlns:r="http://schemas.openxmlformats.org/officeDocument/2006/relationships" xmlns:p="http://schemas.openxmlformats.org/presentationml/2006/main">
-  <p:cSld>
-    <p:spTree>
-      <p:nvGrpSpPr>
-        <p:cNvPr id="1" name=""/>
-        <p:cNvGrpSpPr/>
-        <p:nvPr/>
-      </p:nvGrpSpPr>
-      <p:grpSpPr>
-        <a:xfrm>
-          <a:off x="0" y="0"/>
-          <a:ext cx="0" cy="0"/>
-          <a:chOff x="0" y="0"/>
-          <a:chExt cx="0" cy="0"/>
-        </a:xfrm>
-      </p:grpSpPr>
-      <p:sp>
-        <p:nvSpPr>
-          <p:cNvPr id="2" name="Título 1"/>
-          <p:cNvSpPr>
-            <a:spLocks noGrp="1"/>
-          </p:cNvSpPr>
-          <p:nvPr>
-            <p:ph type="title"/>
-          </p:nvPr>
-        </p:nvSpPr>
-        <p:spPr/>
-        <p:txBody>
-          <a:bodyPr/>
-          <a:lstStyle/>
-          <a:p>
-            <a:r>
-              <a:rPr lang="es-419" dirty="0"/>
-              <a:t>Conclusión</a:t>
-            </a:r>
-            <a:endParaRPr lang="es-MX" dirty="0"/>
-          </a:p>
-        </p:txBody>
-      </p:sp>
-      <p:sp>
-        <p:nvSpPr>
-          <p:cNvPr id="3" name="Marcador de texto 2"/>
-          <p:cNvSpPr>
-            <a:spLocks noGrp="1"/>
-          </p:cNvSpPr>
-          <p:nvPr>
-            <p:ph type="body" idx="1"/>
-          </p:nvPr>
-        </p:nvSpPr>
-        <p:spPr/>
-        <p:txBody>
-          <a:bodyPr/>
-          <a:lstStyle/>
-          <a:p>
-            <a:pPr>
-              <a:buNone/>
-            </a:pPr>
-            <a:r>
-              <a:rPr lang="es-MX" sz="1600" dirty="0"/>
-              <a:t>La seguridad en aplicaciones Web involucra principalmente al desarrollador, aunque con gran frecuencia se encuentran defectos que pueden ser aprovechados por atacantes en las tecnologías en que se basan los sistemas web (Sistemas Operativos, Servidores Web, Servidor de Base de Datos, etc.) la atención principal debe dirigirse a los defectos propios al desarrollo nuestras aplicaciones.</a:t>
-            </a:r>
-            <a:endParaRPr lang="es-MX" sz="1600" dirty="0"/>
-          </a:p>
-          <a:p>
-            <a:pPr>
-              <a:buNone/>
-            </a:pPr>
-            <a:r>
-              <a:rPr lang="es-MX" sz="1600" dirty="0"/>
-              <a:t>Todo programador debe estar consciente que el manejo de las peticiones, para aceptarlas o rechazarlas, deben estar  los datos o variables recibidas no cumplan con las características predefinidas. Todas las entradas del sistema deben pasar por el filtrado de los datos contenidos. Además para el programador debe ser claro y fácil identificar cuando una variable ya ha sido sometida al proceso de limpieza, de esta forma evitaremos tener que confiar en la memorización o tener que hacer un mapa de los procesos ejecutados por cada línea de código de manera previa.</a:t>
-            </a:r>
-            <a:endParaRPr lang="es-MX" sz="1600" dirty="0"/>
-          </a:p>
-          <a:p>
-            <a:pPr>
-              <a:buNone/>
-            </a:pPr>
-            <a:r>
-              <a:rPr lang="es-MX" sz="1600" dirty="0"/>
-              <a:t/>
-            </a:r>
-            <a:br>
-              <a:rPr lang="es-MX" sz="1600" dirty="0"/>
-            </a:br>
-            <a:endParaRPr lang="es-MX" sz="1600" dirty="0"/>
-          </a:p>
-        </p:txBody>
-      </p:sp>
-    </p:spTree>
-    <p:extLst>
-      <p:ext uri="{BB962C8B-B14F-4D97-AF65-F5344CB8AC3E}">
-        <p14:creationId xmlns:p14="http://schemas.microsoft.com/office/powerpoint/2010/main" val="3246931537"/>
-      </p:ext>
-    </p:extLst>
-  </p:cSld>
-  <p:clrMapOvr>
-    <a:masterClrMapping/>
-  </p:clrMapOvr>
-</p:sld>
-</file>
-
-<file path=ppt/slides/slide23.xml><?xml version="1.0" encoding="utf-8"?>
-<p:sld xmlns:a="http://schemas.openxmlformats.org/drawingml/2006/main" xmlns:r="http://schemas.openxmlformats.org/officeDocument/2006/relationships" xmlns:p="http://schemas.openxmlformats.org/presentationml/2006/main">
-  <p:cSld>
-    <p:spTree>
-      <p:nvGrpSpPr>
-        <p:cNvPr id="1" name=""/>
-        <p:cNvGrpSpPr/>
-        <p:nvPr/>
-      </p:nvGrpSpPr>
-      <p:grpSpPr>
-        <a:xfrm>
-          <a:off x="0" y="0"/>
-          <a:ext cx="0" cy="0"/>
-          <a:chOff x="0" y="0"/>
-          <a:chExt cx="0" cy="0"/>
-        </a:xfrm>
-      </p:grpSpPr>
-      <p:sp>
-        <p:nvSpPr>
-          <p:cNvPr id="2" name="Título 1"/>
-          <p:cNvSpPr>
-            <a:spLocks noGrp="1"/>
-          </p:cNvSpPr>
-          <p:nvPr>
-            <p:ph type="title"/>
-          </p:nvPr>
-        </p:nvSpPr>
-        <p:spPr/>
-        <p:txBody>
-          <a:bodyPr/>
-          <a:lstStyle/>
-          <a:p>
-            <a:r>
-              <a:rPr lang="es-MX" dirty="0" smtClean="0"/>
-              <a:t>Fuentes de información </a:t>
-            </a:r>
-            <a:endParaRPr lang="es-MX" dirty="0"/>
-          </a:p>
-        </p:txBody>
-      </p:sp>
-      <p:sp>
-        <p:nvSpPr>
-          <p:cNvPr id="3" name="Marcador de texto 2"/>
-          <p:cNvSpPr>
-            <a:spLocks noGrp="1"/>
-          </p:cNvSpPr>
-          <p:nvPr>
-            <p:ph type="body" idx="1"/>
-          </p:nvPr>
-        </p:nvSpPr>
-        <p:spPr/>
-        <p:txBody>
-          <a:bodyPr/>
-          <a:lstStyle/>
-          <a:p>
-            <a:r>
-              <a:rPr lang="es-MX" dirty="0"/>
-              <a:t>https://</a:t>
-            </a:r>
-            <a:r>
-              <a:rPr lang="es-MX" dirty="0" smtClean="0"/>
-              <a:t>www.seguridad.unam.mx/historico/documento/index.html</a:t>
-            </a:r>
-          </a:p>
-        </p:txBody>
-      </p:sp>
-    </p:spTree>
-    <p:extLst>
-      <p:ext uri="{BB962C8B-B14F-4D97-AF65-F5344CB8AC3E}">
-        <p14:creationId xmlns:p14="http://schemas.microsoft.com/office/powerpoint/2010/main" val="1875998454"/>
-      </p:ext>
-    </p:extLst>
-  </p:cSld>
-  <p:clrMapOvr>
-    <a:masterClrMapping/>
-  </p:clrMapOvr>
+  <p:timing>
+    <p:tnLst>
+      <p:par>
+        <p:cTn id="1" dur="indefinite" restart="never" nodeType="tmRoot"/>
+      </p:par>
+    </p:tnLst>
+  </p:timing>
 </p:sld>
 </file>
 
@@ -7785,8 +7400,8 @@
         </p:nvSpPr>
         <p:spPr>
           <a:xfrm>
-            <a:off x="311700" y="202425"/>
-            <a:ext cx="8145600" cy="572700"/>
+            <a:off x="311700" y="447471"/>
+            <a:ext cx="8145600" cy="512325"/>
           </a:xfrm>
           <a:prstGeom prst="rect">
             <a:avLst/>
@@ -7805,7 +7420,7 @@
               <a:buNone/>
             </a:pPr>
             <a:r>
-              <a:rPr lang="es"/>
+              <a:rPr lang="es" dirty="0"/>
               <a:t>Seguridad en Internet</a:t>
             </a:r>
           </a:p>
@@ -7823,8 +7438,8 @@
         </p:nvSpPr>
         <p:spPr>
           <a:xfrm>
-            <a:off x="359775" y="775125"/>
-            <a:ext cx="8520600" cy="3416400"/>
+            <a:off x="340319" y="1121923"/>
+            <a:ext cx="8520600" cy="1880682"/>
           </a:xfrm>
           <a:prstGeom prst="rect">
             <a:avLst/>
@@ -7843,72 +7458,279 @@
               <a:buNone/>
             </a:pPr>
             <a:r>
-              <a:rPr lang="es" sz="1200">
+              <a:rPr lang="es" dirty="0">
                 <a:solidFill>
                   <a:srgbClr val="333333"/>
                 </a:solidFill>
                 <a:highlight>
                   <a:srgbClr val="FFFFFF"/>
                 </a:highlight>
-                <a:latin typeface="Trebuchet MS"/>
+                <a:latin typeface="+mj-lt"/>
                 <a:ea typeface="Trebuchet MS"/>
                 <a:cs typeface="Trebuchet MS"/>
                 <a:sym typeface="Trebuchet MS"/>
               </a:rPr>
-              <a:t>Se puede decir que uno de los puntos más críticos de la seguridad en Internet son las herramientas que interactúan de forma directa con los usuarios, en este caso los servidores web.</a:t>
-            </a:r>
-          </a:p>
-          <a:p>
-            <a:pPr lvl="0">
-              <a:spcBef>
-                <a:spcPts val="0"/>
-              </a:spcBef>
-              <a:buNone/>
-            </a:pPr>
-            <a:r>
-              <a:rPr lang="es" sz="1200">
+              <a:t>Se puede decir que uno de los puntos más críticos de la seguridad en Internet son </a:t>
+            </a:r>
+            <a:r>
+              <a:rPr lang="es" dirty="0" smtClean="0">
                 <a:solidFill>
                   <a:srgbClr val="333333"/>
                 </a:solidFill>
                 <a:highlight>
                   <a:srgbClr val="FFFFFF"/>
                 </a:highlight>
-                <a:latin typeface="Trebuchet MS"/>
+                <a:latin typeface="+mj-lt"/>
                 <a:ea typeface="Trebuchet MS"/>
                 <a:cs typeface="Trebuchet MS"/>
                 <a:sym typeface="Trebuchet MS"/>
               </a:rPr>
-              <a:t>Habrás escuchado que estos fallos se deben al sistema de seguridad que usan los servidores o el lenguaje de programación que utiliza la aplicación.</a:t>
-            </a:r>
-          </a:p>
-          <a:p>
-            <a:pPr lvl="0">
-              <a:spcBef>
-                <a:spcPts val="0"/>
-              </a:spcBef>
-              <a:buNone/>
-            </a:pPr>
-            <a:r>
-              <a:rPr lang="es" sz="1200">
+              <a:t>los </a:t>
+            </a:r>
+            <a:r>
+              <a:rPr lang="es" dirty="0">
                 <a:solidFill>
                   <a:srgbClr val="333333"/>
                 </a:solidFill>
                 <a:highlight>
                   <a:srgbClr val="FFFFFF"/>
                 </a:highlight>
-                <a:latin typeface="Trebuchet MS"/>
+                <a:latin typeface="+mj-lt"/>
                 <a:ea typeface="Trebuchet MS"/>
                 <a:cs typeface="Trebuchet MS"/>
                 <a:sym typeface="Trebuchet MS"/>
               </a:rPr>
-              <a:t> Sin embargo, la mayoría de los problemas detectados en servicios web no son provocados por fallas de ninguna de estas partes, si no que los problemas se generan por malas prácticas de parte de los programadores.</a:t>
-            </a:r>
+              <a:t>servidores web</a:t>
+            </a:r>
+            <a:r>
+              <a:rPr lang="es" dirty="0" smtClean="0">
+                <a:solidFill>
+                  <a:srgbClr val="333333"/>
+                </a:solidFill>
+                <a:highlight>
+                  <a:srgbClr val="FFFFFF"/>
+                </a:highlight>
+                <a:latin typeface="+mj-lt"/>
+                <a:ea typeface="Trebuchet MS"/>
+                <a:cs typeface="Trebuchet MS"/>
+                <a:sym typeface="Trebuchet MS"/>
+              </a:rPr>
+              <a:t>. </a:t>
+            </a:r>
+            <a:r>
+              <a:rPr lang="es" dirty="0" smtClean="0">
+                <a:solidFill>
+                  <a:srgbClr val="333333"/>
+                </a:solidFill>
+                <a:highlight>
+                  <a:srgbClr val="FFFFFF"/>
+                </a:highlight>
+                <a:latin typeface="+mj-lt"/>
+                <a:ea typeface="Trebuchet MS"/>
+                <a:cs typeface="Trebuchet MS"/>
+                <a:sym typeface="Trebuchet MS"/>
+              </a:rPr>
+              <a:t>La </a:t>
+            </a:r>
+            <a:r>
+              <a:rPr lang="es" dirty="0" smtClean="0">
+                <a:solidFill>
+                  <a:srgbClr val="333333"/>
+                </a:solidFill>
+                <a:highlight>
+                  <a:srgbClr val="FFFFFF"/>
+                </a:highlight>
+                <a:latin typeface="+mj-lt"/>
+                <a:ea typeface="Trebuchet MS"/>
+                <a:cs typeface="Trebuchet MS"/>
+                <a:sym typeface="Trebuchet MS"/>
+              </a:rPr>
+              <a:t>mayoría </a:t>
+            </a:r>
+            <a:r>
+              <a:rPr lang="es" dirty="0">
+                <a:solidFill>
+                  <a:srgbClr val="333333"/>
+                </a:solidFill>
+                <a:highlight>
+                  <a:srgbClr val="FFFFFF"/>
+                </a:highlight>
+                <a:latin typeface="+mj-lt"/>
+                <a:ea typeface="Trebuchet MS"/>
+                <a:cs typeface="Trebuchet MS"/>
+                <a:sym typeface="Trebuchet MS"/>
+              </a:rPr>
+              <a:t>de los problemas detectados en servicios web </a:t>
+            </a:r>
+            <a:r>
+              <a:rPr lang="es" dirty="0" smtClean="0">
+                <a:solidFill>
+                  <a:srgbClr val="333333"/>
+                </a:solidFill>
+                <a:highlight>
+                  <a:srgbClr val="FFFFFF"/>
+                </a:highlight>
+                <a:latin typeface="+mj-lt"/>
+                <a:ea typeface="Trebuchet MS"/>
+                <a:cs typeface="Trebuchet MS"/>
+                <a:sym typeface="Trebuchet MS"/>
+              </a:rPr>
+              <a:t>se </a:t>
+            </a:r>
+            <a:r>
+              <a:rPr lang="es" dirty="0">
+                <a:solidFill>
+                  <a:srgbClr val="333333"/>
+                </a:solidFill>
+                <a:highlight>
+                  <a:srgbClr val="FFFFFF"/>
+                </a:highlight>
+                <a:latin typeface="+mj-lt"/>
+                <a:ea typeface="Trebuchet MS"/>
+                <a:cs typeface="Trebuchet MS"/>
+                <a:sym typeface="Trebuchet MS"/>
+              </a:rPr>
+              <a:t>generan por malas </a:t>
+            </a:r>
+            <a:r>
+              <a:rPr lang="es" dirty="0" smtClean="0">
+                <a:solidFill>
+                  <a:srgbClr val="333333"/>
+                </a:solidFill>
+                <a:highlight>
+                  <a:srgbClr val="FFFFFF"/>
+                </a:highlight>
+                <a:latin typeface="+mj-lt"/>
+                <a:ea typeface="Trebuchet MS"/>
+                <a:cs typeface="Trebuchet MS"/>
+                <a:sym typeface="Trebuchet MS"/>
+              </a:rPr>
+              <a:t>prácticas.</a:t>
+            </a:r>
+            <a:endParaRPr lang="es" dirty="0">
+              <a:solidFill>
+                <a:srgbClr val="333333"/>
+              </a:solidFill>
+              <a:highlight>
+                <a:srgbClr val="FFFFFF"/>
+              </a:highlight>
+              <a:latin typeface="+mj-lt"/>
+              <a:ea typeface="Trebuchet MS"/>
+              <a:cs typeface="Trebuchet MS"/>
+              <a:sym typeface="Trebuchet MS"/>
+            </a:endParaRPr>
           </a:p>
         </p:txBody>
       </p:sp>
       <p:pic>
         <p:nvPicPr>
-          <p:cNvPr id="72" name="Shape 72"/>
+          <p:cNvPr id="5" name="4 Imagen" descr="Secure-Cloud-illustration.jpg"/>
+          <p:cNvPicPr>
+            <a:picLocks noChangeAspect="1"/>
+          </p:cNvPicPr>
+          <p:nvPr/>
+        </p:nvPicPr>
+        <p:blipFill>
+          <a:blip r:embed="rId3"/>
+          <a:stretch>
+            <a:fillRect/>
+          </a:stretch>
+        </p:blipFill>
+        <p:spPr>
+          <a:xfrm>
+            <a:off x="2861756" y="2762653"/>
+            <a:ext cx="2956587" cy="1889193"/>
+          </a:xfrm>
+          <a:prstGeom prst="rect">
+            <a:avLst/>
+          </a:prstGeom>
+        </p:spPr>
+      </p:pic>
+    </p:spTree>
+  </p:cSld>
+  <p:clrMapOvr>
+    <a:masterClrMapping/>
+  </p:clrMapOvr>
+  <p:timing>
+    <p:tnLst>
+      <p:par>
+        <p:cTn id="1" dur="indefinite" restart="never" nodeType="tmRoot"/>
+      </p:par>
+    </p:tnLst>
+  </p:timing>
+</p:sld>
+</file>
+
+<file path=ppt/slides/slide4.xml><?xml version="1.0" encoding="utf-8"?>
+<p:sld xmlns:a="http://schemas.openxmlformats.org/drawingml/2006/main" xmlns:r="http://schemas.openxmlformats.org/officeDocument/2006/relationships" xmlns:p="http://schemas.openxmlformats.org/presentationml/2006/main">
+  <p:cSld>
+    <p:spTree>
+      <p:nvGrpSpPr>
+        <p:cNvPr id="1" name="Shape 134"/>
+        <p:cNvGrpSpPr/>
+        <p:nvPr/>
+      </p:nvGrpSpPr>
+      <p:grpSpPr>
+        <a:xfrm>
+          <a:off x="0" y="0"/>
+          <a:ext cx="0" cy="0"/>
+          <a:chOff x="0" y="0"/>
+          <a:chExt cx="0" cy="0"/>
+        </a:xfrm>
+      </p:grpSpPr>
+      <p:sp>
+        <p:nvSpPr>
+          <p:cNvPr id="135" name="Shape 135"/>
+          <p:cNvSpPr txBox="1">
+            <a:spLocks noGrp="1"/>
+          </p:cNvSpPr>
+          <p:nvPr>
+            <p:ph type="ctrTitle"/>
+          </p:nvPr>
+        </p:nvSpPr>
+        <p:spPr>
+          <a:xfrm>
+            <a:off x="311708" y="744575"/>
+            <a:ext cx="8520600" cy="2052600"/>
+          </a:xfrm>
+          <a:prstGeom prst="rect">
+            <a:avLst/>
+          </a:prstGeom>
+        </p:spPr>
+        <p:txBody>
+          <a:bodyPr wrap="square" lIns="91425" tIns="91425" rIns="91425" bIns="91425" anchor="b" anchorCtr="0">
+            <a:noAutofit/>
+          </a:bodyPr>
+          <a:lstStyle/>
+          <a:p>
+            <a:pPr lvl="0" rtl="0">
+              <a:spcBef>
+                <a:spcPts val="0"/>
+              </a:spcBef>
+              <a:buNone/>
+            </a:pPr>
+            <a:r>
+              <a:rPr lang="es" dirty="0" smtClean="0"/>
+              <a:t>Denegación de Servicios</a:t>
+            </a:r>
+            <a:r>
+              <a:rPr lang="es" dirty="0"/>
+              <a:t/>
+            </a:r>
+            <a:br>
+              <a:rPr lang="es" dirty="0"/>
+            </a:br>
+            <a:r>
+              <a:rPr lang="es" dirty="0" smtClean="0"/>
+              <a:t>(DDoS)</a:t>
+            </a:r>
+            <a:endParaRPr lang="es" dirty="0"/>
+          </a:p>
+        </p:txBody>
+      </p:sp>
+      <p:pic>
+        <p:nvPicPr>
+          <p:cNvPr id="136" name="Shape 136"/>
           <p:cNvPicPr preferRelativeResize="0"/>
           <p:nvPr/>
         </p:nvPicPr>
@@ -7922,8 +7744,36 @@
         </p:blipFill>
         <p:spPr>
           <a:xfrm>
-            <a:off x="6024600" y="2562200"/>
-            <a:ext cx="2540876" cy="2540876"/>
+            <a:off x="1828800" y="2873375"/>
+            <a:ext cx="2041524" cy="2041524"/>
+          </a:xfrm>
+          <a:prstGeom prst="rect">
+            <a:avLst/>
+          </a:prstGeom>
+          <a:noFill/>
+          <a:ln>
+            <a:noFill/>
+          </a:ln>
+        </p:spPr>
+      </p:pic>
+      <p:pic>
+        <p:nvPicPr>
+          <p:cNvPr id="137" name="Shape 137"/>
+          <p:cNvPicPr preferRelativeResize="0"/>
+          <p:nvPr/>
+        </p:nvPicPr>
+        <p:blipFill>
+          <a:blip r:embed="rId4">
+            <a:alphaModFix/>
+          </a:blip>
+          <a:stretch>
+            <a:fillRect/>
+          </a:stretch>
+        </p:blipFill>
+        <p:spPr>
+          <a:xfrm>
+            <a:off x="5051224" y="2797175"/>
+            <a:ext cx="2041524" cy="2041524"/>
           </a:xfrm>
           <a:prstGeom prst="rect">
             <a:avLst/>
@@ -7939,15 +7789,22 @@
   <p:clrMapOvr>
     <a:masterClrMapping/>
   </p:clrMapOvr>
+  <p:timing>
+    <p:tnLst>
+      <p:par>
+        <p:cTn id="1" dur="indefinite" restart="never" nodeType="tmRoot"/>
+      </p:par>
+    </p:tnLst>
+  </p:timing>
 </p:sld>
 </file>
 
-<file path=ppt/slides/slide4.xml><?xml version="1.0" encoding="utf-8"?>
+<file path=ppt/slides/slide5.xml><?xml version="1.0" encoding="utf-8"?>
 <p:sld xmlns:a="http://schemas.openxmlformats.org/drawingml/2006/main" xmlns:r="http://schemas.openxmlformats.org/officeDocument/2006/relationships" xmlns:p="http://schemas.openxmlformats.org/presentationml/2006/main">
   <p:cSld>
     <p:spTree>
       <p:nvGrpSpPr>
-        <p:cNvPr id="1" name="Shape 76"/>
+        <p:cNvPr id="1" name="Shape 154"/>
         <p:cNvGrpSpPr/>
         <p:nvPr/>
       </p:nvGrpSpPr>
@@ -7961,7 +7818,7 @@
       </p:grpSpPr>
       <p:sp>
         <p:nvSpPr>
-          <p:cNvPr id="77" name="Shape 77"/>
+          <p:cNvPr id="155" name="Shape 155"/>
           <p:cNvSpPr txBox="1">
             <a:spLocks noGrp="1"/>
           </p:cNvSpPr>
@@ -7971,8 +7828,8 @@
         </p:nvSpPr>
         <p:spPr>
           <a:xfrm>
-            <a:off x="311700" y="276800"/>
-            <a:ext cx="8520600" cy="1081200"/>
+            <a:off x="311700" y="445025"/>
+            <a:ext cx="8520600" cy="572700"/>
           </a:xfrm>
           <a:prstGeom prst="rect">
             <a:avLst/>
@@ -7988,18 +7845,33 @@
               <a:spcBef>
                 <a:spcPts val="0"/>
               </a:spcBef>
+              <a:buClr>
+                <a:schemeClr val="dk1"/>
+              </a:buClr>
+              <a:buSzPct val="39285"/>
+              <a:buFont typeface="Arial"/>
               <a:buNone/>
             </a:pPr>
             <a:r>
-              <a:rPr lang="es" dirty="0"/>
-              <a:t>Problemas principales en la programación de sistemas web</a:t>
-            </a:r>
+              <a:rPr lang="es" dirty="0" smtClean="0"/>
+              <a:t>Denegación de Servicios(DDoS)</a:t>
+            </a:r>
+            <a:endParaRPr lang="es" dirty="0"/>
+          </a:p>
+          <a:p>
+            <a:pPr lvl="0">
+              <a:spcBef>
+                <a:spcPts val="0"/>
+              </a:spcBef>
+              <a:buNone/>
+            </a:pPr>
+            <a:endParaRPr/>
           </a:p>
         </p:txBody>
       </p:sp>
       <p:sp>
         <p:nvSpPr>
-          <p:cNvPr id="78" name="Shape 78"/>
+          <p:cNvPr id="156" name="Shape 156"/>
           <p:cNvSpPr txBox="1">
             <a:spLocks noGrp="1"/>
           </p:cNvSpPr>
@@ -8009,7 +7881,7 @@
         </p:nvSpPr>
         <p:spPr>
           <a:xfrm>
-            <a:off x="311700" y="1476950"/>
+            <a:off x="311700" y="1152475"/>
             <a:ext cx="8520600" cy="3416400"/>
           </a:xfrm>
           <a:prstGeom prst="rect">
@@ -8030,137 +7902,64 @@
             </a:pPr>
             <a:r>
               <a:rPr lang="es" dirty="0"/>
-              <a:t>Una gran parte de los problemas de seguridad en las aplicaciones web son causados por la falta de seguimiento por parte del programador en los siguientes aspectos:</a:t>
-            </a:r>
-          </a:p>
-          <a:p>
-            <a:pPr lvl="0">
-              <a:spcBef>
-                <a:spcPts val="0"/>
-              </a:spcBef>
-              <a:buNone/>
-            </a:pPr>
+              <a:t>Un ataque de denegación de servicio o </a:t>
+            </a:r>
+            <a:r>
+              <a:rPr lang="es" dirty="0" smtClean="0"/>
+              <a:t>DDoS </a:t>
+            </a:r>
             <a:r>
               <a:rPr lang="es" dirty="0"/>
-              <a:t>Entradas al sistema</a:t>
-            </a:r>
-          </a:p>
-          <a:p>
-            <a:pPr lvl="0">
-              <a:spcBef>
-                <a:spcPts val="0"/>
-              </a:spcBef>
-              <a:buNone/>
-            </a:pPr>
-            <a:r>
-              <a:rPr lang="es" dirty="0"/>
-              <a:t>Salidas del sistema</a:t>
+              <a:t>tiene como objetivo dejar a un servicio o recurso de la red totalmente inaccesible a los usuarios legítimos.</a:t>
             </a:r>
           </a:p>
         </p:txBody>
       </p:sp>
-      <p:sp>
-        <p:nvSpPr>
-          <p:cNvPr id="2" name="Flecha derecha 1"/>
-          <p:cNvSpPr/>
+      <p:pic>
+        <p:nvPicPr>
+          <p:cNvPr id="5" name="4 Imagen" descr="NEW_SPLIT_BOTH_DIAGRAMS_DDoS-Attacks-Diagram-Attacked-01-01-01-01-01-02.png"/>
+          <p:cNvPicPr>
+            <a:picLocks noChangeAspect="1"/>
+          </p:cNvPicPr>
           <p:nvPr/>
-        </p:nvSpPr>
-        <p:spPr>
-          <a:xfrm>
-            <a:off x="6310364" y="3074796"/>
-            <a:ext cx="1617785" cy="612949"/>
-          </a:xfrm>
-          <a:prstGeom prst="rightArrow">
-            <a:avLst/>
-          </a:prstGeom>
-        </p:spPr>
-        <p:style>
-          <a:lnRef idx="2">
-            <a:schemeClr val="accent1">
-              <a:shade val="50000"/>
-            </a:schemeClr>
-          </a:lnRef>
-          <a:fillRef idx="1">
-            <a:schemeClr val="accent1"/>
-          </a:fillRef>
-          <a:effectRef idx="0">
-            <a:schemeClr val="accent1"/>
-          </a:effectRef>
-          <a:fontRef idx="minor">
-            <a:schemeClr val="lt1"/>
-          </a:fontRef>
-        </p:style>
-        <p:txBody>
-          <a:bodyPr rtlCol="0" anchor="ctr"/>
-          <a:lstStyle/>
-          <a:p>
-            <a:pPr algn="ctr"/>
-            <a:r>
-              <a:rPr lang="es-MX" dirty="0" smtClean="0"/>
-              <a:t>Salida</a:t>
-            </a:r>
-            <a:endParaRPr lang="es-MX" dirty="0"/>
-          </a:p>
-        </p:txBody>
-      </p:sp>
-      <p:sp>
-        <p:nvSpPr>
-          <p:cNvPr id="5" name="Flecha derecha 4"/>
-          <p:cNvSpPr/>
-          <p:nvPr/>
-        </p:nvSpPr>
-        <p:spPr>
-          <a:xfrm flipH="1">
-            <a:off x="4000918" y="3074795"/>
-            <a:ext cx="1617785" cy="612949"/>
-          </a:xfrm>
-          <a:prstGeom prst="rightArrow">
-            <a:avLst/>
-          </a:prstGeom>
-        </p:spPr>
-        <p:style>
-          <a:lnRef idx="2">
-            <a:schemeClr val="accent1">
-              <a:shade val="50000"/>
-            </a:schemeClr>
-          </a:lnRef>
-          <a:fillRef idx="1">
-            <a:schemeClr val="accent1"/>
-          </a:fillRef>
-          <a:effectRef idx="0">
-            <a:schemeClr val="accent1"/>
-          </a:effectRef>
-          <a:fontRef idx="minor">
-            <a:schemeClr val="lt1"/>
-          </a:fontRef>
-        </p:style>
-        <p:txBody>
-          <a:bodyPr rtlCol="0" anchor="ctr"/>
-          <a:lstStyle/>
-          <a:p>
-            <a:pPr algn="ctr"/>
-            <a:r>
-              <a:rPr lang="es-MX" dirty="0" smtClean="0"/>
-              <a:t>Entrada</a:t>
-            </a:r>
-            <a:endParaRPr lang="es-MX" dirty="0"/>
-          </a:p>
-        </p:txBody>
-      </p:sp>
+        </p:nvPicPr>
+        <p:blipFill>
+          <a:blip r:embed="rId3"/>
+          <a:stretch>
+            <a:fillRect/>
+          </a:stretch>
+        </p:blipFill>
+        <p:spPr>
+          <a:xfrm>
+            <a:off x="1776918" y="1849993"/>
+            <a:ext cx="4474724" cy="3196231"/>
+          </a:xfrm>
+          <a:prstGeom prst="rect">
+            <a:avLst/>
+          </a:prstGeom>
+        </p:spPr>
+      </p:pic>
     </p:spTree>
   </p:cSld>
   <p:clrMapOvr>
     <a:masterClrMapping/>
   </p:clrMapOvr>
+  <p:timing>
+    <p:tnLst>
+      <p:par>
+        <p:cTn id="1" dur="indefinite" restart="never" nodeType="tmRoot"/>
+      </p:par>
+    </p:tnLst>
+  </p:timing>
 </p:sld>
 </file>
 
-<file path=ppt/slides/slide5.xml><?xml version="1.0" encoding="utf-8"?>
+<file path=ppt/slides/slide6.xml><?xml version="1.0" encoding="utf-8"?>
 <p:sld xmlns:a="http://schemas.openxmlformats.org/drawingml/2006/main" xmlns:r="http://schemas.openxmlformats.org/officeDocument/2006/relationships" xmlns:p="http://schemas.openxmlformats.org/presentationml/2006/main">
   <p:cSld>
     <p:spTree>
       <p:nvGrpSpPr>
-        <p:cNvPr id="1" name="Shape 82"/>
+        <p:cNvPr id="1" name="Shape 134"/>
         <p:cNvGrpSpPr/>
         <p:nvPr/>
       </p:nvGrpSpPr>
@@ -8174,30 +7973,30 @@
       </p:grpSpPr>
       <p:sp>
         <p:nvSpPr>
-          <p:cNvPr id="83" name="Shape 83"/>
+          <p:cNvPr id="135" name="Shape 135"/>
           <p:cNvSpPr txBox="1">
             <a:spLocks noGrp="1"/>
           </p:cNvSpPr>
           <p:nvPr>
-            <p:ph type="title"/>
+            <p:ph type="ctrTitle"/>
           </p:nvPr>
         </p:nvSpPr>
         <p:spPr>
           <a:xfrm>
-            <a:off x="311700" y="445025"/>
-            <a:ext cx="8520600" cy="572700"/>
+            <a:off x="311708" y="744575"/>
+            <a:ext cx="8520600" cy="2052600"/>
           </a:xfrm>
           <a:prstGeom prst="rect">
             <a:avLst/>
           </a:prstGeom>
         </p:spPr>
         <p:txBody>
-          <a:bodyPr wrap="square" lIns="91425" tIns="91425" rIns="91425" bIns="91425" anchor="t" anchorCtr="0">
+          <a:bodyPr wrap="square" lIns="91425" tIns="91425" rIns="91425" bIns="91425" anchor="b" anchorCtr="0">
             <a:noAutofit/>
           </a:bodyPr>
           <a:lstStyle/>
           <a:p>
-            <a:pPr lvl="0">
+            <a:pPr lvl="0" rtl="0">
               <a:spcBef>
                 <a:spcPts val="0"/>
               </a:spcBef>
@@ -8205,109 +8004,21 @@
             </a:pPr>
             <a:r>
               <a:rPr lang="es"/>
-              <a:t>Prácticas Básicas de Seguridad Web</a:t>
-            </a:r>
-          </a:p>
-        </p:txBody>
-      </p:sp>
-      <p:sp>
-        <p:nvSpPr>
-          <p:cNvPr id="84" name="Shape 84"/>
-          <p:cNvSpPr txBox="1">
-            <a:spLocks noGrp="1"/>
-          </p:cNvSpPr>
-          <p:nvPr>
-            <p:ph type="body" idx="1"/>
-          </p:nvPr>
-        </p:nvSpPr>
-        <p:spPr>
-          <a:xfrm>
-            <a:off x="311700" y="1152475"/>
-            <a:ext cx="8520600" cy="3416400"/>
-          </a:xfrm>
-          <a:prstGeom prst="rect">
-            <a:avLst/>
-          </a:prstGeom>
-        </p:spPr>
-        <p:txBody>
-          <a:bodyPr wrap="square" lIns="91425" tIns="91425" rIns="91425" bIns="91425" anchor="t" anchorCtr="0">
-            <a:noAutofit/>
-          </a:bodyPr>
-          <a:lstStyle/>
-          <a:p>
-            <a:pPr marL="457200" lvl="0" indent="-342900" rtl="0">
-              <a:lnSpc>
-                <a:spcPct val="150000"/>
-              </a:lnSpc>
-              <a:spcBef>
-                <a:spcPts val="0"/>
-              </a:spcBef>
-              <a:spcAft>
-                <a:spcPts val="0"/>
-              </a:spcAft>
-              <a:buSzPct val="100000"/>
-            </a:pPr>
-            <a:r>
+              <a:t>Cross-Site Scripting</a:t>
+            </a:r>
+            <a:br>
               <a:rPr lang="es"/>
-              <a:t>Balancear Riesgo y usabilidad</a:t>
-            </a:r>
-          </a:p>
-          <a:p>
-            <a:pPr marL="457200" lvl="0" indent="-342900" rtl="0">
-              <a:lnSpc>
-                <a:spcPct val="150000"/>
-              </a:lnSpc>
-              <a:spcBef>
-                <a:spcPts val="0"/>
-              </a:spcBef>
-              <a:spcAft>
-                <a:spcPts val="0"/>
-              </a:spcAft>
-              <a:buSzPct val="100000"/>
-            </a:pPr>
+            </a:br>
             <a:r>
               <a:rPr lang="es"/>
-              <a:t>Rastrear el paso de los datos </a:t>
-            </a:r>
-          </a:p>
-          <a:p>
-            <a:pPr marL="457200" lvl="0" indent="-342900" rtl="0">
-              <a:lnSpc>
-                <a:spcPct val="150000"/>
-              </a:lnSpc>
-              <a:spcBef>
-                <a:spcPts val="0"/>
-              </a:spcBef>
-              <a:spcAft>
-                <a:spcPts val="0"/>
-              </a:spcAft>
-              <a:buSzPct val="100000"/>
-            </a:pPr>
-            <a:r>
-              <a:rPr lang="es"/>
-              <a:t>Filtrar entradas</a:t>
-            </a:r>
-          </a:p>
-          <a:p>
-            <a:pPr marL="457200" lvl="0" indent="-342900">
-              <a:lnSpc>
-                <a:spcPct val="150000"/>
-              </a:lnSpc>
-              <a:spcBef>
-                <a:spcPts val="0"/>
-              </a:spcBef>
-              <a:buSzPct val="100000"/>
-            </a:pPr>
-            <a:r>
-              <a:rPr lang="es"/>
-              <a:t>Escapado de salidas </a:t>
+              <a:t>(XSS)</a:t>
             </a:r>
           </a:p>
         </p:txBody>
       </p:sp>
       <p:pic>
         <p:nvPicPr>
-          <p:cNvPr id="85" name="Shape 85"/>
+          <p:cNvPr id="136" name="Shape 136"/>
           <p:cNvPicPr preferRelativeResize="0"/>
           <p:nvPr/>
         </p:nvPicPr>
@@ -8321,8 +8032,36 @@
         </p:blipFill>
         <p:spPr>
           <a:xfrm>
-            <a:off x="3563425" y="1334825"/>
-            <a:ext cx="5334000" cy="2762250"/>
+            <a:off x="1828800" y="2873375"/>
+            <a:ext cx="2041524" cy="2041524"/>
+          </a:xfrm>
+          <a:prstGeom prst="rect">
+            <a:avLst/>
+          </a:prstGeom>
+          <a:noFill/>
+          <a:ln>
+            <a:noFill/>
+          </a:ln>
+        </p:spPr>
+      </p:pic>
+      <p:pic>
+        <p:nvPicPr>
+          <p:cNvPr id="137" name="Shape 137"/>
+          <p:cNvPicPr preferRelativeResize="0"/>
+          <p:nvPr/>
+        </p:nvPicPr>
+        <p:blipFill>
+          <a:blip r:embed="rId4">
+            <a:alphaModFix/>
+          </a:blip>
+          <a:stretch>
+            <a:fillRect/>
+          </a:stretch>
+        </p:blipFill>
+        <p:spPr>
+          <a:xfrm>
+            <a:off x="5051224" y="2797175"/>
+            <a:ext cx="2041524" cy="2041524"/>
           </a:xfrm>
           <a:prstGeom prst="rect">
             <a:avLst/>
@@ -8338,15 +8077,22 @@
   <p:clrMapOvr>
     <a:masterClrMapping/>
   </p:clrMapOvr>
+  <p:timing>
+    <p:tnLst>
+      <p:par>
+        <p:cTn id="1" dur="indefinite" restart="never" nodeType="tmRoot"/>
+      </p:par>
+    </p:tnLst>
+  </p:timing>
 </p:sld>
 </file>
 
-<file path=ppt/slides/slide6.xml><?xml version="1.0" encoding="utf-8"?>
+<file path=ppt/slides/slide7.xml><?xml version="1.0" encoding="utf-8"?>
 <p:sld xmlns:a="http://schemas.openxmlformats.org/drawingml/2006/main" xmlns:r="http://schemas.openxmlformats.org/officeDocument/2006/relationships" xmlns:p="http://schemas.openxmlformats.org/presentationml/2006/main">
   <p:cSld>
     <p:spTree>
       <p:nvGrpSpPr>
-        <p:cNvPr id="1" name="Shape 89"/>
+        <p:cNvPr id="1" name="Shape 141"/>
         <p:cNvGrpSpPr/>
         <p:nvPr/>
       </p:nvGrpSpPr>
@@ -8360,7 +8106,7 @@
       </p:grpSpPr>
       <p:sp>
         <p:nvSpPr>
-          <p:cNvPr id="90" name="Shape 90"/>
+          <p:cNvPr id="142" name="Shape 142"/>
           <p:cNvSpPr txBox="1">
             <a:spLocks noGrp="1"/>
           </p:cNvSpPr>
@@ -8391,14 +8137,38 @@
             </a:pPr>
             <a:r>
               <a:rPr lang="es"/>
-              <a:t>Balancear Riesgo y usabilidad</a:t>
+              <a:t>Cross-Site Scripting (XSS)</a:t>
             </a:r>
           </a:p>
         </p:txBody>
       </p:sp>
-      <p:sp>
-        <p:nvSpPr>
-          <p:cNvPr id="91" name="Shape 91"/>
+      <p:pic>
+        <p:nvPicPr>
+          <p:cNvPr id="6" name="5 Imagen" descr="xss-anatomy.jpg"/>
+          <p:cNvPicPr>
+            <a:picLocks noChangeAspect="1"/>
+          </p:cNvPicPr>
+          <p:nvPr/>
+        </p:nvPicPr>
+        <p:blipFill>
+          <a:blip r:embed="rId3"/>
+          <a:stretch>
+            <a:fillRect/>
+          </a:stretch>
+        </p:blipFill>
+        <p:spPr>
+          <a:xfrm>
+            <a:off x="2327748" y="1874196"/>
+            <a:ext cx="4540700" cy="3269304"/>
+          </a:xfrm>
+          <a:prstGeom prst="rect">
+            <a:avLst/>
+          </a:prstGeom>
+        </p:spPr>
+      </p:pic>
+      <p:sp>
+        <p:nvSpPr>
+          <p:cNvPr id="143" name="Shape 143"/>
           <p:cNvSpPr txBox="1">
             <a:spLocks noGrp="1"/>
           </p:cNvSpPr>
@@ -8422,72 +8192,13 @@
           <a:lstStyle/>
           <a:p>
             <a:pPr lvl="0">
-              <a:spcBef>
-                <a:spcPts val="0"/>
-              </a:spcBef>
               <a:buNone/>
             </a:pPr>
             <a:r>
-              <a:rPr lang="es"/>
-              <a:t>Es cuando consideramos cómo se afectan estos dos aspectos:</a:t>
-            </a:r>
-          </a:p>
-          <a:p>
-            <a:pPr lvl="0">
-              <a:spcBef>
-                <a:spcPts val="0"/>
-              </a:spcBef>
-              <a:buNone/>
-            </a:pPr>
-            <a:r>
-              <a:rPr lang="es"/>
-              <a:t>Usabilidad &lt;-----&gt;Seguridad</a:t>
-            </a:r>
-          </a:p>
-          <a:p>
-            <a:pPr lvl="0">
-              <a:spcBef>
-                <a:spcPts val="0"/>
-              </a:spcBef>
-              <a:buNone/>
-            </a:pPr>
-            <a:r>
-              <a:rPr lang="es"/>
-              <a:t>Y tomamos medidas en caso de usuarios ilegítimos y usuarios legitimos.</a:t>
-            </a:r>
-          </a:p>
-          <a:p>
-            <a:pPr lvl="0">
-              <a:spcBef>
-                <a:spcPts val="0"/>
-              </a:spcBef>
-              <a:buNone/>
-            </a:pPr>
-            <a:r>
-              <a:rPr lang="es"/>
-              <a:t>Es cuando usamos medidas de seguridad transparentes para el usuario. Un ejemplo de ellos es el login.</a:t>
-            </a:r>
-          </a:p>
-          <a:p>
-            <a:pPr lvl="0">
-              <a:spcBef>
-                <a:spcPts val="0"/>
-              </a:spcBef>
-              <a:buNone/>
-            </a:pPr>
-            <a:endParaRPr/>
-          </a:p>
-          <a:p>
-            <a:pPr lvl="0">
-              <a:spcBef>
-                <a:spcPts val="0"/>
-              </a:spcBef>
-              <a:buNone/>
-            </a:pPr>
-            <a:r>
-              <a:rPr lang="es"/>
-              <a:t> </a:t>
-            </a:r>
+              <a:rPr lang="es-MX" dirty="0"/>
+              <a:t>XSS es un tipo de vulnerabilidad de seguridad informática típicamente encontrada en aplicaciones web que permiten la inyección de código por usuarios maliciosos en páginas web vistas por otros usuarios. </a:t>
+            </a:r>
+            <a:endParaRPr lang="es-MX" dirty="0" smtClean="0"/>
           </a:p>
         </p:txBody>
       </p:sp>
@@ -8496,15 +8207,22 @@
   <p:clrMapOvr>
     <a:masterClrMapping/>
   </p:clrMapOvr>
+  <p:timing>
+    <p:tnLst>
+      <p:par>
+        <p:cTn id="1" dur="indefinite" restart="never" nodeType="tmRoot"/>
+      </p:par>
+    </p:tnLst>
+  </p:timing>
 </p:sld>
 </file>
 
-<file path=ppt/slides/slide7.xml><?xml version="1.0" encoding="utf-8"?>
+<file path=ppt/slides/slide8.xml><?xml version="1.0" encoding="utf-8"?>
 <p:sld xmlns:a="http://schemas.openxmlformats.org/drawingml/2006/main" xmlns:r="http://schemas.openxmlformats.org/officeDocument/2006/relationships" xmlns:p="http://schemas.openxmlformats.org/presentationml/2006/main">
   <p:cSld>
     <p:spTree>
       <p:nvGrpSpPr>
-        <p:cNvPr id="1" name="Shape 95"/>
+        <p:cNvPr id="1" name="Shape 134"/>
         <p:cNvGrpSpPr/>
         <p:nvPr/>
       </p:nvGrpSpPr>
@@ -8518,104 +8236,57 @@
       </p:grpSpPr>
       <p:sp>
         <p:nvSpPr>
-          <p:cNvPr id="96" name="Shape 96"/>
+          <p:cNvPr id="135" name="Shape 135"/>
           <p:cNvSpPr txBox="1">
             <a:spLocks noGrp="1"/>
           </p:cNvSpPr>
           <p:nvPr>
-            <p:ph type="title"/>
+            <p:ph type="ctrTitle"/>
           </p:nvPr>
         </p:nvSpPr>
         <p:spPr>
           <a:xfrm>
-            <a:off x="311700" y="445025"/>
-            <a:ext cx="8520600" cy="572700"/>
+            <a:off x="311708" y="744575"/>
+            <a:ext cx="8520600" cy="2052600"/>
           </a:xfrm>
           <a:prstGeom prst="rect">
             <a:avLst/>
           </a:prstGeom>
         </p:spPr>
         <p:txBody>
-          <a:bodyPr wrap="square" lIns="91425" tIns="91425" rIns="91425" bIns="91425" anchor="t" anchorCtr="0">
+          <a:bodyPr wrap="square" lIns="91425" tIns="91425" rIns="91425" bIns="91425" anchor="b" anchorCtr="0">
             <a:noAutofit/>
           </a:bodyPr>
           <a:lstStyle/>
           <a:p>
-            <a:pPr lvl="0">
+            <a:pPr lvl="0" rtl="0">
               <a:spcBef>
                 <a:spcPts val="0"/>
               </a:spcBef>
               <a:buNone/>
             </a:pPr>
             <a:r>
-              <a:rPr lang="es"/>
-              <a:t>Rastrear el paso de los datos </a:t>
-            </a:r>
-          </a:p>
-        </p:txBody>
-      </p:sp>
-      <p:sp>
-        <p:nvSpPr>
-          <p:cNvPr id="97" name="Shape 97"/>
-          <p:cNvSpPr txBox="1">
-            <a:spLocks noGrp="1"/>
-          </p:cNvSpPr>
-          <p:nvPr>
-            <p:ph type="body" idx="1"/>
-          </p:nvPr>
-        </p:nvSpPr>
-        <p:spPr>
-          <a:xfrm>
-            <a:off x="311700" y="1152475"/>
-            <a:ext cx="8520600" cy="3416400"/>
-          </a:xfrm>
-          <a:prstGeom prst="rect">
-            <a:avLst/>
-          </a:prstGeom>
-        </p:spPr>
-        <p:txBody>
-          <a:bodyPr wrap="square" lIns="91425" tIns="91425" rIns="91425" bIns="91425" anchor="t" anchorCtr="0">
-            <a:noAutofit/>
-          </a:bodyPr>
-          <a:lstStyle/>
-          <a:p>
-            <a:pPr lvl="0">
-              <a:spcBef>
-                <a:spcPts val="0"/>
-              </a:spcBef>
-              <a:buNone/>
-            </a:pPr>
-            <a:r>
-              <a:rPr lang="es"/>
-              <a:t>Es en simples palabras conocer el flujo de la información dentro de tu aplicación web</a:t>
-            </a:r>
-          </a:p>
-          <a:p>
-            <a:pPr lvl="0">
-              <a:spcBef>
-                <a:spcPts val="0"/>
-              </a:spcBef>
-              <a:buNone/>
-            </a:pPr>
-            <a:r>
-              <a:rPr lang="es"/>
-              <a:t>La ventaja en saber esto, es que uno tiene una idea el origen que tiene nuestros datos , y ver si estos son dignos de confianza o no.</a:t>
-            </a:r>
-          </a:p>
-          <a:p>
-            <a:pPr lvl="0">
-              <a:spcBef>
-                <a:spcPts val="0"/>
-              </a:spcBef>
-              <a:buNone/>
-            </a:pPr>
-            <a:endParaRPr/>
+              <a:rPr lang="es" dirty="0" smtClean="0"/>
+              <a:t>Cross-Site Request Forgery</a:t>
+            </a:r>
+            <a:r>
+              <a:rPr lang="es" dirty="0"/>
+              <a:t/>
+            </a:r>
+            <a:br>
+              <a:rPr lang="es" dirty="0"/>
+            </a:br>
+            <a:r>
+              <a:rPr lang="es" dirty="0" smtClean="0"/>
+              <a:t>(CSRF)</a:t>
+            </a:r>
+            <a:endParaRPr lang="es" dirty="0"/>
           </a:p>
         </p:txBody>
       </p:sp>
       <p:pic>
         <p:nvPicPr>
-          <p:cNvPr id="98" name="Shape 98"/>
+          <p:cNvPr id="136" name="Shape 136"/>
           <p:cNvPicPr preferRelativeResize="0"/>
           <p:nvPr/>
         </p:nvPicPr>
@@ -8629,8 +8300,36 @@
         </p:blipFill>
         <p:spPr>
           <a:xfrm>
-            <a:off x="5472113" y="2695575"/>
-            <a:ext cx="2619375" cy="2190750"/>
+            <a:off x="1828800" y="2873375"/>
+            <a:ext cx="2041524" cy="2041524"/>
+          </a:xfrm>
+          <a:prstGeom prst="rect">
+            <a:avLst/>
+          </a:prstGeom>
+          <a:noFill/>
+          <a:ln>
+            <a:noFill/>
+          </a:ln>
+        </p:spPr>
+      </p:pic>
+      <p:pic>
+        <p:nvPicPr>
+          <p:cNvPr id="137" name="Shape 137"/>
+          <p:cNvPicPr preferRelativeResize="0"/>
+          <p:nvPr/>
+        </p:nvPicPr>
+        <p:blipFill>
+          <a:blip r:embed="rId4">
+            <a:alphaModFix/>
+          </a:blip>
+          <a:stretch>
+            <a:fillRect/>
+          </a:stretch>
+        </p:blipFill>
+        <p:spPr>
+          <a:xfrm>
+            <a:off x="5051224" y="2797175"/>
+            <a:ext cx="2041524" cy="2041524"/>
           </a:xfrm>
           <a:prstGeom prst="rect">
             <a:avLst/>
@@ -8646,15 +8345,22 @@
   <p:clrMapOvr>
     <a:masterClrMapping/>
   </p:clrMapOvr>
+  <p:timing>
+    <p:tnLst>
+      <p:par>
+        <p:cTn id="1" dur="indefinite" restart="never" nodeType="tmRoot"/>
+      </p:par>
+    </p:tnLst>
+  </p:timing>
 </p:sld>
 </file>
 
-<file path=ppt/slides/slide8.xml><?xml version="1.0" encoding="utf-8"?>
+<file path=ppt/slides/slide9.xml><?xml version="1.0" encoding="utf-8"?>
 <p:sld xmlns:a="http://schemas.openxmlformats.org/drawingml/2006/main" xmlns:r="http://schemas.openxmlformats.org/officeDocument/2006/relationships" xmlns:p="http://schemas.openxmlformats.org/presentationml/2006/main">
   <p:cSld>
     <p:spTree>
       <p:nvGrpSpPr>
-        <p:cNvPr id="1" name="Shape 102"/>
+        <p:cNvPr id="1" name="Shape 141"/>
         <p:cNvGrpSpPr/>
         <p:nvPr/>
       </p:nvGrpSpPr>
@@ -8668,7 +8374,7 @@
       </p:grpSpPr>
       <p:sp>
         <p:nvSpPr>
-          <p:cNvPr id="103" name="Shape 103"/>
+          <p:cNvPr id="142" name="Shape 142"/>
           <p:cNvSpPr txBox="1">
             <a:spLocks noGrp="1"/>
           </p:cNvSpPr>
@@ -8698,15 +8404,24 @@
               <a:buNone/>
             </a:pPr>
             <a:r>
-              <a:rPr lang="es"/>
-              <a:t>Filtrar entradas </a:t>
-            </a:r>
+              <a:rPr lang="es" dirty="0"/>
+              <a:t>Cross-Site </a:t>
+            </a:r>
+            <a:r>
+              <a:rPr lang="es-ES" dirty="0" err="1" smtClean="0"/>
+              <a:t>Request</a:t>
+            </a:r>
+            <a:r>
+              <a:rPr lang="es" dirty="0" smtClean="0"/>
+              <a:t> Forgery (CSRF)</a:t>
+            </a:r>
+            <a:endParaRPr lang="es" dirty="0"/>
           </a:p>
         </p:txBody>
       </p:sp>
       <p:sp>
         <p:nvSpPr>
-          <p:cNvPr id="104" name="Shape 104"/>
+          <p:cNvPr id="143" name="Shape 143"/>
           <p:cNvSpPr txBox="1">
             <a:spLocks noGrp="1"/>
           </p:cNvSpPr>
@@ -8730,241 +8445,65 @@
           <a:lstStyle/>
           <a:p>
             <a:pPr lvl="0">
-              <a:spcBef>
-                <a:spcPts val="0"/>
-              </a:spcBef>
               <a:buNone/>
             </a:pPr>
             <a:r>
-              <a:rPr lang="es"/>
-              <a:t>El filtrado es una de las piedras angulares de la seguridad en aplicaciones web. Es el proceso por el cual se prueba la validez de los datos.</a:t>
+              <a:rPr lang="es-MX" dirty="0" smtClean="0"/>
+              <a:t>CSRF es </a:t>
+            </a:r>
+            <a:r>
+              <a:rPr lang="es-MX" dirty="0"/>
+              <a:t>un tipo de vulnerabilidad de seguridad informática típicamente encontrada en aplicaciones web </a:t>
+            </a:r>
+            <a:r>
+              <a:rPr lang="es-MX" dirty="0" smtClean="0"/>
+              <a:t>explotada generalmente porque no se controla que la ejecución de una acción dentro de nuestra aplicación sea ejecutada desde un sitio externo. </a:t>
             </a:r>
           </a:p>
           <a:p>
             <a:pPr lvl="0">
-              <a:spcBef>
-                <a:spcPts val="0"/>
-              </a:spcBef>
               <a:buNone/>
             </a:pPr>
-            <a:r>
-              <a:rPr lang="es"/>
-              <a:t>Con esto se elimina el riesgo de datos contaminados.</a:t>
-            </a:r>
-          </a:p>
-          <a:p>
-            <a:pPr lvl="0">
-              <a:spcBef>
-                <a:spcPts val="0"/>
-              </a:spcBef>
-              <a:buNone/>
-            </a:pPr>
-            <a:r>
-              <a:rPr lang="es"/>
-              <a:t>El proceso de filtrado es:</a:t>
-            </a:r>
-          </a:p>
-          <a:p>
-            <a:pPr lvl="0">
-              <a:spcBef>
-                <a:spcPts val="0"/>
-              </a:spcBef>
-              <a:buNone/>
-            </a:pPr>
-            <a:r>
-              <a:rPr lang="es"/>
-              <a:t>Identifica la Entrada </a:t>
-            </a:r>
-          </a:p>
-          <a:p>
-            <a:pPr lvl="0">
-              <a:spcBef>
-                <a:spcPts val="0"/>
-              </a:spcBef>
-              <a:buNone/>
-            </a:pPr>
-            <a:r>
-              <a:rPr lang="es"/>
-              <a:t>Filtrado de la entrada </a:t>
-            </a:r>
-          </a:p>
-          <a:p>
-            <a:pPr lvl="0">
-              <a:spcBef>
-                <a:spcPts val="0"/>
-              </a:spcBef>
-              <a:buNone/>
-            </a:pPr>
-            <a:r>
-              <a:rPr lang="es"/>
-              <a:t>Distinguir entre datos que ya han pasado por el filtro y los que no. </a:t>
-            </a:r>
+            <a:endParaRPr dirty="0"/>
           </a:p>
         </p:txBody>
       </p:sp>
+      <p:pic>
+        <p:nvPicPr>
+          <p:cNvPr id="5" name="4 Imagen" descr="visual_studio_purple.png"/>
+          <p:cNvPicPr>
+            <a:picLocks noChangeAspect="1"/>
+          </p:cNvPicPr>
+          <p:nvPr/>
+        </p:nvPicPr>
+        <p:blipFill>
+          <a:blip r:embed="rId3"/>
+          <a:stretch>
+            <a:fillRect/>
+          </a:stretch>
+        </p:blipFill>
+        <p:spPr>
+          <a:xfrm>
+            <a:off x="5961165" y="3119336"/>
+            <a:ext cx="2442433" cy="1212765"/>
+          </a:xfrm>
+          <a:prstGeom prst="rect">
+            <a:avLst/>
+          </a:prstGeom>
+        </p:spPr>
+      </p:pic>
     </p:spTree>
   </p:cSld>
   <p:clrMapOvr>
     <a:masterClrMapping/>
   </p:clrMapOvr>
-</p:sld>
-</file>
-
-<file path=ppt/slides/slide9.xml><?xml version="1.0" encoding="utf-8"?>
-<p:sld xmlns:a="http://schemas.openxmlformats.org/drawingml/2006/main" xmlns:r="http://schemas.openxmlformats.org/officeDocument/2006/relationships" xmlns:p="http://schemas.openxmlformats.org/presentationml/2006/main">
-  <p:cSld>
-    <p:spTree>
-      <p:nvGrpSpPr>
-        <p:cNvPr id="1" name="Shape 108"/>
-        <p:cNvGrpSpPr/>
-        <p:nvPr/>
-      </p:nvGrpSpPr>
-      <p:grpSpPr>
-        <a:xfrm>
-          <a:off x="0" y="0"/>
-          <a:ext cx="0" cy="0"/>
-          <a:chOff x="0" y="0"/>
-          <a:chExt cx="0" cy="0"/>
-        </a:xfrm>
-      </p:grpSpPr>
-      <p:sp>
-        <p:nvSpPr>
-          <p:cNvPr id="109" name="Shape 109"/>
-          <p:cNvSpPr txBox="1">
-            <a:spLocks noGrp="1"/>
-          </p:cNvSpPr>
-          <p:nvPr>
-            <p:ph type="title"/>
-          </p:nvPr>
-        </p:nvSpPr>
-        <p:spPr>
-          <a:xfrm>
-            <a:off x="311700" y="445025"/>
-            <a:ext cx="8520600" cy="572700"/>
-          </a:xfrm>
-          <a:prstGeom prst="rect">
-            <a:avLst/>
-          </a:prstGeom>
-        </p:spPr>
-        <p:txBody>
-          <a:bodyPr wrap="square" lIns="91425" tIns="91425" rIns="91425" bIns="91425" anchor="t" anchorCtr="0">
-            <a:noAutofit/>
-          </a:bodyPr>
-          <a:lstStyle/>
-          <a:p>
-            <a:pPr lvl="0">
-              <a:spcBef>
-                <a:spcPts val="0"/>
-              </a:spcBef>
-              <a:buNone/>
-            </a:pPr>
-            <a:r>
-              <a:rPr lang="es"/>
-              <a:t>Escapar Salidas</a:t>
-            </a:r>
-          </a:p>
-        </p:txBody>
-      </p:sp>
-      <p:sp>
-        <p:nvSpPr>
-          <p:cNvPr id="110" name="Shape 110"/>
-          <p:cNvSpPr txBox="1">
-            <a:spLocks noGrp="1"/>
-          </p:cNvSpPr>
-          <p:nvPr>
-            <p:ph type="body" idx="1"/>
-          </p:nvPr>
-        </p:nvSpPr>
-        <p:spPr>
-          <a:xfrm>
-            <a:off x="311700" y="1152475"/>
-            <a:ext cx="8520600" cy="3416400"/>
-          </a:xfrm>
-          <a:prstGeom prst="rect">
-            <a:avLst/>
-          </a:prstGeom>
-        </p:spPr>
-        <p:txBody>
-          <a:bodyPr wrap="square" lIns="91425" tIns="91425" rIns="91425" bIns="91425" anchor="t" anchorCtr="0">
-            <a:noAutofit/>
-          </a:bodyPr>
-          <a:lstStyle/>
-          <a:p>
-            <a:pPr lvl="0">
-              <a:spcBef>
-                <a:spcPts val="0"/>
-              </a:spcBef>
-              <a:buNone/>
-            </a:pPr>
-            <a:r>
-              <a:rPr lang="es"/>
-              <a:t>Otra piedra angular de la seguridad en aplicaciones web es el proceso de escapado y su contraparte para codificar o decodificar caracteres especiales de tal forma que su significado original sea preservado.</a:t>
-            </a:r>
-          </a:p>
-          <a:p>
-            <a:pPr lvl="0">
-              <a:spcBef>
-                <a:spcPts val="0"/>
-              </a:spcBef>
-              <a:buNone/>
-            </a:pPr>
-            <a:r>
-              <a:rPr lang="es"/>
-              <a:t>Y el proceso que sigue es: </a:t>
-            </a:r>
-          </a:p>
-          <a:p>
-            <a:pPr lvl="0">
-              <a:spcBef>
-                <a:spcPts val="0"/>
-              </a:spcBef>
-              <a:buNone/>
-            </a:pPr>
-            <a:r>
-              <a:rPr lang="es"/>
-              <a:t>Identifica las salidas </a:t>
-            </a:r>
-          </a:p>
-          <a:p>
-            <a:pPr lvl="0">
-              <a:spcBef>
-                <a:spcPts val="0"/>
-              </a:spcBef>
-              <a:buNone/>
-            </a:pPr>
-            <a:r>
-              <a:rPr lang="es"/>
-              <a:t>Escapar las Salidas</a:t>
-            </a:r>
-          </a:p>
-          <a:p>
-            <a:pPr lvl="0">
-              <a:spcBef>
-                <a:spcPts val="0"/>
-              </a:spcBef>
-              <a:buNone/>
-            </a:pPr>
-            <a:r>
-              <a:rPr lang="es"/>
-              <a:t>Distringuir entre datos escapados y no escapados.</a:t>
-            </a:r>
-          </a:p>
-          <a:p>
-            <a:pPr lvl="0">
-              <a:spcBef>
-                <a:spcPts val="0"/>
-              </a:spcBef>
-              <a:buNone/>
-            </a:pPr>
-            <a:endParaRPr/>
-          </a:p>
-        </p:txBody>
-      </p:sp>
-    </p:spTree>
-  </p:cSld>
-  <p:clrMapOvr>
-    <a:masterClrMapping/>
-  </p:clrMapOvr>
+  <p:timing>
+    <p:tnLst>
+      <p:par>
+        <p:cTn id="1" dur="indefinite" restart="never" nodeType="tmRoot"/>
+      </p:par>
+    </p:tnLst>
+  </p:timing>
 </p:sld>
 </file>
 

--- a/Seguridad_de_aplicaciones_web.pptx
+++ b/Seguridad_de_aplicaciones_web.pptx
@@ -232,7 +232,7 @@
   </p:defaultTextStyle>
   <p:extLst>
     <p:ext uri="{EFAFB233-063F-42B5-8137-9DF3F51BA10A}">
-      <p15:sldGuideLst xmlns="" xmlns:p15="http://schemas.microsoft.com/office/powerpoint/2012/main"/>
+      <p15:sldGuideLst xmlns:p15="http://schemas.microsoft.com/office/powerpoint/2012/main" xmlns=""/>
     </p:ext>
   </p:extLst>
 </p:presentation>
@@ -418,7 +418,7 @@
     </p:spTree>
     <p:extLst>
       <p:ext uri="{BB962C8B-B14F-4D97-AF65-F5344CB8AC3E}">
-        <p14:creationId xmlns="" xmlns:p14="http://schemas.microsoft.com/office/powerpoint/2010/main" val="3954009524"/>
+        <p14:creationId xmlns:p14="http://schemas.microsoft.com/office/powerpoint/2010/main" xmlns="" val="3954009524"/>
       </p:ext>
     </p:extLst>
   </p:cSld>
@@ -614,7 +614,7 @@
     </p:spTree>
     <p:extLst>
       <p:ext uri="{BB962C8B-B14F-4D97-AF65-F5344CB8AC3E}">
-        <p14:creationId xmlns="" xmlns:p14="http://schemas.microsoft.com/office/powerpoint/2010/main" val="2575898211"/>
+        <p14:creationId xmlns:p14="http://schemas.microsoft.com/office/powerpoint/2010/main" xmlns="" val="2575898211"/>
       </p:ext>
     </p:extLst>
   </p:cSld>
@@ -720,7 +720,7 @@
     </p:spTree>
     <p:extLst>
       <p:ext uri="{BB962C8B-B14F-4D97-AF65-F5344CB8AC3E}">
-        <p14:creationId xmlns="" xmlns:p14="http://schemas.microsoft.com/office/powerpoint/2010/main" val="3361996585"/>
+        <p14:creationId xmlns:p14="http://schemas.microsoft.com/office/powerpoint/2010/main" xmlns="" val="3361996585"/>
       </p:ext>
     </p:extLst>
   </p:cSld>
@@ -826,7 +826,7 @@
     </p:spTree>
     <p:extLst>
       <p:ext uri="{BB962C8B-B14F-4D97-AF65-F5344CB8AC3E}">
-        <p14:creationId xmlns="" xmlns:p14="http://schemas.microsoft.com/office/powerpoint/2010/main" val="1683026041"/>
+        <p14:creationId xmlns:p14="http://schemas.microsoft.com/office/powerpoint/2010/main" xmlns="" val="1683026041"/>
       </p:ext>
     </p:extLst>
   </p:cSld>
@@ -932,7 +932,7 @@
     </p:spTree>
     <p:extLst>
       <p:ext uri="{BB962C8B-B14F-4D97-AF65-F5344CB8AC3E}">
-        <p14:creationId xmlns="" xmlns:p14="http://schemas.microsoft.com/office/powerpoint/2010/main" val="3361996585"/>
+        <p14:creationId xmlns:p14="http://schemas.microsoft.com/office/powerpoint/2010/main" xmlns="" val="3361996585"/>
       </p:ext>
     </p:extLst>
   </p:cSld>
@@ -1038,7 +1038,7 @@
     </p:spTree>
     <p:extLst>
       <p:ext uri="{BB962C8B-B14F-4D97-AF65-F5344CB8AC3E}">
-        <p14:creationId xmlns="" xmlns:p14="http://schemas.microsoft.com/office/powerpoint/2010/main" val="1683026041"/>
+        <p14:creationId xmlns:p14="http://schemas.microsoft.com/office/powerpoint/2010/main" xmlns="" val="1683026041"/>
       </p:ext>
     </p:extLst>
   </p:cSld>
@@ -1144,7 +1144,7 @@
     </p:spTree>
     <p:extLst>
       <p:ext uri="{BB962C8B-B14F-4D97-AF65-F5344CB8AC3E}">
-        <p14:creationId xmlns="" xmlns:p14="http://schemas.microsoft.com/office/powerpoint/2010/main" val="3361996585"/>
+        <p14:creationId xmlns:p14="http://schemas.microsoft.com/office/powerpoint/2010/main" xmlns="" val="3361996585"/>
       </p:ext>
     </p:extLst>
   </p:cSld>
@@ -1250,7 +1250,7 @@
     </p:spTree>
     <p:extLst>
       <p:ext uri="{BB962C8B-B14F-4D97-AF65-F5344CB8AC3E}">
-        <p14:creationId xmlns="" xmlns:p14="http://schemas.microsoft.com/office/powerpoint/2010/main" val="1803485106"/>
+        <p14:creationId xmlns:p14="http://schemas.microsoft.com/office/powerpoint/2010/main" xmlns="" val="1803485106"/>
       </p:ext>
     </p:extLst>
   </p:cSld>
@@ -1356,7 +1356,7 @@
     </p:spTree>
     <p:extLst>
       <p:ext uri="{BB962C8B-B14F-4D97-AF65-F5344CB8AC3E}">
-        <p14:creationId xmlns="" xmlns:p14="http://schemas.microsoft.com/office/powerpoint/2010/main" val="2878881066"/>
+        <p14:creationId xmlns:p14="http://schemas.microsoft.com/office/powerpoint/2010/main" xmlns="" val="2878881066"/>
       </p:ext>
     </p:extLst>
   </p:cSld>
@@ -1462,7 +1462,7 @@
     </p:spTree>
     <p:extLst>
       <p:ext uri="{BB962C8B-B14F-4D97-AF65-F5344CB8AC3E}">
-        <p14:creationId xmlns="" xmlns:p14="http://schemas.microsoft.com/office/powerpoint/2010/main" val="3361996585"/>
+        <p14:creationId xmlns:p14="http://schemas.microsoft.com/office/powerpoint/2010/main" xmlns="" val="3361996585"/>
       </p:ext>
     </p:extLst>
   </p:cSld>
@@ -1568,7 +1568,7 @@
     </p:spTree>
     <p:extLst>
       <p:ext uri="{BB962C8B-B14F-4D97-AF65-F5344CB8AC3E}">
-        <p14:creationId xmlns="" xmlns:p14="http://schemas.microsoft.com/office/powerpoint/2010/main" val="4278346267"/>
+        <p14:creationId xmlns:p14="http://schemas.microsoft.com/office/powerpoint/2010/main" xmlns="" val="4278346267"/>
       </p:ext>
     </p:extLst>
   </p:cSld>
@@ -1674,7 +1674,7 @@
     </p:spTree>
     <p:extLst>
       <p:ext uri="{BB962C8B-B14F-4D97-AF65-F5344CB8AC3E}">
-        <p14:creationId xmlns="" xmlns:p14="http://schemas.microsoft.com/office/powerpoint/2010/main" val="3361996585"/>
+        <p14:creationId xmlns:p14="http://schemas.microsoft.com/office/powerpoint/2010/main" xmlns="" val="3361996585"/>
       </p:ext>
     </p:extLst>
   </p:cSld>
@@ -1780,7 +1780,7 @@
     </p:spTree>
     <p:extLst>
       <p:ext uri="{BB962C8B-B14F-4D97-AF65-F5344CB8AC3E}">
-        <p14:creationId xmlns="" xmlns:p14="http://schemas.microsoft.com/office/powerpoint/2010/main" val="1683026041"/>
+        <p14:creationId xmlns:p14="http://schemas.microsoft.com/office/powerpoint/2010/main" xmlns="" val="1683026041"/>
       </p:ext>
     </p:extLst>
   </p:cSld>
@@ -1886,7 +1886,7 @@
     </p:spTree>
     <p:extLst>
       <p:ext uri="{BB962C8B-B14F-4D97-AF65-F5344CB8AC3E}">
-        <p14:creationId xmlns="" xmlns:p14="http://schemas.microsoft.com/office/powerpoint/2010/main" val="3361996585"/>
+        <p14:creationId xmlns:p14="http://schemas.microsoft.com/office/powerpoint/2010/main" xmlns="" val="3361996585"/>
       </p:ext>
     </p:extLst>
   </p:cSld>
@@ -1992,7 +1992,7 @@
     </p:spTree>
     <p:extLst>
       <p:ext uri="{BB962C8B-B14F-4D97-AF65-F5344CB8AC3E}">
-        <p14:creationId xmlns="" xmlns:p14="http://schemas.microsoft.com/office/powerpoint/2010/main" val="1683026041"/>
+        <p14:creationId xmlns:p14="http://schemas.microsoft.com/office/powerpoint/2010/main" xmlns="" val="1683026041"/>
       </p:ext>
     </p:extLst>
   </p:cSld>
@@ -5347,15 +5347,7 @@
                   <a:schemeClr val="bg1"/>
                 </a:solidFill>
               </a:rPr>
-              <a:t>Robert </a:t>
-            </a:r>
-            <a:r>
-              <a:rPr lang="es" sz="2400" b="1" dirty="0" smtClean="0">
-                <a:solidFill>
-                  <a:schemeClr val="bg1"/>
-                </a:solidFill>
-              </a:rPr>
-              <a:t>Rozas Navarro</a:t>
+              <a:t>Robert Rozas Navarro</a:t>
             </a:r>
           </a:p>
           <a:p>
@@ -5645,7 +5637,15 @@
             </a:pPr>
             <a:r>
               <a:rPr lang="es" dirty="0" smtClean="0"/>
-              <a:t>Carga de Archivos Miliciosos</a:t>
+              <a:t>Carga de </a:t>
+            </a:r>
+            <a:r>
+              <a:rPr lang="es" smtClean="0"/>
+              <a:t>Archivos </a:t>
+            </a:r>
+            <a:r>
+              <a:rPr lang="es" smtClean="0"/>
+              <a:t>Maliciosos</a:t>
             </a:r>
             <a:endParaRPr lang="es" dirty="0"/>
           </a:p>
@@ -6942,7 +6942,7 @@
     </p:spTree>
     <p:extLst>
       <p:ext uri="{BB962C8B-B14F-4D97-AF65-F5344CB8AC3E}">
-        <p14:creationId xmlns="" xmlns:p14="http://schemas.microsoft.com/office/powerpoint/2010/main" val="1721025396"/>
+        <p14:creationId xmlns:p14="http://schemas.microsoft.com/office/powerpoint/2010/main" xmlns="" val="1721025396"/>
       </p:ext>
     </p:extLst>
   </p:cSld>
@@ -7155,7 +7155,7 @@
     </p:spTree>
     <p:extLst>
       <p:ext uri="{BB962C8B-B14F-4D97-AF65-F5344CB8AC3E}">
-        <p14:creationId xmlns="" xmlns:p14="http://schemas.microsoft.com/office/powerpoint/2010/main" val="1875998454"/>
+        <p14:creationId xmlns:p14="http://schemas.microsoft.com/office/powerpoint/2010/main" xmlns="" val="1875998454"/>
       </p:ext>
     </p:extLst>
   </p:cSld>
@@ -7515,37 +7515,7 @@
                 <a:cs typeface="Trebuchet MS"/>
                 <a:sym typeface="Trebuchet MS"/>
               </a:rPr>
-              <a:t>. </a:t>
-            </a:r>
-            <a:r>
-              <a:rPr lang="es" dirty="0" smtClean="0">
-                <a:solidFill>
-                  <a:srgbClr val="333333"/>
-                </a:solidFill>
-                <a:highlight>
-                  <a:srgbClr val="FFFFFF"/>
-                </a:highlight>
-                <a:latin typeface="+mj-lt"/>
-                <a:ea typeface="Trebuchet MS"/>
-                <a:cs typeface="Trebuchet MS"/>
-                <a:sym typeface="Trebuchet MS"/>
-              </a:rPr>
-              <a:t>La </a:t>
-            </a:r>
-            <a:r>
-              <a:rPr lang="es" dirty="0" smtClean="0">
-                <a:solidFill>
-                  <a:srgbClr val="333333"/>
-                </a:solidFill>
-                <a:highlight>
-                  <a:srgbClr val="FFFFFF"/>
-                </a:highlight>
-                <a:latin typeface="+mj-lt"/>
-                <a:ea typeface="Trebuchet MS"/>
-                <a:cs typeface="Trebuchet MS"/>
-                <a:sym typeface="Trebuchet MS"/>
-              </a:rPr>
-              <a:t>mayoría </a:t>
+              <a:t>. La mayoría </a:t>
             </a:r>
             <a:r>
               <a:rPr lang="es" dirty="0">
